--- a/FacenetF.pptx
+++ b/FacenetF.pptx
@@ -21,15 +21,11 @@
     <p:sldId id="280" r:id="rId15"/>
     <p:sldId id="281" r:id="rId16"/>
     <p:sldId id="282" r:id="rId17"/>
-    <p:sldId id="283" r:id="rId18"/>
-    <p:sldId id="260" r:id="rId19"/>
-    <p:sldId id="261" r:id="rId20"/>
-    <p:sldId id="262" r:id="rId21"/>
-    <p:sldId id="263" r:id="rId22"/>
-    <p:sldId id="264" r:id="rId23"/>
-    <p:sldId id="265" r:id="rId24"/>
-    <p:sldId id="266" r:id="rId25"/>
-    <p:sldId id="267" r:id="rId26"/>
+    <p:sldId id="260" r:id="rId18"/>
+    <p:sldId id="261" r:id="rId19"/>
+    <p:sldId id="283" r:id="rId20"/>
+    <p:sldId id="266" r:id="rId21"/>
+    <p:sldId id="267" r:id="rId22"/>
   </p:sldIdLst>
   <p:sldSz cx="12192000" cy="6858000"/>
   <p:notesSz cx="6858000" cy="9144000"/>
@@ -128,6 +124,11 @@
       </a:defRPr>
     </a:lvl9pPr>
   </p:defaultTextStyle>
+  <p:extLst>
+    <p:ext uri="{EFAFB233-063F-42B5-8137-9DF3F51BA10A}">
+      <p15:sldGuideLst xmlns:p15="http://schemas.microsoft.com/office/powerpoint/2012/main"/>
+    </p:ext>
+  </p:extLst>
 </p:presentation>
 </file>
 
@@ -439,7 +440,7 @@
           </a:lstStyle>
           <a:p>
             <a:r>
-              <a:rPr lang="en-US" smtClean="0"/>
+              <a:rPr lang="en-US"/>
               <a:t>Click to edit Master title style</a:t>
             </a:r>
             <a:endParaRPr lang="en-US" dirty="0"/>
@@ -510,7 +511,7 @@
           </a:lstStyle>
           <a:p>
             <a:r>
-              <a:rPr lang="en-US" smtClean="0"/>
+              <a:rPr lang="en-US"/>
               <a:t>Click to edit Master subtitle style</a:t>
             </a:r>
             <a:endParaRPr lang="en-US" dirty="0"/>
@@ -534,7 +535,7 @@
           <a:p>
             <a:fld id="{77A31DDB-FDF0-48FE-A02F-9B9E1F9DA40C}" type="datetimeFigureOut">
               <a:rPr lang="en-US" smtClean="0"/>
-              <a:t>1/6/2021</a:t>
+              <a:t>08-Jan-21</a:t>
             </a:fld>
             <a:endParaRPr lang="en-US"/>
           </a:p>
@@ -637,7 +638,7 @@
           <a:lstStyle/>
           <a:p>
             <a:r>
-              <a:rPr lang="en-US" smtClean="0"/>
+              <a:rPr lang="en-US"/>
               <a:t>Click to edit Master title style</a:t>
             </a:r>
             <a:endParaRPr lang="en-US" dirty="0"/>
@@ -661,35 +662,35 @@
           <a:p>
             <a:pPr lvl="0"/>
             <a:r>
-              <a:rPr lang="en-US" smtClean="0"/>
+              <a:rPr lang="en-US"/>
               <a:t>Edit Master text styles</a:t>
             </a:r>
           </a:p>
           <a:p>
             <a:pPr lvl="1"/>
             <a:r>
-              <a:rPr lang="en-US" smtClean="0"/>
+              <a:rPr lang="en-US"/>
               <a:t>Second level</a:t>
             </a:r>
           </a:p>
           <a:p>
             <a:pPr lvl="2"/>
             <a:r>
-              <a:rPr lang="en-US" smtClean="0"/>
+              <a:rPr lang="en-US"/>
               <a:t>Third level</a:t>
             </a:r>
           </a:p>
           <a:p>
             <a:pPr lvl="3"/>
             <a:r>
-              <a:rPr lang="en-US" smtClean="0"/>
+              <a:rPr lang="en-US"/>
               <a:t>Fourth level</a:t>
             </a:r>
           </a:p>
           <a:p>
             <a:pPr lvl="4"/>
             <a:r>
-              <a:rPr lang="en-US" smtClean="0"/>
+              <a:rPr lang="en-US"/>
               <a:t>Fifth level</a:t>
             </a:r>
             <a:endParaRPr lang="en-US" dirty="0"/>
@@ -713,7 +714,7 @@
           <a:p>
             <a:fld id="{77A31DDB-FDF0-48FE-A02F-9B9E1F9DA40C}" type="datetimeFigureOut">
               <a:rPr lang="en-US" smtClean="0"/>
-              <a:t>1/6/2021</a:t>
+              <a:t>08-Jan-21</a:t>
             </a:fld>
             <a:endParaRPr lang="en-US"/>
           </a:p>
@@ -812,7 +813,7 @@
           <a:lstStyle/>
           <a:p>
             <a:r>
-              <a:rPr lang="en-US" smtClean="0"/>
+              <a:rPr lang="en-US"/>
               <a:t>Click to edit Master title style</a:t>
             </a:r>
             <a:endParaRPr lang="en-US" dirty="0"/>
@@ -841,35 +842,35 @@
           <a:p>
             <a:pPr lvl="0"/>
             <a:r>
-              <a:rPr lang="en-US" smtClean="0"/>
+              <a:rPr lang="en-US"/>
               <a:t>Edit Master text styles</a:t>
             </a:r>
           </a:p>
           <a:p>
             <a:pPr lvl="1"/>
             <a:r>
-              <a:rPr lang="en-US" smtClean="0"/>
+              <a:rPr lang="en-US"/>
               <a:t>Second level</a:t>
             </a:r>
           </a:p>
           <a:p>
             <a:pPr lvl="2"/>
             <a:r>
-              <a:rPr lang="en-US" smtClean="0"/>
+              <a:rPr lang="en-US"/>
               <a:t>Third level</a:t>
             </a:r>
           </a:p>
           <a:p>
             <a:pPr lvl="3"/>
             <a:r>
-              <a:rPr lang="en-US" smtClean="0"/>
+              <a:rPr lang="en-US"/>
               <a:t>Fourth level</a:t>
             </a:r>
           </a:p>
           <a:p>
             <a:pPr lvl="4"/>
             <a:r>
-              <a:rPr lang="en-US" smtClean="0"/>
+              <a:rPr lang="en-US"/>
               <a:t>Fifth level</a:t>
             </a:r>
             <a:endParaRPr lang="en-US" dirty="0"/>
@@ -893,7 +894,7 @@
           <a:p>
             <a:fld id="{77A31DDB-FDF0-48FE-A02F-9B9E1F9DA40C}" type="datetimeFigureOut">
               <a:rPr lang="en-US" smtClean="0"/>
-              <a:t>1/6/2021</a:t>
+              <a:t>08-Jan-21</a:t>
             </a:fld>
             <a:endParaRPr lang="en-US"/>
           </a:p>
@@ -987,7 +988,7 @@
           <a:lstStyle/>
           <a:p>
             <a:r>
-              <a:rPr lang="en-US" smtClean="0"/>
+              <a:rPr lang="en-US"/>
               <a:t>Click to edit Master title style</a:t>
             </a:r>
             <a:endParaRPr lang="en-US" dirty="0"/>
@@ -1011,35 +1012,35 @@
           <a:p>
             <a:pPr lvl="0"/>
             <a:r>
-              <a:rPr lang="en-US" smtClean="0"/>
+              <a:rPr lang="en-US"/>
               <a:t>Edit Master text styles</a:t>
             </a:r>
           </a:p>
           <a:p>
             <a:pPr lvl="1"/>
             <a:r>
-              <a:rPr lang="en-US" smtClean="0"/>
+              <a:rPr lang="en-US"/>
               <a:t>Second level</a:t>
             </a:r>
           </a:p>
           <a:p>
             <a:pPr lvl="2"/>
             <a:r>
-              <a:rPr lang="en-US" smtClean="0"/>
+              <a:rPr lang="en-US"/>
               <a:t>Third level</a:t>
             </a:r>
           </a:p>
           <a:p>
             <a:pPr lvl="3"/>
             <a:r>
-              <a:rPr lang="en-US" smtClean="0"/>
+              <a:rPr lang="en-US"/>
               <a:t>Fourth level</a:t>
             </a:r>
           </a:p>
           <a:p>
             <a:pPr lvl="4"/>
             <a:r>
-              <a:rPr lang="en-US" smtClean="0"/>
+              <a:rPr lang="en-US"/>
               <a:t>Fifth level</a:t>
             </a:r>
             <a:endParaRPr lang="en-US" dirty="0"/>
@@ -1063,7 +1064,7 @@
           <a:p>
             <a:fld id="{77A31DDB-FDF0-48FE-A02F-9B9E1F9DA40C}" type="datetimeFigureOut">
               <a:rPr lang="en-US" smtClean="0"/>
-              <a:t>1/6/2021</a:t>
+              <a:t>08-Jan-21</a:t>
             </a:fld>
             <a:endParaRPr lang="en-US"/>
           </a:p>
@@ -1228,7 +1229,7 @@
           </a:lstStyle>
           <a:p>
             <a:r>
-              <a:rPr lang="en-US" smtClean="0"/>
+              <a:rPr lang="en-US"/>
               <a:t>Click to edit Master title style</a:t>
             </a:r>
             <a:endParaRPr lang="en-US" dirty="0"/>
@@ -1348,7 +1349,7 @@
           <a:p>
             <a:pPr lvl="0"/>
             <a:r>
-              <a:rPr lang="en-US" smtClean="0"/>
+              <a:rPr lang="en-US"/>
               <a:t>Edit Master text styles</a:t>
             </a:r>
           </a:p>
@@ -1376,7 +1377,7 @@
           <a:p>
             <a:fld id="{77A31DDB-FDF0-48FE-A02F-9B9E1F9DA40C}" type="datetimeFigureOut">
               <a:rPr lang="en-US" smtClean="0"/>
-              <a:t>1/6/2021</a:t>
+              <a:t>08-Jan-21</a:t>
             </a:fld>
             <a:endParaRPr lang="en-US"/>
           </a:p>
@@ -1568,7 +1569,7 @@
           <a:lstStyle/>
           <a:p>
             <a:r>
-              <a:rPr lang="en-US" smtClean="0"/>
+              <a:rPr lang="en-US"/>
               <a:t>Click to edit Master title style</a:t>
             </a:r>
             <a:endParaRPr lang="en-US" dirty="0"/>
@@ -1625,35 +1626,35 @@
           <a:p>
             <a:pPr lvl="0"/>
             <a:r>
-              <a:rPr lang="en-US" smtClean="0"/>
+              <a:rPr lang="en-US"/>
               <a:t>Edit Master text styles</a:t>
             </a:r>
           </a:p>
           <a:p>
             <a:pPr lvl="1"/>
             <a:r>
-              <a:rPr lang="en-US" smtClean="0"/>
+              <a:rPr lang="en-US"/>
               <a:t>Second level</a:t>
             </a:r>
           </a:p>
           <a:p>
             <a:pPr lvl="2"/>
             <a:r>
-              <a:rPr lang="en-US" smtClean="0"/>
+              <a:rPr lang="en-US"/>
               <a:t>Third level</a:t>
             </a:r>
           </a:p>
           <a:p>
             <a:pPr lvl="3"/>
             <a:r>
-              <a:rPr lang="en-US" smtClean="0"/>
+              <a:rPr lang="en-US"/>
               <a:t>Fourth level</a:t>
             </a:r>
           </a:p>
           <a:p>
             <a:pPr lvl="4"/>
             <a:r>
-              <a:rPr lang="en-US" smtClean="0"/>
+              <a:rPr lang="en-US"/>
               <a:t>Fifth level</a:t>
             </a:r>
             <a:endParaRPr lang="en-US" dirty="0"/>
@@ -1710,35 +1711,35 @@
           <a:p>
             <a:pPr lvl="0"/>
             <a:r>
-              <a:rPr lang="en-US" smtClean="0"/>
+              <a:rPr lang="en-US"/>
               <a:t>Edit Master text styles</a:t>
             </a:r>
           </a:p>
           <a:p>
             <a:pPr lvl="1"/>
             <a:r>
-              <a:rPr lang="en-US" smtClean="0"/>
+              <a:rPr lang="en-US"/>
               <a:t>Second level</a:t>
             </a:r>
           </a:p>
           <a:p>
             <a:pPr lvl="2"/>
             <a:r>
-              <a:rPr lang="en-US" smtClean="0"/>
+              <a:rPr lang="en-US"/>
               <a:t>Third level</a:t>
             </a:r>
           </a:p>
           <a:p>
             <a:pPr lvl="3"/>
             <a:r>
-              <a:rPr lang="en-US" smtClean="0"/>
+              <a:rPr lang="en-US"/>
               <a:t>Fourth level</a:t>
             </a:r>
           </a:p>
           <a:p>
             <a:pPr lvl="4"/>
             <a:r>
-              <a:rPr lang="en-US" smtClean="0"/>
+              <a:rPr lang="en-US"/>
               <a:t>Fifth level</a:t>
             </a:r>
             <a:endParaRPr lang="en-US" dirty="0"/>
@@ -1762,7 +1763,7 @@
           <a:p>
             <a:fld id="{77A31DDB-FDF0-48FE-A02F-9B9E1F9DA40C}" type="datetimeFigureOut">
               <a:rPr lang="en-US" smtClean="0"/>
-              <a:t>1/6/2021</a:t>
+              <a:t>08-Jan-21</a:t>
             </a:fld>
             <a:endParaRPr lang="en-US"/>
           </a:p>
@@ -1856,7 +1857,7 @@
           <a:lstStyle/>
           <a:p>
             <a:r>
-              <a:rPr lang="en-US" smtClean="0"/>
+              <a:rPr lang="en-US"/>
               <a:t>Click to edit Master title style</a:t>
             </a:r>
             <a:endParaRPr lang="en-US" dirty="0"/>
@@ -1930,7 +1931,7 @@
           <a:p>
             <a:pPr lvl="0"/>
             <a:r>
-              <a:rPr lang="en-US" smtClean="0"/>
+              <a:rPr lang="en-US"/>
               <a:t>Edit Master text styles</a:t>
             </a:r>
           </a:p>
@@ -1986,35 +1987,35 @@
           <a:p>
             <a:pPr lvl="0"/>
             <a:r>
-              <a:rPr lang="en-US" smtClean="0"/>
+              <a:rPr lang="en-US"/>
               <a:t>Edit Master text styles</a:t>
             </a:r>
           </a:p>
           <a:p>
             <a:pPr lvl="1"/>
             <a:r>
-              <a:rPr lang="en-US" smtClean="0"/>
+              <a:rPr lang="en-US"/>
               <a:t>Second level</a:t>
             </a:r>
           </a:p>
           <a:p>
             <a:pPr lvl="2"/>
             <a:r>
-              <a:rPr lang="en-US" smtClean="0"/>
+              <a:rPr lang="en-US"/>
               <a:t>Third level</a:t>
             </a:r>
           </a:p>
           <a:p>
             <a:pPr lvl="3"/>
             <a:r>
-              <a:rPr lang="en-US" smtClean="0"/>
+              <a:rPr lang="en-US"/>
               <a:t>Fourth level</a:t>
             </a:r>
           </a:p>
           <a:p>
             <a:pPr lvl="4"/>
             <a:r>
-              <a:rPr lang="en-US" smtClean="0"/>
+              <a:rPr lang="en-US"/>
               <a:t>Fifth level</a:t>
             </a:r>
             <a:endParaRPr lang="en-US" dirty="0"/>
@@ -2088,7 +2089,7 @@
           <a:p>
             <a:pPr lvl="0"/>
             <a:r>
-              <a:rPr lang="en-US" smtClean="0"/>
+              <a:rPr lang="en-US"/>
               <a:t>Edit Master text styles</a:t>
             </a:r>
           </a:p>
@@ -2144,35 +2145,35 @@
           <a:p>
             <a:pPr lvl="0"/>
             <a:r>
-              <a:rPr lang="en-US" smtClean="0"/>
+              <a:rPr lang="en-US"/>
               <a:t>Edit Master text styles</a:t>
             </a:r>
           </a:p>
           <a:p>
             <a:pPr lvl="1"/>
             <a:r>
-              <a:rPr lang="en-US" smtClean="0"/>
+              <a:rPr lang="en-US"/>
               <a:t>Second level</a:t>
             </a:r>
           </a:p>
           <a:p>
             <a:pPr lvl="2"/>
             <a:r>
-              <a:rPr lang="en-US" smtClean="0"/>
+              <a:rPr lang="en-US"/>
               <a:t>Third level</a:t>
             </a:r>
           </a:p>
           <a:p>
             <a:pPr lvl="3"/>
             <a:r>
-              <a:rPr lang="en-US" smtClean="0"/>
+              <a:rPr lang="en-US"/>
               <a:t>Fourth level</a:t>
             </a:r>
           </a:p>
           <a:p>
             <a:pPr lvl="4"/>
             <a:r>
-              <a:rPr lang="en-US" smtClean="0"/>
+              <a:rPr lang="en-US"/>
               <a:t>Fifth level</a:t>
             </a:r>
             <a:endParaRPr lang="en-US" dirty="0"/>
@@ -2196,7 +2197,7 @@
           <a:p>
             <a:fld id="{77A31DDB-FDF0-48FE-A02F-9B9E1F9DA40C}" type="datetimeFigureOut">
               <a:rPr lang="en-US" smtClean="0"/>
-              <a:t>1/6/2021</a:t>
+              <a:t>08-Jan-21</a:t>
             </a:fld>
             <a:endParaRPr lang="en-US"/>
           </a:p>
@@ -2290,7 +2291,7 @@
           <a:lstStyle/>
           <a:p>
             <a:r>
-              <a:rPr lang="en-US" smtClean="0"/>
+              <a:rPr lang="en-US"/>
               <a:t>Click to edit Master title style</a:t>
             </a:r>
             <a:endParaRPr lang="en-US" dirty="0"/>
@@ -2314,7 +2315,7 @@
           <a:p>
             <a:fld id="{77A31DDB-FDF0-48FE-A02F-9B9E1F9DA40C}" type="datetimeFigureOut">
               <a:rPr lang="en-US" smtClean="0"/>
-              <a:t>1/6/2021</a:t>
+              <a:t>08-Jan-21</a:t>
             </a:fld>
             <a:endParaRPr lang="en-US"/>
           </a:p>
@@ -2409,7 +2410,7 @@
           <a:p>
             <a:fld id="{77A31DDB-FDF0-48FE-A02F-9B9E1F9DA40C}" type="datetimeFigureOut">
               <a:rPr lang="en-US" smtClean="0"/>
-              <a:t>1/6/2021</a:t>
+              <a:t>08-Jan-21</a:t>
             </a:fld>
             <a:endParaRPr lang="en-US"/>
           </a:p>
@@ -2571,7 +2572,7 @@
           </a:lstStyle>
           <a:p>
             <a:r>
-              <a:rPr lang="en-US" smtClean="0"/>
+              <a:rPr lang="en-US"/>
               <a:t>Click to edit Master title style</a:t>
             </a:r>
             <a:endParaRPr lang="en-US" dirty="0"/>
@@ -2628,35 +2629,35 @@
           <a:p>
             <a:pPr lvl="0"/>
             <a:r>
-              <a:rPr lang="en-US" smtClean="0"/>
+              <a:rPr lang="en-US"/>
               <a:t>Edit Master text styles</a:t>
             </a:r>
           </a:p>
           <a:p>
             <a:pPr lvl="1"/>
             <a:r>
-              <a:rPr lang="en-US" smtClean="0"/>
+              <a:rPr lang="en-US"/>
               <a:t>Second level</a:t>
             </a:r>
           </a:p>
           <a:p>
             <a:pPr lvl="2"/>
             <a:r>
-              <a:rPr lang="en-US" smtClean="0"/>
+              <a:rPr lang="en-US"/>
               <a:t>Third level</a:t>
             </a:r>
           </a:p>
           <a:p>
             <a:pPr lvl="3"/>
             <a:r>
-              <a:rPr lang="en-US" smtClean="0"/>
+              <a:rPr lang="en-US"/>
               <a:t>Fourth level</a:t>
             </a:r>
           </a:p>
           <a:p>
             <a:pPr lvl="4"/>
             <a:r>
-              <a:rPr lang="en-US" smtClean="0"/>
+              <a:rPr lang="en-US"/>
               <a:t>Fifth level</a:t>
             </a:r>
             <a:endParaRPr lang="en-US" dirty="0"/>
@@ -2736,7 +2737,7 @@
           <a:p>
             <a:pPr lvl="0"/>
             <a:r>
-              <a:rPr lang="en-US" smtClean="0"/>
+              <a:rPr lang="en-US"/>
               <a:t>Edit Master text styles</a:t>
             </a:r>
           </a:p>
@@ -2759,7 +2760,7 @@
           <a:p>
             <a:fld id="{77A31DDB-FDF0-48FE-A02F-9B9E1F9DA40C}" type="datetimeFigureOut">
               <a:rPr lang="en-US" smtClean="0"/>
-              <a:t>1/6/2021</a:t>
+              <a:t>08-Jan-21</a:t>
             </a:fld>
             <a:endParaRPr lang="en-US"/>
           </a:p>
@@ -3010,7 +3011,7 @@
           </a:lstStyle>
           <a:p>
             <a:r>
-              <a:rPr lang="en-US" smtClean="0"/>
+              <a:rPr lang="en-US"/>
               <a:t>Click to edit Master title style</a:t>
             </a:r>
             <a:endParaRPr lang="en-US" dirty="0"/>
@@ -3081,7 +3082,7 @@
           </a:lstStyle>
           <a:p>
             <a:r>
-              <a:rPr lang="en-US" smtClean="0"/>
+              <a:rPr lang="en-US"/>
               <a:t>Click icon to add picture</a:t>
             </a:r>
             <a:endParaRPr lang="en-US" dirty="0"/>
@@ -3161,7 +3162,7 @@
           <a:p>
             <a:pPr lvl="0"/>
             <a:r>
-              <a:rPr lang="en-US" smtClean="0"/>
+              <a:rPr lang="en-US"/>
               <a:t>Edit Master text styles</a:t>
             </a:r>
           </a:p>
@@ -3184,7 +3185,7 @@
           <a:p>
             <a:fld id="{77A31DDB-FDF0-48FE-A02F-9B9E1F9DA40C}" type="datetimeFigureOut">
               <a:rPr lang="en-US" smtClean="0"/>
-              <a:t>1/6/2021</a:t>
+              <a:t>08-Jan-21</a:t>
             </a:fld>
             <a:endParaRPr lang="en-US"/>
           </a:p>
@@ -3363,7 +3364,7 @@
           <a:lstStyle/>
           <a:p>
             <a:r>
-              <a:rPr lang="en-US" smtClean="0"/>
+              <a:rPr lang="en-US"/>
               <a:t>Click to edit Master title style</a:t>
             </a:r>
             <a:endParaRPr lang="en-US" dirty="0"/>
@@ -3397,35 +3398,35 @@
           <a:p>
             <a:pPr lvl="0"/>
             <a:r>
-              <a:rPr lang="en-US" smtClean="0"/>
+              <a:rPr lang="en-US"/>
               <a:t>Edit Master text styles</a:t>
             </a:r>
           </a:p>
           <a:p>
             <a:pPr lvl="1"/>
             <a:r>
-              <a:rPr lang="en-US" smtClean="0"/>
+              <a:rPr lang="en-US"/>
               <a:t>Second level</a:t>
             </a:r>
           </a:p>
           <a:p>
             <a:pPr lvl="2"/>
             <a:r>
-              <a:rPr lang="en-US" smtClean="0"/>
+              <a:rPr lang="en-US"/>
               <a:t>Third level</a:t>
             </a:r>
           </a:p>
           <a:p>
             <a:pPr lvl="3"/>
             <a:r>
-              <a:rPr lang="en-US" smtClean="0"/>
+              <a:rPr lang="en-US"/>
               <a:t>Fourth level</a:t>
             </a:r>
           </a:p>
           <a:p>
             <a:pPr lvl="4"/>
             <a:r>
-              <a:rPr lang="en-US" smtClean="0"/>
+              <a:rPr lang="en-US"/>
               <a:t>Fifth level</a:t>
             </a:r>
             <a:endParaRPr lang="en-US" dirty="0"/>
@@ -3465,7 +3466,7 @@
           <a:p>
             <a:fld id="{77A31DDB-FDF0-48FE-A02F-9B9E1F9DA40C}" type="datetimeFigureOut">
               <a:rPr lang="en-US" smtClean="0"/>
-              <a:t>1/6/2021</a:t>
+              <a:t>08-Jan-21</a:t>
             </a:fld>
             <a:endParaRPr lang="en-US"/>
           </a:p>
@@ -4104,7 +4105,7 @@
               <a:defRPr/>
             </a:pPr>
             <a:r>
-              <a:rPr kumimoji="0" lang="en-US" sz="3200" b="1" i="0" u="none" strike="noStrike" kern="1200" cap="none" spc="0" normalizeH="0" baseline="0" noProof="0" dirty="0" smtClean="0">
+              <a:rPr kumimoji="0" lang="en-US" sz="3200" b="1" i="0" u="none" strike="noStrike" kern="1200" cap="none" spc="0" normalizeH="0" baseline="0" noProof="0" dirty="0">
                 <a:ln>
                   <a:noFill/>
                 </a:ln>
@@ -4129,7 +4130,7 @@
               <a:t>Intelligent Surveillance system with Face Recognition</a:t>
             </a:r>
             <a:br>
-              <a:rPr kumimoji="0" lang="en-US" sz="3200" b="1" i="0" u="none" strike="noStrike" kern="1200" cap="none" spc="0" normalizeH="0" baseline="0" noProof="0" dirty="0" smtClean="0">
+              <a:rPr kumimoji="0" lang="en-US" sz="3200" b="1" i="0" u="none" strike="noStrike" kern="1200" cap="none" spc="0" normalizeH="0" baseline="0" noProof="0" dirty="0">
                 <a:ln>
                   <a:noFill/>
                 </a:ln>
@@ -4153,7 +4154,7 @@
               </a:rPr>
             </a:br>
             <a:r>
-              <a:rPr kumimoji="0" lang="en-US" sz="3200" b="1" i="0" u="none" strike="noStrike" kern="1200" cap="none" spc="0" normalizeH="0" baseline="0" noProof="0" dirty="0" smtClean="0">
+              <a:rPr kumimoji="0" lang="en-US" sz="3200" b="1" i="0" u="none" strike="noStrike" kern="1200" cap="none" spc="0" normalizeH="0" baseline="0" noProof="0" dirty="0">
                 <a:ln>
                   <a:noFill/>
                 </a:ln>
@@ -4177,28 +4178,6 @@
               </a:rPr>
               <a:t>                      Using FaceNet and SVM</a:t>
             </a:r>
-            <a:endParaRPr kumimoji="0" lang="en-US" sz="3200" b="1" i="0" u="none" strike="noStrike" kern="1200" cap="none" spc="0" normalizeH="0" baseline="0" noProof="0" dirty="0">
-              <a:ln>
-                <a:noFill/>
-              </a:ln>
-              <a:solidFill>
-                <a:schemeClr val="accent6">
-                  <a:lumMod val="50000"/>
-                </a:schemeClr>
-              </a:solidFill>
-              <a:effectLst>
-                <a:outerShdw blurRad="50800" dist="38100" dir="5400000" algn="t" rotWithShape="0">
-                  <a:prstClr val="black">
-                    <a:alpha val="40000"/>
-                  </a:prstClr>
-                </a:outerShdw>
-              </a:effectLst>
-              <a:uLnTx/>
-              <a:uFillTx/>
-              <a:latin typeface="Calibri"/>
-              <a:ea typeface="+mj-ea"/>
-              <a:cs typeface="+mj-cs"/>
-            </a:endParaRPr>
           </a:p>
         </p:txBody>
       </p:sp>
@@ -4212,7 +4191,7 @@
         </p:nvSpPr>
         <p:spPr>
           <a:xfrm>
-            <a:off x="3794235" y="4477406"/>
+            <a:off x="2203975" y="4066589"/>
             <a:ext cx="8597462" cy="1657514"/>
           </a:xfrm>
           <a:prstGeom prst="rect">
@@ -4404,7 +4383,7 @@
               <a:defRPr/>
             </a:pPr>
             <a:r>
-              <a:rPr kumimoji="0" lang="en-US" sz="2400" b="0" i="0" u="none" strike="noStrike" kern="1200" cap="none" spc="0" normalizeH="0" baseline="0" noProof="0" dirty="0" smtClean="0">
+              <a:rPr kumimoji="0" lang="en-US" sz="2400" b="0" i="0" u="none" strike="noStrike" kern="1200" cap="none" spc="0" normalizeH="0" baseline="0" noProof="0" dirty="0">
                 <a:ln>
                   <a:noFill/>
                 </a:ln>
@@ -4426,7 +4405,7 @@
                 <a:ea typeface="+mn-ea"/>
                 <a:cs typeface="+mn-cs"/>
               </a:rPr>
-              <a:t>            Sai Kumar Dandla</a:t>
+              <a:t>                                    Sai Kumar Dandla</a:t>
             </a:r>
           </a:p>
           <a:p>
@@ -4448,29 +4427,15 @@
               <a:defRPr/>
             </a:pPr>
             <a:r>
-              <a:rPr kumimoji="0" lang="en-US" sz="2400" b="0" i="0" u="none" strike="noStrike" kern="1200" cap="none" spc="0" normalizeH="0" baseline="0" noProof="0" dirty="0" smtClean="0">
-                <a:ln>
-                  <a:noFill/>
-                </a:ln>
+              <a:rPr lang="en-US" sz="2400" dirty="0">
                 <a:solidFill>
                   <a:schemeClr val="accent4">
                     <a:lumMod val="50000"/>
                   </a:schemeClr>
                 </a:solidFill>
-                <a:effectLst>
-                  <a:outerShdw blurRad="50800" dist="38100" dir="5400000" algn="t" rotWithShape="0">
-                    <a:prstClr val="black">
-                      <a:alpha val="40000"/>
-                    </a:prstClr>
-                  </a:outerShdw>
-                </a:effectLst>
-                <a:uLnTx/>
-                <a:uFillTx/>
                 <a:latin typeface="Calibri"/>
-                <a:ea typeface="+mn-ea"/>
-                <a:cs typeface="+mn-cs"/>
-              </a:rPr>
-              <a:t>Research Follow, DRDO DYSL CT</a:t>
+              </a:rPr>
+              <a:t>SE (Machine Learning Specialization) | Certified DS Professional </a:t>
             </a:r>
             <a:endParaRPr kumimoji="0" lang="en-US" sz="2400" b="0" i="0" u="none" strike="noStrike" kern="1200" cap="none" spc="0" normalizeH="0" baseline="0" noProof="0" dirty="0">
               <a:ln>
@@ -4507,13 +4472,6 @@
   <p:clrMapOvr>
     <a:masterClrMapping/>
   </p:clrMapOvr>
-  <p:timing>
-    <p:tnLst>
-      <p:par>
-        <p:cTn id="1" dur="indefinite" restart="never" nodeType="tmRoot"/>
-      </p:par>
-    </p:tnLst>
-  </p:timing>
 </p:sld>
 </file>
 
@@ -4588,7 +4546,7 @@
               <a:t> </a:t>
             </a:r>
             <a:r>
-              <a:rPr lang="en-US" sz="2956" spc="-224" dirty="0" smtClean="0">
+              <a:rPr lang="en-US" sz="2956" spc="-224" dirty="0">
                 <a:solidFill>
                   <a:srgbClr val="002060"/>
                 </a:solidFill>
@@ -4598,7 +4556,7 @@
               <a:t>  </a:t>
             </a:r>
             <a:r>
-              <a:rPr sz="2956" spc="-287" dirty="0" smtClean="0">
+              <a:rPr sz="2956" spc="-287" dirty="0">
                 <a:solidFill>
                   <a:srgbClr val="002060"/>
                 </a:solidFill>
@@ -4965,7 +4923,7 @@
               <a:t> </a:t>
             </a:r>
             <a:r>
-              <a:rPr kumimoji="0" sz="2000" b="0" i="0" u="none" strike="noStrike" kern="1200" cap="none" spc="-79" normalizeH="0" baseline="0" noProof="0" dirty="0" smtClean="0">
+              <a:rPr kumimoji="0" sz="2000" b="0" i="0" u="none" strike="noStrike" kern="1200" cap="none" spc="-79" normalizeH="0" baseline="0" noProof="0" dirty="0">
                 <a:ln>
                   <a:noFill/>
                 </a:ln>
@@ -4981,7 +4939,7 @@
               <a:t>ma</a:t>
             </a:r>
             <a:r>
-              <a:rPr kumimoji="0" sz="2000" b="0" i="0" u="none" strike="noStrike" kern="1200" cap="none" spc="-119" normalizeH="0" baseline="0" noProof="0" dirty="0" smtClean="0">
+              <a:rPr kumimoji="0" sz="2000" b="0" i="0" u="none" strike="noStrike" kern="1200" cap="none" spc="-119" normalizeH="0" baseline="0" noProof="0" dirty="0">
                 <a:ln>
                   <a:noFill/>
                 </a:ln>
@@ -5221,7 +5179,7 @@
               <a:t> </a:t>
             </a:r>
             <a:r>
-              <a:rPr kumimoji="0" sz="2000" b="0" i="0" u="none" strike="noStrike" kern="1200" cap="none" spc="-66" normalizeH="0" baseline="0" noProof="0" dirty="0" smtClean="0">
+              <a:rPr kumimoji="0" sz="2000" b="0" i="0" u="none" strike="noStrike" kern="1200" cap="none" spc="-66" normalizeH="0" baseline="0" noProof="0" dirty="0">
                 <a:ln>
                   <a:noFill/>
                 </a:ln>
@@ -5264,7 +5222,7 @@
               </a:tabLst>
               <a:defRPr/>
             </a:pPr>
-            <a:endParaRPr kumimoji="0" lang="en-US" sz="2000" b="0" i="0" u="none" strike="noStrike" kern="1200" cap="none" spc="-66" normalizeH="0" baseline="1424" noProof="0" dirty="0" smtClean="0">
+            <a:endParaRPr kumimoji="0" lang="en-US" sz="2000" b="0" i="0" u="none" strike="noStrike" kern="1200" cap="none" spc="-66" normalizeH="0" baseline="1424" noProof="0" dirty="0">
               <a:ln>
                 <a:noFill/>
               </a:ln>
@@ -5299,7 +5257,7 @@
               <a:defRPr/>
             </a:pPr>
             <a:r>
-              <a:rPr kumimoji="0" lang="en-US" sz="1600" b="0" i="0" u="none" strike="noStrike" kern="1200" cap="none" spc="-139" normalizeH="0" baseline="1424" noProof="0" dirty="0" smtClean="0">
+              <a:rPr kumimoji="0" lang="en-US" sz="1600" b="0" i="0" u="none" strike="noStrike" kern="1200" cap="none" spc="-139" normalizeH="0" baseline="1424" noProof="0" dirty="0">
                 <a:ln>
                   <a:noFill/>
                 </a:ln>
@@ -5315,7 +5273,7 @@
               <a:t>            </a:t>
             </a:r>
             <a:r>
-              <a:rPr kumimoji="0" sz="3200" b="0" i="0" u="none" strike="noStrike" kern="1200" cap="none" spc="-139" normalizeH="0" baseline="1424" noProof="0" dirty="0" smtClean="0">
+              <a:rPr kumimoji="0" sz="3200" b="0" i="0" u="none" strike="noStrike" kern="1200" cap="none" spc="-139" normalizeH="0" baseline="1424" noProof="0" dirty="0">
                 <a:ln>
                   <a:noFill/>
                 </a:ln>
@@ -5331,7 +5289,7 @@
               <a:t>That</a:t>
             </a:r>
             <a:r>
-              <a:rPr kumimoji="0" sz="3200" b="0" i="0" u="none" strike="noStrike" kern="1200" cap="none" spc="-184" normalizeH="0" baseline="1424" noProof="0" dirty="0" smtClean="0">
+              <a:rPr kumimoji="0" sz="3200" b="0" i="0" u="none" strike="noStrike" kern="1200" cap="none" spc="-184" normalizeH="0" baseline="1424" noProof="0" dirty="0">
                 <a:ln>
                   <a:noFill/>
                 </a:ln>
@@ -5347,7 +5305,7 @@
               <a:t> </a:t>
             </a:r>
             <a:r>
-              <a:rPr kumimoji="0" sz="3200" b="0" i="0" u="none" strike="noStrike" kern="1200" cap="none" spc="-99" normalizeH="0" baseline="1424" noProof="0" dirty="0" smtClean="0">
+              <a:rPr kumimoji="0" sz="3200" b="0" i="0" u="none" strike="noStrike" kern="1200" cap="none" spc="-99" normalizeH="0" baseline="1424" noProof="0" dirty="0">
                 <a:ln>
                   <a:noFill/>
                 </a:ln>
@@ -5363,7 +5321,7 @@
               <a:t>makes</a:t>
             </a:r>
             <a:r>
-              <a:rPr kumimoji="0" lang="en-US" sz="3200" b="0" i="0" u="none" strike="noStrike" kern="1200" cap="none" spc="-99" normalizeH="0" baseline="1424" noProof="0" dirty="0" smtClean="0">
+              <a:rPr kumimoji="0" lang="en-US" sz="3200" b="0" i="0" u="none" strike="noStrike" kern="1200" cap="none" spc="-99" normalizeH="0" baseline="1424" noProof="0" dirty="0">
                 <a:ln>
                   <a:noFill/>
                 </a:ln>
@@ -5379,7 +5337,7 @@
               <a:t>||</a:t>
             </a:r>
             <a:r>
-              <a:rPr kumimoji="0" sz="2000" b="0" i="0" u="none" strike="noStrike" kern="1200" cap="none" spc="-137" normalizeH="0" baseline="0" noProof="0" dirty="0" smtClean="0">
+              <a:rPr kumimoji="0" sz="2000" b="0" i="0" u="none" strike="noStrike" kern="1200" cap="none" spc="-137" normalizeH="0" baseline="0" noProof="0" dirty="0">
                 <a:ln>
                   <a:noFill/>
                 </a:ln>
@@ -5392,7 +5350,23 @@
                 <a:latin typeface="Calibri" panose="020F0502020204030204" pitchFamily="34" charset="0"/>
                 <a:cs typeface="Georgia"/>
               </a:rPr>
-              <a:t>𝑓</a:t>
+              <a:t>𝑓(𝑥</a:t>
+            </a:r>
+            <a:r>
+              <a:rPr kumimoji="0" sz="2400" b="0" i="0" u="none" strike="noStrike" kern="1200" cap="none" spc="-205" normalizeH="0" baseline="28735" noProof="0" dirty="0">
+                <a:ln>
+                  <a:noFill/>
+                </a:ln>
+                <a:solidFill>
+                  <a:prstClr val="black"/>
+                </a:solidFill>
+                <a:effectLst/>
+                <a:uLnTx/>
+                <a:uFillTx/>
+                <a:latin typeface="Calibri" panose="020F0502020204030204" pitchFamily="34" charset="0"/>
+                <a:cs typeface="Georgia"/>
+              </a:rPr>
+              <a:t>a</a:t>
             </a:r>
             <a:r>
               <a:rPr kumimoji="0" sz="2000" b="0" i="0" u="none" strike="noStrike" kern="1200" cap="none" spc="-137" normalizeH="0" baseline="0" noProof="0" dirty="0">
@@ -5408,10 +5382,10 @@
                 <a:latin typeface="Calibri" panose="020F0502020204030204" pitchFamily="34" charset="0"/>
                 <a:cs typeface="Georgia"/>
               </a:rPr>
-              <a:t>(𝑥</a:t>
-            </a:r>
-            <a:r>
-              <a:rPr kumimoji="0" sz="2400" b="0" i="0" u="none" strike="noStrike" kern="1200" cap="none" spc="-205" normalizeH="0" baseline="28735" noProof="0" dirty="0">
+              <a:t>)—</a:t>
+            </a:r>
+            <a:r>
+              <a:rPr kumimoji="0" sz="2000" b="0" i="0" u="none" strike="noStrike" kern="1200" cap="none" spc="-22" normalizeH="0" baseline="0" noProof="0" dirty="0">
                 <a:ln>
                   <a:noFill/>
                 </a:ln>
@@ -5424,10 +5398,10 @@
                 <a:latin typeface="Calibri" panose="020F0502020204030204" pitchFamily="34" charset="0"/>
                 <a:cs typeface="Georgia"/>
               </a:rPr>
-              <a:t>a</a:t>
-            </a:r>
-            <a:r>
-              <a:rPr kumimoji="0" sz="2000" b="0" i="0" u="none" strike="noStrike" kern="1200" cap="none" spc="-137" normalizeH="0" baseline="0" noProof="0" dirty="0">
+              <a:t> </a:t>
+            </a:r>
+            <a:r>
+              <a:rPr kumimoji="0" sz="2000" b="0" i="0" u="none" strike="noStrike" kern="1200" cap="none" spc="-216" normalizeH="0" baseline="0" noProof="0" dirty="0">
                 <a:ln>
                   <a:noFill/>
                 </a:ln>
@@ -5440,10 +5414,10 @@
                 <a:latin typeface="Calibri" panose="020F0502020204030204" pitchFamily="34" charset="0"/>
                 <a:cs typeface="Georgia"/>
               </a:rPr>
-              <a:t>)—</a:t>
-            </a:r>
-            <a:r>
-              <a:rPr kumimoji="0" sz="2000" b="0" i="0" u="none" strike="noStrike" kern="1200" cap="none" spc="-22" normalizeH="0" baseline="0" noProof="0" dirty="0">
+              <a:t>𝑓(𝑥</a:t>
+            </a:r>
+            <a:r>
+              <a:rPr kumimoji="0" sz="2400" b="0" i="0" u="none" strike="noStrike" kern="1200" cap="none" spc="-324" normalizeH="0" baseline="28735" noProof="0" dirty="0">
                 <a:ln>
                   <a:noFill/>
                 </a:ln>
@@ -5456,10 +5430,90 @@
                 <a:latin typeface="Calibri" panose="020F0502020204030204" pitchFamily="34" charset="0"/>
                 <a:cs typeface="Georgia"/>
               </a:rPr>
+              <a:t>p</a:t>
+            </a:r>
+            <a:r>
+              <a:rPr kumimoji="0" sz="2000" b="0" i="0" u="none" strike="noStrike" kern="1200" cap="none" spc="-216" normalizeH="0" baseline="0" noProof="0" dirty="0">
+                <a:ln>
+                  <a:noFill/>
+                </a:ln>
+                <a:solidFill>
+                  <a:prstClr val="black"/>
+                </a:solidFill>
+                <a:effectLst/>
+                <a:uLnTx/>
+                <a:uFillTx/>
+                <a:latin typeface="Calibri" panose="020F0502020204030204" pitchFamily="34" charset="0"/>
+                <a:cs typeface="Georgia"/>
+              </a:rPr>
+              <a:t>)</a:t>
+            </a:r>
+            <a:r>
+              <a:rPr kumimoji="0" lang="en-US" sz="2000" b="0" i="0" u="none" strike="noStrike" kern="1200" cap="none" spc="-216" normalizeH="0" noProof="0" dirty="0">
+                <a:ln>
+                  <a:noFill/>
+                </a:ln>
+                <a:solidFill>
+                  <a:prstClr val="black"/>
+                </a:solidFill>
+                <a:effectLst/>
+                <a:uLnTx/>
+                <a:uFillTx/>
+                <a:latin typeface="Calibri" panose="020F0502020204030204" pitchFamily="34" charset="0"/>
+                <a:cs typeface="Georgia"/>
+              </a:rPr>
+              <a:t>   || </a:t>
+            </a:r>
+            <a:r>
+              <a:rPr kumimoji="0" sz="2000" b="0" i="0" u="none" strike="noStrike" kern="1200" cap="none" spc="0" normalizeH="0" baseline="-21367" noProof="0" dirty="0">
+                <a:ln>
+                  <a:noFill/>
+                </a:ln>
+                <a:solidFill>
+                  <a:prstClr val="black"/>
+                </a:solidFill>
+                <a:effectLst/>
+                <a:uLnTx/>
+                <a:uFillTx/>
+                <a:latin typeface="Calibri" panose="020F0502020204030204" pitchFamily="34" charset="0"/>
+                <a:cs typeface="Georgia"/>
+              </a:rPr>
+              <a:t>2 </a:t>
+            </a:r>
+            <a:r>
+              <a:rPr kumimoji="0" sz="2000" b="0" i="0" u="none" strike="noStrike" kern="1200" cap="none" spc="199" normalizeH="0" baseline="0" noProof="0" dirty="0">
+                <a:ln>
+                  <a:noFill/>
+                </a:ln>
+                <a:solidFill>
+                  <a:prstClr val="black"/>
+                </a:solidFill>
+                <a:effectLst/>
+                <a:uLnTx/>
+                <a:uFillTx/>
+                <a:latin typeface="Calibri" panose="020F0502020204030204" pitchFamily="34" charset="0"/>
+                <a:cs typeface="Georgia"/>
+              </a:rPr>
+              <a:t>=</a:t>
+            </a:r>
+            <a:r>
+              <a:rPr kumimoji="0" sz="2000" b="0" i="0" u="none" strike="noStrike" kern="1200" cap="none" spc="-18" normalizeH="0" baseline="0" noProof="0" dirty="0">
+                <a:ln>
+                  <a:noFill/>
+                </a:ln>
+                <a:solidFill>
+                  <a:prstClr val="black"/>
+                </a:solidFill>
+                <a:effectLst/>
+                <a:uLnTx/>
+                <a:uFillTx/>
+                <a:latin typeface="Calibri" panose="020F0502020204030204" pitchFamily="34" charset="0"/>
+                <a:cs typeface="Georgia"/>
+              </a:rPr>
               <a:t> </a:t>
             </a:r>
             <a:r>
-              <a:rPr kumimoji="0" sz="2000" b="0" i="0" u="none" strike="noStrike" kern="1200" cap="none" spc="-216" normalizeH="0" baseline="0" noProof="0" dirty="0">
+              <a:rPr kumimoji="0" sz="2000" b="0" i="0" u="none" strike="noStrike" kern="1200" cap="none" spc="-93" normalizeH="0" baseline="0" noProof="0" dirty="0">
                 <a:ln>
                   <a:noFill/>
                 </a:ln>
@@ -5472,121 +5526,9 @@
                 <a:latin typeface="Calibri" panose="020F0502020204030204" pitchFamily="34" charset="0"/>
                 <a:cs typeface="Georgia"/>
               </a:rPr>
-              <a:t>𝑓(𝑥</a:t>
-            </a:r>
-            <a:r>
-              <a:rPr kumimoji="0" sz="2400" b="0" i="0" u="none" strike="noStrike" kern="1200" cap="none" spc="-324" normalizeH="0" baseline="28735" noProof="0" dirty="0" smtClean="0">
-                <a:ln>
-                  <a:noFill/>
-                </a:ln>
-                <a:solidFill>
-                  <a:prstClr val="black"/>
-                </a:solidFill>
-                <a:effectLst/>
-                <a:uLnTx/>
-                <a:uFillTx/>
-                <a:latin typeface="Calibri" panose="020F0502020204030204" pitchFamily="34" charset="0"/>
-                <a:cs typeface="Georgia"/>
-              </a:rPr>
-              <a:t>p</a:t>
-            </a:r>
-            <a:r>
-              <a:rPr kumimoji="0" sz="2000" b="0" i="0" u="none" strike="noStrike" kern="1200" cap="none" spc="-216" normalizeH="0" baseline="0" noProof="0" dirty="0" smtClean="0">
-                <a:ln>
-                  <a:noFill/>
-                </a:ln>
-                <a:solidFill>
-                  <a:prstClr val="black"/>
-                </a:solidFill>
-                <a:effectLst/>
-                <a:uLnTx/>
-                <a:uFillTx/>
-                <a:latin typeface="Calibri" panose="020F0502020204030204" pitchFamily="34" charset="0"/>
-                <a:cs typeface="Georgia"/>
-              </a:rPr>
-              <a:t>)</a:t>
-            </a:r>
-            <a:r>
-              <a:rPr kumimoji="0" lang="en-US" sz="2000" b="0" i="0" u="none" strike="noStrike" kern="1200" cap="none" spc="-216" normalizeH="0" noProof="0" dirty="0" smtClean="0">
-                <a:ln>
-                  <a:noFill/>
-                </a:ln>
-                <a:solidFill>
-                  <a:prstClr val="black"/>
-                </a:solidFill>
-                <a:effectLst/>
-                <a:uLnTx/>
-                <a:uFillTx/>
-                <a:latin typeface="Calibri" panose="020F0502020204030204" pitchFamily="34" charset="0"/>
-                <a:cs typeface="Georgia"/>
-              </a:rPr>
-              <a:t>   || </a:t>
-            </a:r>
-            <a:r>
-              <a:rPr kumimoji="0" sz="2000" b="0" i="0" u="none" strike="noStrike" kern="1200" cap="none" spc="0" normalizeH="0" baseline="-21367" noProof="0" dirty="0" smtClean="0">
-                <a:ln>
-                  <a:noFill/>
-                </a:ln>
-                <a:solidFill>
-                  <a:prstClr val="black"/>
-                </a:solidFill>
-                <a:effectLst/>
-                <a:uLnTx/>
-                <a:uFillTx/>
-                <a:latin typeface="Calibri" panose="020F0502020204030204" pitchFamily="34" charset="0"/>
-                <a:cs typeface="Georgia"/>
-              </a:rPr>
-              <a:t>2 </a:t>
-            </a:r>
-            <a:r>
-              <a:rPr kumimoji="0" sz="2000" b="0" i="0" u="none" strike="noStrike" kern="1200" cap="none" spc="199" normalizeH="0" baseline="0" noProof="0" dirty="0">
-                <a:ln>
-                  <a:noFill/>
-                </a:ln>
-                <a:solidFill>
-                  <a:prstClr val="black"/>
-                </a:solidFill>
-                <a:effectLst/>
-                <a:uLnTx/>
-                <a:uFillTx/>
-                <a:latin typeface="Calibri" panose="020F0502020204030204" pitchFamily="34" charset="0"/>
-                <a:cs typeface="Georgia"/>
-              </a:rPr>
-              <a:t>=</a:t>
-            </a:r>
-            <a:r>
-              <a:rPr kumimoji="0" sz="2000" b="0" i="0" u="none" strike="noStrike" kern="1200" cap="none" spc="-18" normalizeH="0" baseline="0" noProof="0" dirty="0">
-                <a:ln>
-                  <a:noFill/>
-                </a:ln>
-                <a:solidFill>
-                  <a:prstClr val="black"/>
-                </a:solidFill>
-                <a:effectLst/>
-                <a:uLnTx/>
-                <a:uFillTx/>
-                <a:latin typeface="Calibri" panose="020F0502020204030204" pitchFamily="34" charset="0"/>
-                <a:cs typeface="Georgia"/>
-              </a:rPr>
-              <a:t> </a:t>
-            </a:r>
-            <a:r>
-              <a:rPr kumimoji="0" sz="2000" b="0" i="0" u="none" strike="noStrike" kern="1200" cap="none" spc="-93" normalizeH="0" baseline="0" noProof="0" dirty="0" smtClean="0">
-                <a:ln>
-                  <a:noFill/>
-                </a:ln>
-                <a:solidFill>
-                  <a:prstClr val="black"/>
-                </a:solidFill>
-                <a:effectLst/>
-                <a:uLnTx/>
-                <a:uFillTx/>
-                <a:latin typeface="Calibri" panose="020F0502020204030204" pitchFamily="34" charset="0"/>
-                <a:cs typeface="Georgia"/>
-              </a:rPr>
               <a:t>0</a:t>
             </a:r>
-            <a:endParaRPr kumimoji="0" lang="en-US" sz="2000" b="0" i="0" u="none" strike="noStrike" kern="1200" cap="none" spc="-93" normalizeH="0" baseline="0" noProof="0" dirty="0" smtClean="0">
+            <a:endParaRPr kumimoji="0" lang="en-US" sz="2000" b="0" i="0" u="none" strike="noStrike" kern="1200" cap="none" spc="-93" normalizeH="0" baseline="0" noProof="0" dirty="0">
               <a:ln>
                 <a:noFill/>
               </a:ln>
@@ -6521,7 +6463,7 @@
               <a:t> </a:t>
             </a:r>
             <a:r>
-              <a:rPr kumimoji="0" lang="en-US" sz="2000" b="0" i="0" u="none" strike="noStrike" kern="1200" cap="none" spc="-318" normalizeH="0" baseline="0" noProof="0" dirty="0" smtClean="0">
+              <a:rPr kumimoji="0" lang="en-US" sz="2000" b="0" i="0" u="none" strike="noStrike" kern="1200" cap="none" spc="-318" normalizeH="0" baseline="0" noProof="0" dirty="0">
                 <a:ln>
                   <a:noFill/>
                 </a:ln>
@@ -6537,22 +6479,6 @@
               <a:t>   </a:t>
             </a:r>
             <a:r>
-              <a:rPr kumimoji="0" sz="2000" b="0" i="0" u="none" strike="noStrike" kern="1200" cap="none" spc="-84" normalizeH="0" baseline="0" noProof="0" dirty="0" smtClean="0">
-                <a:ln>
-                  <a:noFill/>
-                </a:ln>
-                <a:solidFill>
-                  <a:prstClr val="black"/>
-                </a:solidFill>
-                <a:effectLst/>
-                <a:uLnTx/>
-                <a:uFillTx/>
-                <a:latin typeface="Calibri" panose="020F0502020204030204" pitchFamily="34" charset="0"/>
-                <a:cs typeface="Trebuchet MS"/>
-              </a:rPr>
-              <a:t>N</a:t>
-            </a:r>
-            <a:r>
               <a:rPr kumimoji="0" sz="2000" b="0" i="0" u="none" strike="noStrike" kern="1200" cap="none" spc="-84" normalizeH="0" baseline="0" noProof="0" dirty="0">
                 <a:ln>
                   <a:noFill/>
@@ -6566,7 +6492,7 @@
                 <a:latin typeface="Calibri" panose="020F0502020204030204" pitchFamily="34" charset="0"/>
                 <a:cs typeface="Trebuchet MS"/>
               </a:rPr>
-              <a:t>.</a:t>
+              <a:t>N.</a:t>
             </a:r>
             <a:endParaRPr kumimoji="0" sz="2000" b="0" i="0" u="none" strike="noStrike" kern="1200" cap="none" spc="0" normalizeH="0" baseline="0" noProof="0" dirty="0">
               <a:ln>
@@ -6665,7 +6591,7 @@
               <a:tabLst/>
               <a:defRPr/>
             </a:pPr>
-            <a:endParaRPr kumimoji="0" sz="1588" b="0" i="0" u="none" strike="noStrike" kern="1200" cap="none" spc="0" normalizeH="0" baseline="0" noProof="0" smtClean="0">
+            <a:endParaRPr kumimoji="0" sz="1588" b="0" i="0" u="none" strike="noStrike" kern="1200" cap="none" spc="0" normalizeH="0" baseline="0" noProof="0">
               <a:ln>
                 <a:noFill/>
               </a:ln>
@@ -6840,7 +6766,7 @@
               <a:t>p</a:t>
             </a:r>
             <a:r>
-              <a:rPr kumimoji="0" sz="2030" b="0" i="0" u="none" strike="noStrike" kern="1200" cap="none" spc="-265" normalizeH="0" baseline="0" noProof="0" dirty="0" smtClean="0">
+              <a:rPr kumimoji="0" sz="2030" b="0" i="0" u="none" strike="noStrike" kern="1200" cap="none" spc="-265" normalizeH="0" baseline="0" noProof="0" dirty="0">
                 <a:ln>
                   <a:noFill/>
                 </a:ln>
@@ -6857,7 +6783,7 @@
               <a:t>)</a:t>
             </a:r>
             <a:r>
-              <a:rPr kumimoji="0" lang="en-US" sz="2030" b="0" i="0" u="none" strike="noStrike" kern="1200" cap="none" spc="-265" normalizeH="0" baseline="0" noProof="0" dirty="0" smtClean="0">
+              <a:rPr kumimoji="0" lang="en-US" sz="2030" b="0" i="0" u="none" strike="noStrike" kern="1200" cap="none" spc="-265" normalizeH="0" baseline="0" noProof="0" dirty="0">
                 <a:ln>
                   <a:noFill/>
                 </a:ln>
@@ -7132,7 +7058,7 @@
               <a:tabLst/>
               <a:defRPr/>
             </a:pPr>
-            <a:endParaRPr kumimoji="0" sz="1588" b="0" i="0" u="none" strike="noStrike" kern="1200" cap="none" spc="0" normalizeH="0" baseline="0" noProof="0" smtClean="0">
+            <a:endParaRPr kumimoji="0" sz="1588" b="0" i="0" u="none" strike="noStrike" kern="1200" cap="none" spc="0" normalizeH="0" baseline="0" noProof="0">
               <a:ln>
                 <a:noFill/>
               </a:ln>
@@ -7307,7 +7233,7 @@
               <a:t>n</a:t>
             </a:r>
             <a:r>
-              <a:rPr kumimoji="0" sz="2030" b="0" i="0" u="none" strike="noStrike" kern="1200" cap="none" spc="-265" normalizeH="0" baseline="0" noProof="0" dirty="0" smtClean="0">
+              <a:rPr kumimoji="0" sz="2030" b="0" i="0" u="none" strike="noStrike" kern="1200" cap="none" spc="-265" normalizeH="0" baseline="0" noProof="0" dirty="0">
                 <a:ln>
                   <a:noFill/>
                 </a:ln>
@@ -7324,7 +7250,7 @@
               <a:t>)</a:t>
             </a:r>
             <a:r>
-              <a:rPr kumimoji="0" lang="en-US" sz="2030" b="0" i="0" u="none" strike="noStrike" kern="1200" cap="none" spc="-265" normalizeH="0" baseline="0" noProof="0" dirty="0" smtClean="0">
+              <a:rPr kumimoji="0" lang="en-US" sz="2030" b="0" i="0" u="none" strike="noStrike" kern="1200" cap="none" spc="-265" normalizeH="0" baseline="0" noProof="0" dirty="0">
                 <a:ln>
                   <a:noFill/>
                 </a:ln>
@@ -7479,6 +7405,41 @@
           </a:p>
         </p:txBody>
       </p:sp>
+      <p:sp>
+        <p:nvSpPr>
+          <p:cNvPr id="4" name="TextBox 3">
+            <a:extLst>
+              <a:ext uri="{FF2B5EF4-FFF2-40B4-BE49-F238E27FC236}">
+                <a16:creationId xmlns:a16="http://schemas.microsoft.com/office/drawing/2014/main" id="{A0B0C535-E8A4-49E3-A7AD-E1AD620F756C}"/>
+              </a:ext>
+            </a:extLst>
+          </p:cNvPr>
+          <p:cNvSpPr txBox="1"/>
+          <p:nvPr/>
+        </p:nvSpPr>
+        <p:spPr>
+          <a:xfrm>
+            <a:off x="5472582" y="1868926"/>
+            <a:ext cx="719008" cy="369332"/>
+          </a:xfrm>
+          <a:prstGeom prst="rect">
+            <a:avLst/>
+          </a:prstGeom>
+          <a:noFill/>
+        </p:spPr>
+        <p:txBody>
+          <a:bodyPr wrap="square" rtlCol="0">
+            <a:spAutoFit/>
+          </a:bodyPr>
+          <a:lstStyle/>
+          <a:p>
+            <a:r>
+              <a:rPr lang="en-US" dirty="0"/>
+              <a:t>&lt;</a:t>
+            </a:r>
+          </a:p>
+        </p:txBody>
+      </p:sp>
     </p:spTree>
     <p:extLst>
       <p:ext uri="{BB962C8B-B14F-4D97-AF65-F5344CB8AC3E}">
@@ -7489,13 +7450,6 @@
   <p:clrMapOvr>
     <a:masterClrMapping/>
   </p:clrMapOvr>
-  <p:timing>
-    <p:tnLst>
-      <p:par>
-        <p:cTn id="1" dur="indefinite" restart="never" nodeType="tmRoot"/>
-      </p:par>
-    </p:tnLst>
-  </p:timing>
 </p:sld>
 </file>
 
@@ -7550,7 +7504,7 @@
               </a:spcBef>
             </a:pPr>
             <a:r>
-              <a:rPr sz="2956" spc="-93" dirty="0" smtClean="0">
+              <a:rPr sz="2956" spc="-93" dirty="0">
                 <a:solidFill>
                   <a:srgbClr val="002060"/>
                 </a:solidFill>
@@ -7560,7 +7514,7 @@
               <a:t>Triplet</a:t>
             </a:r>
             <a:r>
-              <a:rPr lang="en-US" sz="2956" spc="-93" dirty="0" smtClean="0">
+              <a:rPr lang="en-US" sz="2956" spc="-93" dirty="0">
                 <a:solidFill>
                   <a:srgbClr val="002060"/>
                 </a:solidFill>
@@ -7570,7 +7524,7 @@
               <a:t>  </a:t>
             </a:r>
             <a:r>
-              <a:rPr sz="2956" spc="-224" dirty="0" smtClean="0">
+              <a:rPr sz="2956" spc="-224" dirty="0">
                 <a:solidFill>
                   <a:srgbClr val="002060"/>
                 </a:solidFill>
@@ -7783,7 +7737,7 @@
               <a:tabLst/>
               <a:defRPr/>
             </a:pPr>
-            <a:endParaRPr kumimoji="0" sz="1588" b="0" i="0" u="none" strike="noStrike" kern="1200" cap="none" spc="0" normalizeH="0" baseline="0" noProof="0" smtClean="0">
+            <a:endParaRPr kumimoji="0" sz="1588" b="0" i="0" u="none" strike="noStrike" kern="1200" cap="none" spc="0" normalizeH="0" baseline="0" noProof="0">
               <a:ln>
                 <a:noFill/>
               </a:ln>
@@ -7881,7 +7835,7 @@
               <a:tabLst/>
               <a:defRPr/>
             </a:pPr>
-            <a:endParaRPr kumimoji="0" sz="1588" b="0" i="0" u="none" strike="noStrike" kern="1200" cap="none" spc="0" normalizeH="0" baseline="0" noProof="0" smtClean="0">
+            <a:endParaRPr kumimoji="0" sz="1588" b="0" i="0" u="none" strike="noStrike" kern="1200" cap="none" spc="0" normalizeH="0" baseline="0" noProof="0">
               <a:ln>
                 <a:noFill/>
               </a:ln>
@@ -8365,7 +8319,7 @@
               <a:tabLst/>
               <a:defRPr/>
             </a:pPr>
-            <a:endParaRPr kumimoji="0" sz="1588" b="0" i="0" u="none" strike="noStrike" kern="1200" cap="none" spc="0" normalizeH="0" baseline="0" noProof="0" smtClean="0">
+            <a:endParaRPr kumimoji="0" sz="1588" b="0" i="0" u="none" strike="noStrike" kern="1200" cap="none" spc="0" normalizeH="0" baseline="0" noProof="0">
               <a:ln>
                 <a:noFill/>
               </a:ln>
@@ -8463,7 +8417,7 @@
               <a:tabLst/>
               <a:defRPr/>
             </a:pPr>
-            <a:endParaRPr kumimoji="0" sz="1588" b="0" i="0" u="none" strike="noStrike" kern="1200" cap="none" spc="0" normalizeH="0" baseline="0" noProof="0" smtClean="0">
+            <a:endParaRPr kumimoji="0" sz="1588" b="0" i="0" u="none" strike="noStrike" kern="1200" cap="none" spc="0" normalizeH="0" baseline="0" noProof="0">
               <a:ln>
                 <a:noFill/>
               </a:ln>
@@ -8818,7 +8772,7 @@
               <a:tabLst/>
               <a:defRPr/>
             </a:pPr>
-            <a:endParaRPr kumimoji="0" sz="1588" b="0" i="0" u="none" strike="noStrike" kern="1200" cap="none" spc="0" normalizeH="0" baseline="0" noProof="0" smtClean="0">
+            <a:endParaRPr kumimoji="0" sz="1588" b="0" i="0" u="none" strike="noStrike" kern="1200" cap="none" spc="0" normalizeH="0" baseline="0" noProof="0">
               <a:ln>
                 <a:noFill/>
               </a:ln>
@@ -8916,7 +8870,7 @@
               <a:tabLst/>
               <a:defRPr/>
             </a:pPr>
-            <a:endParaRPr kumimoji="0" sz="1588" b="0" i="0" u="none" strike="noStrike" kern="1200" cap="none" spc="0" normalizeH="0" baseline="0" noProof="0" smtClean="0">
+            <a:endParaRPr kumimoji="0" sz="1588" b="0" i="0" u="none" strike="noStrike" kern="1200" cap="none" spc="0" normalizeH="0" baseline="0" noProof="0">
               <a:ln>
                 <a:noFill/>
               </a:ln>
@@ -9014,7 +8968,7 @@
               <a:tabLst/>
               <a:defRPr/>
             </a:pPr>
-            <a:endParaRPr kumimoji="0" sz="1588" b="0" i="0" u="none" strike="noStrike" kern="1200" cap="none" spc="0" normalizeH="0" baseline="0" noProof="0" smtClean="0">
+            <a:endParaRPr kumimoji="0" sz="1588" b="0" i="0" u="none" strike="noStrike" kern="1200" cap="none" spc="0" normalizeH="0" baseline="0" noProof="0">
               <a:ln>
                 <a:noFill/>
               </a:ln>
@@ -9157,7 +9111,7 @@
               <a:tabLst/>
               <a:defRPr/>
             </a:pPr>
-            <a:endParaRPr kumimoji="0" sz="1588" b="0" i="0" u="none" strike="noStrike" kern="1200" cap="none" spc="0" normalizeH="0" baseline="0" noProof="0" smtClean="0">
+            <a:endParaRPr kumimoji="0" sz="1588" b="0" i="0" u="none" strike="noStrike" kern="1200" cap="none" spc="0" normalizeH="0" baseline="0" noProof="0">
               <a:ln>
                 <a:noFill/>
               </a:ln>
@@ -9433,7 +9387,7 @@
               <a:tabLst/>
               <a:defRPr/>
             </a:pPr>
-            <a:endParaRPr kumimoji="0" sz="1588" b="0" i="0" u="none" strike="noStrike" kern="1200" cap="none" spc="0" normalizeH="0" baseline="0" noProof="0" smtClean="0">
+            <a:endParaRPr kumimoji="0" sz="1588" b="0" i="0" u="none" strike="noStrike" kern="1200" cap="none" spc="0" normalizeH="0" baseline="0" noProof="0">
               <a:ln>
                 <a:noFill/>
               </a:ln>
@@ -9531,7 +9485,7 @@
               <a:tabLst/>
               <a:defRPr/>
             </a:pPr>
-            <a:endParaRPr kumimoji="0" sz="1588" b="0" i="0" u="none" strike="noStrike" kern="1200" cap="none" spc="0" normalizeH="0" baseline="0" noProof="0" smtClean="0">
+            <a:endParaRPr kumimoji="0" sz="1588" b="0" i="0" u="none" strike="noStrike" kern="1200" cap="none" spc="0" normalizeH="0" baseline="0" noProof="0">
               <a:ln>
                 <a:noFill/>
               </a:ln>
@@ -10693,6 +10647,41 @@
           </a:p>
         </p:txBody>
       </p:sp>
+      <p:sp>
+        <p:nvSpPr>
+          <p:cNvPr id="27" name="TextBox 26">
+            <a:extLst>
+              <a:ext uri="{FF2B5EF4-FFF2-40B4-BE49-F238E27FC236}">
+                <a16:creationId xmlns:a16="http://schemas.microsoft.com/office/drawing/2014/main" id="{DE6A1BA9-DEAA-42EB-8AF6-BA96AC42BCD6}"/>
+              </a:ext>
+            </a:extLst>
+          </p:cNvPr>
+          <p:cNvSpPr txBox="1"/>
+          <p:nvPr/>
+        </p:nvSpPr>
+        <p:spPr>
+          <a:xfrm>
+            <a:off x="5312770" y="1740952"/>
+            <a:ext cx="1539403" cy="369332"/>
+          </a:xfrm>
+          <a:prstGeom prst="rect">
+            <a:avLst/>
+          </a:prstGeom>
+          <a:noFill/>
+        </p:spPr>
+        <p:txBody>
+          <a:bodyPr wrap="square" rtlCol="0">
+            <a:spAutoFit/>
+          </a:bodyPr>
+          <a:lstStyle/>
+          <a:p>
+            <a:r>
+              <a:rPr lang="en-US" dirty="0"/>
+              <a:t>&lt;</a:t>
+            </a:r>
+          </a:p>
+        </p:txBody>
+      </p:sp>
     </p:spTree>
     <p:extLst>
       <p:ext uri="{BB962C8B-B14F-4D97-AF65-F5344CB8AC3E}">
@@ -10703,13 +10692,6 @@
   <p:clrMapOvr>
     <a:masterClrMapping/>
   </p:clrMapOvr>
-  <p:timing>
-    <p:tnLst>
-      <p:par>
-        <p:cTn id="1" dur="indefinite" restart="never" nodeType="tmRoot"/>
-      </p:par>
-    </p:tnLst>
-  </p:timing>
 </p:sld>
 </file>
 
@@ -10772,7 +10754,7 @@
               <a:tabLst/>
               <a:defRPr/>
             </a:pPr>
-            <a:endParaRPr kumimoji="0" sz="1588" b="0" i="0" u="none" strike="noStrike" kern="1200" cap="none" spc="0" normalizeH="0" baseline="0" noProof="0" smtClean="0">
+            <a:endParaRPr kumimoji="0" sz="1588" b="0" i="0" u="none" strike="noStrike" kern="1200" cap="none" spc="0" normalizeH="0" baseline="0" noProof="0">
               <a:ln>
                 <a:noFill/>
               </a:ln>
@@ -10843,7 +10825,7 @@
               <a:t> </a:t>
             </a:r>
             <a:r>
-              <a:rPr lang="en-US" sz="2691" spc="-190" dirty="0" smtClean="0">
+              <a:rPr lang="en-US" sz="2691" spc="-190" dirty="0">
                 <a:solidFill>
                   <a:srgbClr val="002060"/>
                 </a:solidFill>
@@ -10853,7 +10835,7 @@
               <a:t> </a:t>
             </a:r>
             <a:r>
-              <a:rPr sz="2691" spc="-274" dirty="0" smtClean="0">
+              <a:rPr sz="2691" spc="-274" dirty="0">
                 <a:solidFill>
                   <a:srgbClr val="002060"/>
                 </a:solidFill>
@@ -10877,7 +10859,7 @@
         </p:nvSpPr>
         <p:spPr>
           <a:xfrm>
-            <a:off x="2180758" y="3699212"/>
+            <a:off x="2353036" y="3363311"/>
             <a:ext cx="8760511" cy="1973391"/>
           </a:xfrm>
           <a:prstGeom prst="rect">
@@ -12467,23 +12449,7 @@
                 <a:latin typeface="Calibri" panose="020F0502020204030204" pitchFamily="34" charset="0"/>
                 <a:cs typeface="Trebuchet MS"/>
               </a:rPr>
-              <a:t>other</a:t>
-            </a:r>
-            <a:r>
-              <a:rPr kumimoji="0" b="0" i="0" u="none" strike="noStrike" kern="1200" cap="none" spc="-106" normalizeH="0" baseline="0" noProof="0" dirty="0" smtClean="0">
-                <a:ln>
-                  <a:noFill/>
-                </a:ln>
-                <a:solidFill>
-                  <a:prstClr val="black"/>
-                </a:solidFill>
-                <a:effectLst/>
-                <a:uLnTx/>
-                <a:uFillTx/>
-                <a:latin typeface="Calibri" panose="020F0502020204030204" pitchFamily="34" charset="0"/>
-                <a:cs typeface="Trebuchet MS"/>
-              </a:rPr>
-              <a:t>.</a:t>
+              <a:t>other.</a:t>
             </a:r>
             <a:endParaRPr kumimoji="0" b="0" i="0" u="none" strike="noStrike" kern="1200" cap="none" spc="0" normalizeH="0" baseline="0" noProof="0" dirty="0">
               <a:ln>
@@ -12941,13 +12907,6 @@
   <p:clrMapOvr>
     <a:masterClrMapping/>
   </p:clrMapOvr>
-  <p:timing>
-    <p:tnLst>
-      <p:par>
-        <p:cTn id="1" dur="indefinite" restart="never" nodeType="tmRoot"/>
-      </p:par>
-    </p:tnLst>
-  </p:timing>
 </p:sld>
 </file>
 
@@ -12980,7 +12939,7 @@
         </p:nvSpPr>
         <p:spPr>
           <a:xfrm>
-            <a:off x="750198" y="707839"/>
+            <a:off x="631339" y="726347"/>
             <a:ext cx="5186083" cy="470144"/>
           </a:xfrm>
           <a:prstGeom prst="rect">
@@ -13022,7 +12981,7 @@
               <a:t> </a:t>
             </a:r>
             <a:r>
-              <a:rPr lang="en-US" sz="2956" spc="-212" dirty="0" smtClean="0">
+              <a:rPr lang="en-US" sz="2956" spc="-212" dirty="0">
                 <a:solidFill>
                   <a:srgbClr val="002060"/>
                 </a:solidFill>
@@ -13032,7 +12991,7 @@
               <a:t>  </a:t>
             </a:r>
             <a:r>
-              <a:rPr sz="2956" spc="-137" dirty="0" smtClean="0">
+              <a:rPr sz="2956" spc="-137" dirty="0">
                 <a:solidFill>
                   <a:srgbClr val="002060"/>
                 </a:solidFill>
@@ -13057,7 +13016,7 @@
         <p:spPr>
           <a:xfrm>
             <a:off x="1265515" y="2463378"/>
-            <a:ext cx="9567623" cy="2751658"/>
+            <a:ext cx="9567623" cy="3133814"/>
           </a:xfrm>
           <a:prstGeom prst="rect">
             <a:avLst/>
@@ -13378,7 +13337,7 @@
               <a:t> </a:t>
             </a:r>
             <a:r>
-              <a:rPr kumimoji="0" sz="2400" b="0" i="0" u="none" strike="noStrike" kern="1200" cap="none" spc="-93" normalizeH="0" baseline="0" noProof="0" dirty="0" smtClean="0">
+              <a:rPr kumimoji="0" sz="2400" b="0" i="0" u="none" strike="noStrike" kern="1200" cap="none" spc="-93" normalizeH="0" baseline="0" noProof="0" dirty="0">
                 <a:ln>
                   <a:noFill/>
                 </a:ln>
@@ -13393,7 +13352,53 @@
               </a:rPr>
               <a:t>that</a:t>
             </a:r>
-            <a:endParaRPr kumimoji="0" lang="en-US" sz="2400" b="0" i="0" u="none" strike="noStrike" kern="1200" cap="none" spc="-93" normalizeH="0" baseline="0" noProof="0" dirty="0" smtClean="0">
+            <a:r>
+              <a:rPr kumimoji="0" lang="en-US" sz="2400" b="0" i="0" u="none" strike="noStrike" kern="1200" cap="none" spc="-93" normalizeH="0" baseline="0" noProof="0" dirty="0">
+                <a:ln>
+                  <a:noFill/>
+                </a:ln>
+                <a:solidFill>
+                  <a:prstClr val="black"/>
+                </a:solidFill>
+                <a:effectLst/>
+                <a:uLnTx/>
+                <a:uFillTx/>
+                <a:latin typeface="Calibri" panose="020F0502020204030204" pitchFamily="34" charset="0"/>
+                <a:cs typeface="Trebuchet MS"/>
+              </a:rPr>
+              <a:t> satisfy </a:t>
+            </a:r>
+          </a:p>
+          <a:p>
+            <a:pPr marL="10646" marR="0" lvl="0" algn="l" defTabSz="914400" rtl="0" eaLnBrk="1" fontAlgn="auto" latinLnBrk="0" hangingPunct="1">
+              <a:lnSpc>
+                <a:spcPct val="100000"/>
+              </a:lnSpc>
+              <a:spcBef>
+                <a:spcPts val="97"/>
+              </a:spcBef>
+              <a:spcAft>
+                <a:spcPts val="0"/>
+              </a:spcAft>
+              <a:buClrTx/>
+              <a:buSzTx/>
+              <a:tabLst>
+                <a:tab pos="388865" algn="l"/>
+                <a:tab pos="389425" algn="l"/>
+              </a:tabLst>
+              <a:defRPr/>
+            </a:pPr>
+            <a:r>
+              <a:rPr lang="en-US" sz="2400" spc="-93" dirty="0">
+                <a:solidFill>
+                  <a:prstClr val="black"/>
+                </a:solidFill>
+                <a:latin typeface="Calibri" panose="020F0502020204030204" pitchFamily="34" charset="0"/>
+                <a:cs typeface="Trebuchet MS"/>
+              </a:rPr>
+              <a:t>			</a:t>
+            </a:r>
+            <a:endParaRPr kumimoji="0" lang="en-US" sz="2400" b="0" i="0" u="none" strike="noStrike" kern="1200" cap="none" spc="-93" normalizeH="0" baseline="0" noProof="0" dirty="0">
               <a:ln>
                 <a:noFill/>
               </a:ln>
@@ -13453,7 +13458,7 @@
               <a:defRPr/>
             </a:pPr>
             <a:r>
-              <a:rPr lang="en-US" sz="2400" spc="-93" dirty="0" smtClean="0">
+              <a:rPr lang="en-US" sz="2400" spc="-93" dirty="0">
                 <a:solidFill>
                   <a:prstClr val="black"/>
                 </a:solidFill>
@@ -13463,7 +13468,7 @@
               <a:t>These</a:t>
             </a:r>
             <a:r>
-              <a:rPr lang="en-US" sz="2400" spc="-150" dirty="0" smtClean="0">
+              <a:rPr lang="en-US" sz="2400" spc="-150" dirty="0">
                 <a:solidFill>
                   <a:prstClr val="black"/>
                 </a:solidFill>
@@ -14263,6 +14268,1169 @@
           </a:p>
         </p:txBody>
       </p:sp>
+      <p:sp>
+        <p:nvSpPr>
+          <p:cNvPr id="5" name="object 4">
+            <a:extLst>
+              <a:ext uri="{FF2B5EF4-FFF2-40B4-BE49-F238E27FC236}">
+                <a16:creationId xmlns:a16="http://schemas.microsoft.com/office/drawing/2014/main" id="{73F55BAA-960C-4C40-A0FC-B75C3CA10ED8}"/>
+              </a:ext>
+            </a:extLst>
+          </p:cNvPr>
+          <p:cNvSpPr/>
+          <p:nvPr/>
+        </p:nvSpPr>
+        <p:spPr>
+          <a:xfrm>
+            <a:off x="4657837" y="3216245"/>
+            <a:ext cx="63874" cy="201706"/>
+          </a:xfrm>
+          <a:custGeom>
+            <a:avLst/>
+            <a:gdLst/>
+            <a:ahLst/>
+            <a:cxnLst/>
+            <a:rect l="l" t="t" r="r" b="b"/>
+            <a:pathLst>
+              <a:path w="72389" h="228600">
+                <a:moveTo>
+                  <a:pt x="19050" y="0"/>
+                </a:moveTo>
+                <a:lnTo>
+                  <a:pt x="0" y="0"/>
+                </a:lnTo>
+                <a:lnTo>
+                  <a:pt x="0" y="228600"/>
+                </a:lnTo>
+                <a:lnTo>
+                  <a:pt x="19050" y="228600"/>
+                </a:lnTo>
+                <a:lnTo>
+                  <a:pt x="19050" y="0"/>
+                </a:lnTo>
+                <a:close/>
+              </a:path>
+              <a:path w="72389" h="228600">
+                <a:moveTo>
+                  <a:pt x="72390" y="0"/>
+                </a:moveTo>
+                <a:lnTo>
+                  <a:pt x="53340" y="0"/>
+                </a:lnTo>
+                <a:lnTo>
+                  <a:pt x="53340" y="228600"/>
+                </a:lnTo>
+                <a:lnTo>
+                  <a:pt x="72390" y="228600"/>
+                </a:lnTo>
+                <a:lnTo>
+                  <a:pt x="72390" y="0"/>
+                </a:lnTo>
+                <a:close/>
+              </a:path>
+            </a:pathLst>
+          </a:custGeom>
+          <a:solidFill>
+            <a:srgbClr val="000000"/>
+          </a:solidFill>
+        </p:spPr>
+        <p:txBody>
+          <a:bodyPr wrap="square" lIns="0" tIns="0" rIns="0" bIns="0" rtlCol="0"/>
+          <a:lstStyle/>
+          <a:p>
+            <a:pPr marL="0" marR="0" lvl="0" indent="0" algn="l" defTabSz="914400" rtl="0" eaLnBrk="1" fontAlgn="auto" latinLnBrk="0" hangingPunct="1">
+              <a:lnSpc>
+                <a:spcPct val="100000"/>
+              </a:lnSpc>
+              <a:spcBef>
+                <a:spcPts val="0"/>
+              </a:spcBef>
+              <a:spcAft>
+                <a:spcPts val="0"/>
+              </a:spcAft>
+              <a:buClrTx/>
+              <a:buSzTx/>
+              <a:buFontTx/>
+              <a:buNone/>
+              <a:tabLst/>
+              <a:defRPr/>
+            </a:pPr>
+            <a:endParaRPr kumimoji="0" sz="1588" b="0" i="0" u="none" strike="noStrike" kern="1200" cap="none" spc="0" normalizeH="0" baseline="0" noProof="0">
+              <a:ln>
+                <a:noFill/>
+              </a:ln>
+              <a:solidFill>
+                <a:prstClr val="black"/>
+              </a:solidFill>
+              <a:effectLst/>
+              <a:uLnTx/>
+              <a:uFillTx/>
+              <a:latin typeface="Calibri" panose="020F0502020204030204"/>
+              <a:ea typeface="+mn-ea"/>
+              <a:cs typeface="+mn-cs"/>
+            </a:endParaRPr>
+          </a:p>
+        </p:txBody>
+      </p:sp>
+      <p:sp>
+        <p:nvSpPr>
+          <p:cNvPr id="6" name="object 5">
+            <a:extLst>
+              <a:ext uri="{FF2B5EF4-FFF2-40B4-BE49-F238E27FC236}">
+                <a16:creationId xmlns:a16="http://schemas.microsoft.com/office/drawing/2014/main" id="{DDE041DD-19C4-4810-979A-AAA2A0B1AA27}"/>
+              </a:ext>
+            </a:extLst>
+          </p:cNvPr>
+          <p:cNvSpPr/>
+          <p:nvPr/>
+        </p:nvSpPr>
+        <p:spPr>
+          <a:xfrm>
+            <a:off x="3160507" y="3216245"/>
+            <a:ext cx="63874" cy="201706"/>
+          </a:xfrm>
+          <a:custGeom>
+            <a:avLst/>
+            <a:gdLst/>
+            <a:ahLst/>
+            <a:cxnLst/>
+            <a:rect l="l" t="t" r="r" b="b"/>
+            <a:pathLst>
+              <a:path w="72389" h="228600">
+                <a:moveTo>
+                  <a:pt x="19050" y="0"/>
+                </a:moveTo>
+                <a:lnTo>
+                  <a:pt x="0" y="0"/>
+                </a:lnTo>
+                <a:lnTo>
+                  <a:pt x="0" y="228600"/>
+                </a:lnTo>
+                <a:lnTo>
+                  <a:pt x="19050" y="228600"/>
+                </a:lnTo>
+                <a:lnTo>
+                  <a:pt x="19050" y="0"/>
+                </a:lnTo>
+                <a:close/>
+              </a:path>
+              <a:path w="72389" h="228600">
+                <a:moveTo>
+                  <a:pt x="72390" y="0"/>
+                </a:moveTo>
+                <a:lnTo>
+                  <a:pt x="53340" y="0"/>
+                </a:lnTo>
+                <a:lnTo>
+                  <a:pt x="53340" y="228600"/>
+                </a:lnTo>
+                <a:lnTo>
+                  <a:pt x="72390" y="228600"/>
+                </a:lnTo>
+                <a:lnTo>
+                  <a:pt x="72390" y="0"/>
+                </a:lnTo>
+                <a:close/>
+              </a:path>
+            </a:pathLst>
+          </a:custGeom>
+          <a:solidFill>
+            <a:srgbClr val="000000"/>
+          </a:solidFill>
+        </p:spPr>
+        <p:txBody>
+          <a:bodyPr wrap="square" lIns="0" tIns="0" rIns="0" bIns="0" rtlCol="0"/>
+          <a:lstStyle/>
+          <a:p>
+            <a:pPr marL="0" marR="0" lvl="0" indent="0" algn="l" defTabSz="914400" rtl="0" eaLnBrk="1" fontAlgn="auto" latinLnBrk="0" hangingPunct="1">
+              <a:lnSpc>
+                <a:spcPct val="100000"/>
+              </a:lnSpc>
+              <a:spcBef>
+                <a:spcPts val="0"/>
+              </a:spcBef>
+              <a:spcAft>
+                <a:spcPts val="0"/>
+              </a:spcAft>
+              <a:buClrTx/>
+              <a:buSzTx/>
+              <a:buFontTx/>
+              <a:buNone/>
+              <a:tabLst/>
+              <a:defRPr/>
+            </a:pPr>
+            <a:endParaRPr kumimoji="0" sz="1588" b="0" i="0" u="none" strike="noStrike" kern="1200" cap="none" spc="0" normalizeH="0" baseline="0" noProof="0">
+              <a:ln>
+                <a:noFill/>
+              </a:ln>
+              <a:solidFill>
+                <a:prstClr val="black"/>
+              </a:solidFill>
+              <a:effectLst/>
+              <a:uLnTx/>
+              <a:uFillTx/>
+              <a:latin typeface="Calibri" panose="020F0502020204030204"/>
+              <a:ea typeface="+mn-ea"/>
+              <a:cs typeface="+mn-cs"/>
+            </a:endParaRPr>
+          </a:p>
+        </p:txBody>
+      </p:sp>
+      <p:sp>
+        <p:nvSpPr>
+          <p:cNvPr id="7" name="object 6">
+            <a:extLst>
+              <a:ext uri="{FF2B5EF4-FFF2-40B4-BE49-F238E27FC236}">
+                <a16:creationId xmlns:a16="http://schemas.microsoft.com/office/drawing/2014/main" id="{E924959B-2923-4AE3-A179-72CDCEDBBC19}"/>
+              </a:ext>
+            </a:extLst>
+          </p:cNvPr>
+          <p:cNvSpPr txBox="1"/>
+          <p:nvPr/>
+        </p:nvSpPr>
+        <p:spPr>
+          <a:xfrm>
+            <a:off x="3217656" y="3147218"/>
+            <a:ext cx="1447240" cy="279526"/>
+          </a:xfrm>
+          <a:prstGeom prst="rect">
+            <a:avLst/>
+          </a:prstGeom>
+        </p:spPr>
+        <p:txBody>
+          <a:bodyPr vert="horz" wrap="square" lIns="0" tIns="14568" rIns="0" bIns="0" rtlCol="0">
+            <a:spAutoFit/>
+          </a:bodyPr>
+          <a:lstStyle/>
+          <a:p>
+            <a:pPr marL="33619" marR="0" lvl="0" indent="0" algn="l" defTabSz="914400" rtl="0" eaLnBrk="1" fontAlgn="auto" latinLnBrk="0" hangingPunct="1">
+              <a:lnSpc>
+                <a:spcPct val="100000"/>
+              </a:lnSpc>
+              <a:spcBef>
+                <a:spcPts val="115"/>
+              </a:spcBef>
+              <a:spcAft>
+                <a:spcPts val="0"/>
+              </a:spcAft>
+              <a:buClrTx/>
+              <a:buSzTx/>
+              <a:buFontTx/>
+              <a:buNone/>
+              <a:tabLst/>
+              <a:defRPr/>
+            </a:pPr>
+            <a:r>
+              <a:rPr kumimoji="0" sz="1721" b="0" i="0" u="none" strike="noStrike" kern="1200" cap="none" spc="-137" normalizeH="0" baseline="0" noProof="0" dirty="0">
+                <a:ln>
+                  <a:noFill/>
+                </a:ln>
+                <a:solidFill>
+                  <a:prstClr val="black"/>
+                </a:solidFill>
+                <a:effectLst/>
+                <a:uLnTx/>
+                <a:uFillTx/>
+                <a:latin typeface="Georgia"/>
+                <a:ea typeface="+mn-ea"/>
+                <a:cs typeface="Georgia"/>
+              </a:rPr>
+              <a:t>𝑓(𝑥</a:t>
+            </a:r>
+            <a:r>
+              <a:rPr kumimoji="0" sz="1919" b="0" i="0" u="none" strike="noStrike" kern="1200" cap="none" spc="-205" normalizeH="0" baseline="28735" noProof="0" dirty="0">
+                <a:ln>
+                  <a:noFill/>
+                </a:ln>
+                <a:solidFill>
+                  <a:prstClr val="black"/>
+                </a:solidFill>
+                <a:effectLst/>
+                <a:uLnTx/>
+                <a:uFillTx/>
+                <a:latin typeface="Georgia"/>
+                <a:ea typeface="+mn-ea"/>
+                <a:cs typeface="Georgia"/>
+              </a:rPr>
+              <a:t>a</a:t>
+            </a:r>
+            <a:r>
+              <a:rPr kumimoji="0" sz="1721" b="0" i="0" u="none" strike="noStrike" kern="1200" cap="none" spc="-137" normalizeH="0" baseline="0" noProof="0" dirty="0">
+                <a:ln>
+                  <a:noFill/>
+                </a:ln>
+                <a:solidFill>
+                  <a:prstClr val="black"/>
+                </a:solidFill>
+                <a:effectLst/>
+                <a:uLnTx/>
+                <a:uFillTx/>
+                <a:latin typeface="Georgia"/>
+                <a:ea typeface="+mn-ea"/>
+                <a:cs typeface="Georgia"/>
+              </a:rPr>
+              <a:t>)—</a:t>
+            </a:r>
+            <a:r>
+              <a:rPr kumimoji="0" sz="1721" b="0" i="0" u="none" strike="noStrike" kern="1200" cap="none" spc="-71" normalizeH="0" baseline="0" noProof="0" dirty="0">
+                <a:ln>
+                  <a:noFill/>
+                </a:ln>
+                <a:solidFill>
+                  <a:prstClr val="black"/>
+                </a:solidFill>
+                <a:effectLst/>
+                <a:uLnTx/>
+                <a:uFillTx/>
+                <a:latin typeface="Georgia"/>
+                <a:ea typeface="+mn-ea"/>
+                <a:cs typeface="Georgia"/>
+              </a:rPr>
+              <a:t> </a:t>
+            </a:r>
+            <a:r>
+              <a:rPr kumimoji="0" sz="1721" b="0" i="0" u="none" strike="noStrike" kern="1200" cap="none" spc="-216" normalizeH="0" baseline="0" noProof="0" dirty="0">
+                <a:ln>
+                  <a:noFill/>
+                </a:ln>
+                <a:solidFill>
+                  <a:prstClr val="black"/>
+                </a:solidFill>
+                <a:effectLst/>
+                <a:uLnTx/>
+                <a:uFillTx/>
+                <a:latin typeface="Georgia"/>
+                <a:ea typeface="+mn-ea"/>
+                <a:cs typeface="Georgia"/>
+              </a:rPr>
+              <a:t>𝑓(𝑥</a:t>
+            </a:r>
+            <a:r>
+              <a:rPr kumimoji="0" sz="1919" b="0" i="0" u="none" strike="noStrike" kern="1200" cap="none" spc="-324" normalizeH="0" baseline="28735" noProof="0" dirty="0">
+                <a:ln>
+                  <a:noFill/>
+                </a:ln>
+                <a:solidFill>
+                  <a:prstClr val="black"/>
+                </a:solidFill>
+                <a:effectLst/>
+                <a:uLnTx/>
+                <a:uFillTx/>
+                <a:latin typeface="Georgia"/>
+                <a:ea typeface="+mn-ea"/>
+                <a:cs typeface="Georgia"/>
+              </a:rPr>
+              <a:t>p</a:t>
+            </a:r>
+            <a:r>
+              <a:rPr kumimoji="0" sz="1721" b="0" i="0" u="none" strike="noStrike" kern="1200" cap="none" spc="-216" normalizeH="0" baseline="0" noProof="0" dirty="0">
+                <a:ln>
+                  <a:noFill/>
+                </a:ln>
+                <a:solidFill>
+                  <a:prstClr val="black"/>
+                </a:solidFill>
+                <a:effectLst/>
+                <a:uLnTx/>
+                <a:uFillTx/>
+                <a:latin typeface="Georgia"/>
+                <a:ea typeface="+mn-ea"/>
+                <a:cs typeface="Georgia"/>
+              </a:rPr>
+              <a:t>)</a:t>
+            </a:r>
+            <a:endParaRPr kumimoji="0" sz="1721" b="0" i="0" u="none" strike="noStrike" kern="1200" cap="none" spc="0" normalizeH="0" baseline="0" noProof="0">
+              <a:ln>
+                <a:noFill/>
+              </a:ln>
+              <a:solidFill>
+                <a:prstClr val="black"/>
+              </a:solidFill>
+              <a:effectLst/>
+              <a:uLnTx/>
+              <a:uFillTx/>
+              <a:latin typeface="Georgia"/>
+              <a:ea typeface="+mn-ea"/>
+              <a:cs typeface="Georgia"/>
+            </a:endParaRPr>
+          </a:p>
+        </p:txBody>
+      </p:sp>
+      <p:sp>
+        <p:nvSpPr>
+          <p:cNvPr id="8" name="object 7">
+            <a:extLst>
+              <a:ext uri="{FF2B5EF4-FFF2-40B4-BE49-F238E27FC236}">
+                <a16:creationId xmlns:a16="http://schemas.microsoft.com/office/drawing/2014/main" id="{2A3E1A70-7C2B-4B5F-90B6-794251F371C5}"/>
+              </a:ext>
+            </a:extLst>
+          </p:cNvPr>
+          <p:cNvSpPr txBox="1"/>
+          <p:nvPr/>
+        </p:nvSpPr>
+        <p:spPr>
+          <a:xfrm>
+            <a:off x="4737399" y="3256138"/>
+            <a:ext cx="116541" cy="207599"/>
+          </a:xfrm>
+          <a:prstGeom prst="rect">
+            <a:avLst/>
+          </a:prstGeom>
+        </p:spPr>
+        <p:txBody>
+          <a:bodyPr vert="horz" wrap="square" lIns="0" tIns="10646" rIns="0" bIns="0" rtlCol="0">
+            <a:spAutoFit/>
+          </a:bodyPr>
+          <a:lstStyle/>
+          <a:p>
+            <a:pPr marL="11206" marR="0" lvl="0" indent="0" algn="l" defTabSz="914400" rtl="0" eaLnBrk="1" fontAlgn="auto" latinLnBrk="0" hangingPunct="1">
+              <a:lnSpc>
+                <a:spcPct val="100000"/>
+              </a:lnSpc>
+              <a:spcBef>
+                <a:spcPts val="84"/>
+              </a:spcBef>
+              <a:spcAft>
+                <a:spcPts val="0"/>
+              </a:spcAft>
+              <a:buClrTx/>
+              <a:buSzTx/>
+              <a:buFontTx/>
+              <a:buNone/>
+              <a:tabLst/>
+              <a:defRPr/>
+            </a:pPr>
+            <a:r>
+              <a:rPr kumimoji="0" sz="1279" b="0" i="0" u="none" strike="noStrike" kern="1200" cap="none" spc="22" normalizeH="0" baseline="0" noProof="0" dirty="0">
+                <a:ln>
+                  <a:noFill/>
+                </a:ln>
+                <a:solidFill>
+                  <a:prstClr val="black"/>
+                </a:solidFill>
+                <a:effectLst/>
+                <a:uLnTx/>
+                <a:uFillTx/>
+                <a:latin typeface="Georgia"/>
+                <a:ea typeface="+mn-ea"/>
+                <a:cs typeface="Georgia"/>
+              </a:rPr>
+              <a:t>2</a:t>
+            </a:r>
+            <a:endParaRPr kumimoji="0" sz="1279" b="0" i="0" u="none" strike="noStrike" kern="1200" cap="none" spc="0" normalizeH="0" baseline="0" noProof="0">
+              <a:ln>
+                <a:noFill/>
+              </a:ln>
+              <a:solidFill>
+                <a:prstClr val="black"/>
+              </a:solidFill>
+              <a:effectLst/>
+              <a:uLnTx/>
+              <a:uFillTx/>
+              <a:latin typeface="Georgia"/>
+              <a:ea typeface="+mn-ea"/>
+              <a:cs typeface="Georgia"/>
+            </a:endParaRPr>
+          </a:p>
+        </p:txBody>
+      </p:sp>
+      <p:sp>
+        <p:nvSpPr>
+          <p:cNvPr id="9" name="object 8">
+            <a:extLst>
+              <a:ext uri="{FF2B5EF4-FFF2-40B4-BE49-F238E27FC236}">
+                <a16:creationId xmlns:a16="http://schemas.microsoft.com/office/drawing/2014/main" id="{618D2866-B9D9-47B9-B8A3-8495FFA3E726}"/>
+              </a:ext>
+            </a:extLst>
+          </p:cNvPr>
+          <p:cNvSpPr txBox="1"/>
+          <p:nvPr/>
+        </p:nvSpPr>
+        <p:spPr>
+          <a:xfrm>
+            <a:off x="4714987" y="3147218"/>
+            <a:ext cx="849406" cy="279526"/>
+          </a:xfrm>
+          <a:prstGeom prst="rect">
+            <a:avLst/>
+          </a:prstGeom>
+        </p:spPr>
+        <p:txBody>
+          <a:bodyPr vert="horz" wrap="square" lIns="0" tIns="14568" rIns="0" bIns="0" rtlCol="0">
+            <a:spAutoFit/>
+          </a:bodyPr>
+          <a:lstStyle/>
+          <a:p>
+            <a:pPr marL="33619" marR="0" lvl="0" indent="0" algn="l" defTabSz="914400" rtl="0" eaLnBrk="1" fontAlgn="auto" latinLnBrk="0" hangingPunct="1">
+              <a:lnSpc>
+                <a:spcPct val="100000"/>
+              </a:lnSpc>
+              <a:spcBef>
+                <a:spcPts val="115"/>
+              </a:spcBef>
+              <a:spcAft>
+                <a:spcPts val="0"/>
+              </a:spcAft>
+              <a:buClrTx/>
+              <a:buSzTx/>
+              <a:buFontTx/>
+              <a:buNone/>
+              <a:tabLst/>
+              <a:defRPr/>
+            </a:pPr>
+            <a:r>
+              <a:rPr kumimoji="0" sz="1919" b="0" i="0" u="none" strike="noStrike" kern="1200" cap="none" spc="33" normalizeH="0" baseline="28735" noProof="0" dirty="0">
+                <a:ln>
+                  <a:noFill/>
+                </a:ln>
+                <a:solidFill>
+                  <a:prstClr val="black"/>
+                </a:solidFill>
+                <a:effectLst/>
+                <a:uLnTx/>
+                <a:uFillTx/>
+                <a:latin typeface="Georgia"/>
+                <a:ea typeface="+mn-ea"/>
+                <a:cs typeface="Georgia"/>
+              </a:rPr>
+              <a:t>2 </a:t>
+            </a:r>
+            <a:r>
+              <a:rPr kumimoji="0" sz="1721" b="0" i="0" u="none" strike="noStrike" kern="1200" cap="none" spc="199" normalizeH="0" baseline="0" noProof="0" dirty="0">
+                <a:ln>
+                  <a:noFill/>
+                </a:ln>
+                <a:solidFill>
+                  <a:prstClr val="black"/>
+                </a:solidFill>
+                <a:effectLst/>
+                <a:uLnTx/>
+                <a:uFillTx/>
+                <a:latin typeface="Georgia"/>
+                <a:ea typeface="+mn-ea"/>
+                <a:cs typeface="Georgia"/>
+              </a:rPr>
+              <a:t>+</a:t>
+            </a:r>
+            <a:r>
+              <a:rPr kumimoji="0" sz="1721" b="0" i="0" u="none" strike="noStrike" kern="1200" cap="none" spc="419" normalizeH="0" baseline="0" noProof="0" dirty="0">
+                <a:ln>
+                  <a:noFill/>
+                </a:ln>
+                <a:solidFill>
+                  <a:prstClr val="black"/>
+                </a:solidFill>
+                <a:effectLst/>
+                <a:uLnTx/>
+                <a:uFillTx/>
+                <a:latin typeface="Georgia"/>
+                <a:ea typeface="+mn-ea"/>
+                <a:cs typeface="Georgia"/>
+              </a:rPr>
+              <a:t> </a:t>
+            </a:r>
+            <a:r>
+              <a:rPr kumimoji="0" sz="1721" b="0" i="0" u="none" strike="noStrike" kern="1200" cap="none" spc="-675" normalizeH="0" baseline="0" noProof="0" dirty="0">
+                <a:ln>
+                  <a:noFill/>
+                </a:ln>
+                <a:solidFill>
+                  <a:prstClr val="black"/>
+                </a:solidFill>
+                <a:effectLst/>
+                <a:uLnTx/>
+                <a:uFillTx/>
+                <a:latin typeface="Georgia"/>
+                <a:ea typeface="+mn-ea"/>
+                <a:cs typeface="Georgia"/>
+              </a:rPr>
+              <a:t>𝛼</a:t>
+            </a:r>
+            <a:r>
+              <a:rPr kumimoji="0" sz="1721" b="0" i="0" u="none" strike="noStrike" kern="1200" cap="none" spc="97" normalizeH="0" baseline="0" noProof="0" dirty="0">
+                <a:ln>
+                  <a:noFill/>
+                </a:ln>
+                <a:solidFill>
+                  <a:prstClr val="black"/>
+                </a:solidFill>
+                <a:effectLst/>
+                <a:uLnTx/>
+                <a:uFillTx/>
+                <a:latin typeface="Georgia"/>
+                <a:ea typeface="+mn-ea"/>
+                <a:cs typeface="Georgia"/>
+              </a:rPr>
+              <a:t> </a:t>
+            </a:r>
+            <a:endParaRPr kumimoji="0" sz="1721" b="0" i="0" u="none" strike="noStrike" kern="1200" cap="none" spc="0" normalizeH="0" baseline="0" noProof="0" dirty="0">
+              <a:ln>
+                <a:noFill/>
+              </a:ln>
+              <a:solidFill>
+                <a:prstClr val="black"/>
+              </a:solidFill>
+              <a:effectLst/>
+              <a:uLnTx/>
+              <a:uFillTx/>
+              <a:latin typeface="Georgia"/>
+              <a:ea typeface="+mn-ea"/>
+              <a:cs typeface="Georgia"/>
+            </a:endParaRPr>
+          </a:p>
+        </p:txBody>
+      </p:sp>
+      <p:sp>
+        <p:nvSpPr>
+          <p:cNvPr id="10" name="object 9">
+            <a:extLst>
+              <a:ext uri="{FF2B5EF4-FFF2-40B4-BE49-F238E27FC236}">
+                <a16:creationId xmlns:a16="http://schemas.microsoft.com/office/drawing/2014/main" id="{61560D9B-91E4-4D2B-836B-183B1219434F}"/>
+              </a:ext>
+            </a:extLst>
+          </p:cNvPr>
+          <p:cNvSpPr/>
+          <p:nvPr/>
+        </p:nvSpPr>
+        <p:spPr>
+          <a:xfrm>
+            <a:off x="7169075" y="3216245"/>
+            <a:ext cx="63874" cy="201706"/>
+          </a:xfrm>
+          <a:custGeom>
+            <a:avLst/>
+            <a:gdLst/>
+            <a:ahLst/>
+            <a:cxnLst/>
+            <a:rect l="l" t="t" r="r" b="b"/>
+            <a:pathLst>
+              <a:path w="72389" h="228600">
+                <a:moveTo>
+                  <a:pt x="19050" y="0"/>
+                </a:moveTo>
+                <a:lnTo>
+                  <a:pt x="0" y="0"/>
+                </a:lnTo>
+                <a:lnTo>
+                  <a:pt x="0" y="228600"/>
+                </a:lnTo>
+                <a:lnTo>
+                  <a:pt x="19050" y="228600"/>
+                </a:lnTo>
+                <a:lnTo>
+                  <a:pt x="19050" y="0"/>
+                </a:lnTo>
+                <a:close/>
+              </a:path>
+              <a:path w="72389" h="228600">
+                <a:moveTo>
+                  <a:pt x="72390" y="0"/>
+                </a:moveTo>
+                <a:lnTo>
+                  <a:pt x="53340" y="0"/>
+                </a:lnTo>
+                <a:lnTo>
+                  <a:pt x="53340" y="228600"/>
+                </a:lnTo>
+                <a:lnTo>
+                  <a:pt x="72390" y="228600"/>
+                </a:lnTo>
+                <a:lnTo>
+                  <a:pt x="72390" y="0"/>
+                </a:lnTo>
+                <a:close/>
+              </a:path>
+            </a:pathLst>
+          </a:custGeom>
+          <a:solidFill>
+            <a:srgbClr val="000000"/>
+          </a:solidFill>
+        </p:spPr>
+        <p:txBody>
+          <a:bodyPr wrap="square" lIns="0" tIns="0" rIns="0" bIns="0" rtlCol="0"/>
+          <a:lstStyle/>
+          <a:p>
+            <a:pPr marL="0" marR="0" lvl="0" indent="0" algn="l" defTabSz="914400" rtl="0" eaLnBrk="1" fontAlgn="auto" latinLnBrk="0" hangingPunct="1">
+              <a:lnSpc>
+                <a:spcPct val="100000"/>
+              </a:lnSpc>
+              <a:spcBef>
+                <a:spcPts val="0"/>
+              </a:spcBef>
+              <a:spcAft>
+                <a:spcPts val="0"/>
+              </a:spcAft>
+              <a:buClrTx/>
+              <a:buSzTx/>
+              <a:buFontTx/>
+              <a:buNone/>
+              <a:tabLst/>
+              <a:defRPr/>
+            </a:pPr>
+            <a:endParaRPr kumimoji="0" sz="1588" b="0" i="0" u="none" strike="noStrike" kern="1200" cap="none" spc="0" normalizeH="0" baseline="0" noProof="0">
+              <a:ln>
+                <a:noFill/>
+              </a:ln>
+              <a:solidFill>
+                <a:prstClr val="black"/>
+              </a:solidFill>
+              <a:effectLst/>
+              <a:uLnTx/>
+              <a:uFillTx/>
+              <a:latin typeface="Calibri" panose="020F0502020204030204"/>
+              <a:ea typeface="+mn-ea"/>
+              <a:cs typeface="+mn-cs"/>
+            </a:endParaRPr>
+          </a:p>
+        </p:txBody>
+      </p:sp>
+      <p:sp>
+        <p:nvSpPr>
+          <p:cNvPr id="11" name="object 10">
+            <a:extLst>
+              <a:ext uri="{FF2B5EF4-FFF2-40B4-BE49-F238E27FC236}">
+                <a16:creationId xmlns:a16="http://schemas.microsoft.com/office/drawing/2014/main" id="{8228C49C-AC47-4076-9158-CEAFCA705E26}"/>
+              </a:ext>
+            </a:extLst>
+          </p:cNvPr>
+          <p:cNvSpPr/>
+          <p:nvPr/>
+        </p:nvSpPr>
+        <p:spPr>
+          <a:xfrm>
+            <a:off x="5667711" y="3216245"/>
+            <a:ext cx="63874" cy="201706"/>
+          </a:xfrm>
+          <a:custGeom>
+            <a:avLst/>
+            <a:gdLst/>
+            <a:ahLst/>
+            <a:cxnLst/>
+            <a:rect l="l" t="t" r="r" b="b"/>
+            <a:pathLst>
+              <a:path w="72389" h="228600">
+                <a:moveTo>
+                  <a:pt x="19050" y="0"/>
+                </a:moveTo>
+                <a:lnTo>
+                  <a:pt x="0" y="0"/>
+                </a:lnTo>
+                <a:lnTo>
+                  <a:pt x="0" y="228600"/>
+                </a:lnTo>
+                <a:lnTo>
+                  <a:pt x="19050" y="228600"/>
+                </a:lnTo>
+                <a:lnTo>
+                  <a:pt x="19050" y="0"/>
+                </a:lnTo>
+                <a:close/>
+              </a:path>
+              <a:path w="72389" h="228600">
+                <a:moveTo>
+                  <a:pt x="72390" y="0"/>
+                </a:moveTo>
+                <a:lnTo>
+                  <a:pt x="53340" y="0"/>
+                </a:lnTo>
+                <a:lnTo>
+                  <a:pt x="53340" y="228600"/>
+                </a:lnTo>
+                <a:lnTo>
+                  <a:pt x="72390" y="228600"/>
+                </a:lnTo>
+                <a:lnTo>
+                  <a:pt x="72390" y="0"/>
+                </a:lnTo>
+                <a:close/>
+              </a:path>
+            </a:pathLst>
+          </a:custGeom>
+          <a:solidFill>
+            <a:srgbClr val="000000"/>
+          </a:solidFill>
+        </p:spPr>
+        <p:txBody>
+          <a:bodyPr wrap="square" lIns="0" tIns="0" rIns="0" bIns="0" rtlCol="0"/>
+          <a:lstStyle/>
+          <a:p>
+            <a:pPr marL="0" marR="0" lvl="0" indent="0" algn="l" defTabSz="914400" rtl="0" eaLnBrk="1" fontAlgn="auto" latinLnBrk="0" hangingPunct="1">
+              <a:lnSpc>
+                <a:spcPct val="100000"/>
+              </a:lnSpc>
+              <a:spcBef>
+                <a:spcPts val="0"/>
+              </a:spcBef>
+              <a:spcAft>
+                <a:spcPts val="0"/>
+              </a:spcAft>
+              <a:buClrTx/>
+              <a:buSzTx/>
+              <a:buFontTx/>
+              <a:buNone/>
+              <a:tabLst/>
+              <a:defRPr/>
+            </a:pPr>
+            <a:endParaRPr kumimoji="0" sz="1588" b="0" i="0" u="none" strike="noStrike" kern="1200" cap="none" spc="0" normalizeH="0" baseline="0" noProof="0">
+              <a:ln>
+                <a:noFill/>
+              </a:ln>
+              <a:solidFill>
+                <a:prstClr val="black"/>
+              </a:solidFill>
+              <a:effectLst/>
+              <a:uLnTx/>
+              <a:uFillTx/>
+              <a:latin typeface="Calibri" panose="020F0502020204030204"/>
+              <a:ea typeface="+mn-ea"/>
+              <a:cs typeface="+mn-cs"/>
+            </a:endParaRPr>
+          </a:p>
+        </p:txBody>
+      </p:sp>
+      <p:sp>
+        <p:nvSpPr>
+          <p:cNvPr id="13" name="object 11">
+            <a:extLst>
+              <a:ext uri="{FF2B5EF4-FFF2-40B4-BE49-F238E27FC236}">
+                <a16:creationId xmlns:a16="http://schemas.microsoft.com/office/drawing/2014/main" id="{439A71E5-16A7-41EE-AF8F-69F3BDF2A681}"/>
+              </a:ext>
+            </a:extLst>
+          </p:cNvPr>
+          <p:cNvSpPr txBox="1"/>
+          <p:nvPr/>
+        </p:nvSpPr>
+        <p:spPr>
+          <a:xfrm>
+            <a:off x="5724861" y="3147218"/>
+            <a:ext cx="1451162" cy="279526"/>
+          </a:xfrm>
+          <a:prstGeom prst="rect">
+            <a:avLst/>
+          </a:prstGeom>
+        </p:spPr>
+        <p:txBody>
+          <a:bodyPr vert="horz" wrap="square" lIns="0" tIns="14568" rIns="0" bIns="0" rtlCol="0">
+            <a:spAutoFit/>
+          </a:bodyPr>
+          <a:lstStyle/>
+          <a:p>
+            <a:pPr marL="33619" marR="0" lvl="0" indent="0" algn="l" defTabSz="914400" rtl="0" eaLnBrk="1" fontAlgn="auto" latinLnBrk="0" hangingPunct="1">
+              <a:lnSpc>
+                <a:spcPct val="100000"/>
+              </a:lnSpc>
+              <a:spcBef>
+                <a:spcPts val="115"/>
+              </a:spcBef>
+              <a:spcAft>
+                <a:spcPts val="0"/>
+              </a:spcAft>
+              <a:buClrTx/>
+              <a:buSzTx/>
+              <a:buFontTx/>
+              <a:buNone/>
+              <a:tabLst/>
+              <a:defRPr/>
+            </a:pPr>
+            <a:r>
+              <a:rPr kumimoji="0" sz="1721" b="0" i="0" u="none" strike="noStrike" kern="1200" cap="none" spc="-137" normalizeH="0" baseline="0" noProof="0" dirty="0">
+                <a:ln>
+                  <a:noFill/>
+                </a:ln>
+                <a:solidFill>
+                  <a:prstClr val="black"/>
+                </a:solidFill>
+                <a:effectLst/>
+                <a:uLnTx/>
+                <a:uFillTx/>
+                <a:latin typeface="Georgia"/>
+                <a:ea typeface="+mn-ea"/>
+                <a:cs typeface="Georgia"/>
+              </a:rPr>
+              <a:t>𝑓(𝑥</a:t>
+            </a:r>
+            <a:r>
+              <a:rPr kumimoji="0" sz="1919" b="0" i="0" u="none" strike="noStrike" kern="1200" cap="none" spc="-205" normalizeH="0" baseline="28735" noProof="0" dirty="0">
+                <a:ln>
+                  <a:noFill/>
+                </a:ln>
+                <a:solidFill>
+                  <a:prstClr val="black"/>
+                </a:solidFill>
+                <a:effectLst/>
+                <a:uLnTx/>
+                <a:uFillTx/>
+                <a:latin typeface="Georgia"/>
+                <a:ea typeface="+mn-ea"/>
+                <a:cs typeface="Georgia"/>
+              </a:rPr>
+              <a:t>a</a:t>
+            </a:r>
+            <a:r>
+              <a:rPr kumimoji="0" sz="1721" b="0" i="0" u="none" strike="noStrike" kern="1200" cap="none" spc="-137" normalizeH="0" baseline="0" noProof="0" dirty="0">
+                <a:ln>
+                  <a:noFill/>
+                </a:ln>
+                <a:solidFill>
+                  <a:prstClr val="black"/>
+                </a:solidFill>
+                <a:effectLst/>
+                <a:uLnTx/>
+                <a:uFillTx/>
+                <a:latin typeface="Georgia"/>
+                <a:ea typeface="+mn-ea"/>
+                <a:cs typeface="Georgia"/>
+              </a:rPr>
+              <a:t>)—</a:t>
+            </a:r>
+            <a:r>
+              <a:rPr kumimoji="0" sz="1721" b="0" i="0" u="none" strike="noStrike" kern="1200" cap="none" spc="-66" normalizeH="0" baseline="0" noProof="0" dirty="0">
+                <a:ln>
+                  <a:noFill/>
+                </a:ln>
+                <a:solidFill>
+                  <a:prstClr val="black"/>
+                </a:solidFill>
+                <a:effectLst/>
+                <a:uLnTx/>
+                <a:uFillTx/>
+                <a:latin typeface="Georgia"/>
+                <a:ea typeface="+mn-ea"/>
+                <a:cs typeface="Georgia"/>
+              </a:rPr>
+              <a:t> </a:t>
+            </a:r>
+            <a:r>
+              <a:rPr kumimoji="0" sz="1721" b="0" i="0" u="none" strike="noStrike" kern="1200" cap="none" spc="-216" normalizeH="0" baseline="0" noProof="0" dirty="0">
+                <a:ln>
+                  <a:noFill/>
+                </a:ln>
+                <a:solidFill>
+                  <a:prstClr val="black"/>
+                </a:solidFill>
+                <a:effectLst/>
+                <a:uLnTx/>
+                <a:uFillTx/>
+                <a:latin typeface="Georgia"/>
+                <a:ea typeface="+mn-ea"/>
+                <a:cs typeface="Georgia"/>
+              </a:rPr>
+              <a:t>𝑓(𝑥</a:t>
+            </a:r>
+            <a:r>
+              <a:rPr kumimoji="0" sz="1919" b="0" i="0" u="none" strike="noStrike" kern="1200" cap="none" spc="-324" normalizeH="0" baseline="28735" noProof="0" dirty="0">
+                <a:ln>
+                  <a:noFill/>
+                </a:ln>
+                <a:solidFill>
+                  <a:prstClr val="black"/>
+                </a:solidFill>
+                <a:effectLst/>
+                <a:uLnTx/>
+                <a:uFillTx/>
+                <a:latin typeface="Georgia"/>
+                <a:ea typeface="+mn-ea"/>
+                <a:cs typeface="Georgia"/>
+              </a:rPr>
+              <a:t>n</a:t>
+            </a:r>
+            <a:r>
+              <a:rPr kumimoji="0" sz="1721" b="0" i="0" u="none" strike="noStrike" kern="1200" cap="none" spc="-216" normalizeH="0" baseline="0" noProof="0" dirty="0">
+                <a:ln>
+                  <a:noFill/>
+                </a:ln>
+                <a:solidFill>
+                  <a:prstClr val="black"/>
+                </a:solidFill>
+                <a:effectLst/>
+                <a:uLnTx/>
+                <a:uFillTx/>
+                <a:latin typeface="Georgia"/>
+                <a:ea typeface="+mn-ea"/>
+                <a:cs typeface="Georgia"/>
+              </a:rPr>
+              <a:t>)</a:t>
+            </a:r>
+            <a:endParaRPr kumimoji="0" sz="1721" b="0" i="0" u="none" strike="noStrike" kern="1200" cap="none" spc="0" normalizeH="0" baseline="0" noProof="0">
+              <a:ln>
+                <a:noFill/>
+              </a:ln>
+              <a:solidFill>
+                <a:prstClr val="black"/>
+              </a:solidFill>
+              <a:effectLst/>
+              <a:uLnTx/>
+              <a:uFillTx/>
+              <a:latin typeface="Georgia"/>
+              <a:ea typeface="+mn-ea"/>
+              <a:cs typeface="Georgia"/>
+            </a:endParaRPr>
+          </a:p>
+        </p:txBody>
+      </p:sp>
+      <p:sp>
+        <p:nvSpPr>
+          <p:cNvPr id="14" name="object 12">
+            <a:extLst>
+              <a:ext uri="{FF2B5EF4-FFF2-40B4-BE49-F238E27FC236}">
+                <a16:creationId xmlns:a16="http://schemas.microsoft.com/office/drawing/2014/main" id="{A8200A97-2A78-4DCC-AC62-10AE215565F3}"/>
+              </a:ext>
+            </a:extLst>
+          </p:cNvPr>
+          <p:cNvSpPr txBox="1"/>
+          <p:nvPr/>
+        </p:nvSpPr>
+        <p:spPr>
+          <a:xfrm>
+            <a:off x="7248636" y="3121664"/>
+            <a:ext cx="116541" cy="344175"/>
+          </a:xfrm>
+          <a:prstGeom prst="rect">
+            <a:avLst/>
+          </a:prstGeom>
+        </p:spPr>
+        <p:txBody>
+          <a:bodyPr vert="horz" wrap="square" lIns="0" tIns="10646" rIns="0" bIns="0" rtlCol="0">
+            <a:spAutoFit/>
+          </a:bodyPr>
+          <a:lstStyle/>
+          <a:p>
+            <a:pPr marL="11206" marR="0" lvl="0" indent="0" algn="l" defTabSz="914400" rtl="0" eaLnBrk="1" fontAlgn="auto" latinLnBrk="0" hangingPunct="1">
+              <a:lnSpc>
+                <a:spcPts val="1297"/>
+              </a:lnSpc>
+              <a:spcBef>
+                <a:spcPts val="84"/>
+              </a:spcBef>
+              <a:spcAft>
+                <a:spcPts val="0"/>
+              </a:spcAft>
+              <a:buClrTx/>
+              <a:buSzTx/>
+              <a:buFontTx/>
+              <a:buNone/>
+              <a:tabLst/>
+              <a:defRPr/>
+            </a:pPr>
+            <a:r>
+              <a:rPr kumimoji="0" sz="1279" b="0" i="0" u="none" strike="noStrike" kern="1200" cap="none" spc="22" normalizeH="0" baseline="0" noProof="0" dirty="0">
+                <a:ln>
+                  <a:noFill/>
+                </a:ln>
+                <a:solidFill>
+                  <a:prstClr val="black"/>
+                </a:solidFill>
+                <a:effectLst/>
+                <a:uLnTx/>
+                <a:uFillTx/>
+                <a:latin typeface="Georgia"/>
+                <a:ea typeface="+mn-ea"/>
+                <a:cs typeface="Georgia"/>
+              </a:rPr>
+              <a:t>2</a:t>
+            </a:r>
+            <a:endParaRPr kumimoji="0" sz="1279" b="0" i="0" u="none" strike="noStrike" kern="1200" cap="none" spc="0" normalizeH="0" baseline="0" noProof="0">
+              <a:ln>
+                <a:noFill/>
+              </a:ln>
+              <a:solidFill>
+                <a:prstClr val="black"/>
+              </a:solidFill>
+              <a:effectLst/>
+              <a:uLnTx/>
+              <a:uFillTx/>
+              <a:latin typeface="Georgia"/>
+              <a:ea typeface="+mn-ea"/>
+              <a:cs typeface="Georgia"/>
+            </a:endParaRPr>
+          </a:p>
+          <a:p>
+            <a:pPr marL="11206" marR="0" lvl="0" indent="0" algn="l" defTabSz="914400" rtl="0" eaLnBrk="1" fontAlgn="auto" latinLnBrk="0" hangingPunct="1">
+              <a:lnSpc>
+                <a:spcPts val="1297"/>
+              </a:lnSpc>
+              <a:spcBef>
+                <a:spcPts val="0"/>
+              </a:spcBef>
+              <a:spcAft>
+                <a:spcPts val="0"/>
+              </a:spcAft>
+              <a:buClrTx/>
+              <a:buSzTx/>
+              <a:buFontTx/>
+              <a:buNone/>
+              <a:tabLst/>
+              <a:defRPr/>
+            </a:pPr>
+            <a:r>
+              <a:rPr kumimoji="0" sz="1279" b="0" i="0" u="none" strike="noStrike" kern="1200" cap="none" spc="22" normalizeH="0" baseline="0" noProof="0" dirty="0">
+                <a:ln>
+                  <a:noFill/>
+                </a:ln>
+                <a:solidFill>
+                  <a:prstClr val="black"/>
+                </a:solidFill>
+                <a:effectLst/>
+                <a:uLnTx/>
+                <a:uFillTx/>
+                <a:latin typeface="Georgia"/>
+                <a:ea typeface="+mn-ea"/>
+                <a:cs typeface="Georgia"/>
+              </a:rPr>
+              <a:t>2</a:t>
+            </a:r>
+            <a:endParaRPr kumimoji="0" sz="1279" b="0" i="0" u="none" strike="noStrike" kern="1200" cap="none" spc="0" normalizeH="0" baseline="0" noProof="0">
+              <a:ln>
+                <a:noFill/>
+              </a:ln>
+              <a:solidFill>
+                <a:prstClr val="black"/>
+              </a:solidFill>
+              <a:effectLst/>
+              <a:uLnTx/>
+              <a:uFillTx/>
+              <a:latin typeface="Georgia"/>
+              <a:ea typeface="+mn-ea"/>
+              <a:cs typeface="Georgia"/>
+            </a:endParaRPr>
+          </a:p>
+        </p:txBody>
+      </p:sp>
+      <p:sp>
+        <p:nvSpPr>
+          <p:cNvPr id="15" name="TextBox 14">
+            <a:extLst>
+              <a:ext uri="{FF2B5EF4-FFF2-40B4-BE49-F238E27FC236}">
+                <a16:creationId xmlns:a16="http://schemas.microsoft.com/office/drawing/2014/main" id="{0BC093A6-3009-4C19-B36C-894E7941DDAC}"/>
+              </a:ext>
+            </a:extLst>
+          </p:cNvPr>
+          <p:cNvSpPr txBox="1"/>
+          <p:nvPr/>
+        </p:nvSpPr>
+        <p:spPr>
+          <a:xfrm>
+            <a:off x="5312770" y="3132432"/>
+            <a:ext cx="1539403" cy="369332"/>
+          </a:xfrm>
+          <a:prstGeom prst="rect">
+            <a:avLst/>
+          </a:prstGeom>
+          <a:noFill/>
+        </p:spPr>
+        <p:txBody>
+          <a:bodyPr wrap="square" rtlCol="0">
+            <a:spAutoFit/>
+          </a:bodyPr>
+          <a:lstStyle/>
+          <a:p>
+            <a:r>
+              <a:rPr lang="en-US" dirty="0"/>
+              <a:t>&lt;</a:t>
+            </a:r>
+          </a:p>
+        </p:txBody>
+      </p:sp>
     </p:spTree>
     <p:extLst>
       <p:ext uri="{BB962C8B-B14F-4D97-AF65-F5344CB8AC3E}">
@@ -14273,13 +15441,6 @@
   <p:clrMapOvr>
     <a:masterClrMapping/>
   </p:clrMapOvr>
-  <p:timing>
-    <p:tnLst>
-      <p:par>
-        <p:cTn id="1" dur="indefinite" restart="never" nodeType="tmRoot"/>
-      </p:par>
-    </p:tnLst>
-  </p:timing>
 </p:sld>
 </file>
 
@@ -15053,13 +16214,6 @@
   <p:clrMapOvr>
     <a:masterClrMapping/>
   </p:clrMapOvr>
-  <p:timing>
-    <p:tnLst>
-      <p:par>
-        <p:cTn id="1" dur="indefinite" restart="never" nodeType="tmRoot"/>
-      </p:par>
-    </p:tnLst>
-  </p:timing>
 </p:sld>
 </file>
 
@@ -15192,7 +16346,7 @@
               <a:tabLst/>
               <a:defRPr/>
             </a:pPr>
-            <a:endParaRPr kumimoji="0" sz="1588" b="0" i="0" u="none" strike="noStrike" kern="1200" cap="none" spc="0" normalizeH="0" baseline="0" noProof="0" smtClean="0">
+            <a:endParaRPr kumimoji="0" sz="1588" b="0" i="0" u="none" strike="noStrike" kern="1200" cap="none" spc="0" normalizeH="0" baseline="0" noProof="0">
               <a:ln>
                 <a:noFill/>
               </a:ln>
@@ -15624,13 +16778,6 @@
   <p:clrMapOvr>
     <a:masterClrMapping/>
   </p:clrMapOvr>
-  <p:timing>
-    <p:tnLst>
-      <p:par>
-        <p:cTn id="1" dur="indefinite" restart="never" nodeType="tmRoot"/>
-      </p:par>
-    </p:tnLst>
-  </p:timing>
 </p:sld>
 </file>
 
@@ -15685,7 +16832,7 @@
               </a:spcBef>
             </a:pPr>
             <a:r>
-              <a:rPr sz="3177" spc="-309" dirty="0" smtClean="0">
+              <a:rPr sz="3177" spc="-309" dirty="0">
                 <a:solidFill>
                   <a:srgbClr val="002060"/>
                 </a:solidFill>
@@ -15695,7 +16842,7 @@
               <a:t>Face</a:t>
             </a:r>
             <a:r>
-              <a:rPr lang="en-US" sz="3177" spc="-309" dirty="0" smtClean="0">
+              <a:rPr lang="en-US" sz="3177" spc="-309" dirty="0">
                 <a:solidFill>
                   <a:srgbClr val="002060"/>
                 </a:solidFill>
@@ -15705,7 +16852,7 @@
               <a:t> </a:t>
             </a:r>
             <a:r>
-              <a:rPr sz="3177" spc="-207" dirty="0" smtClean="0">
+              <a:rPr sz="3177" spc="-207" dirty="0">
                 <a:solidFill>
                   <a:srgbClr val="002060"/>
                 </a:solidFill>
@@ -15773,7 +16920,7 @@
               <a:tabLst/>
               <a:defRPr/>
             </a:pPr>
-            <a:endParaRPr kumimoji="0" sz="1588" b="0" i="0" u="none" strike="noStrike" kern="1200" cap="none" spc="0" normalizeH="0" baseline="0" noProof="0" smtClean="0">
+            <a:endParaRPr kumimoji="0" sz="1588" b="0" i="0" u="none" strike="noStrike" kern="1200" cap="none" spc="0" normalizeH="0" baseline="0" noProof="0">
               <a:ln>
                 <a:noFill/>
               </a:ln>
@@ -16709,17 +17856,331 @@
   <p:clrMapOvr>
     <a:masterClrMapping/>
   </p:clrMapOvr>
-  <p:timing>
-    <p:tnLst>
-      <p:par>
-        <p:cTn id="1" dur="indefinite" restart="never" nodeType="tmRoot"/>
-      </p:par>
-    </p:tnLst>
-  </p:timing>
 </p:sld>
 </file>
 
 <file path=ppt/slides/slide17.xml><?xml version="1.0" encoding="utf-8"?>
+<p:sld xmlns:a="http://schemas.openxmlformats.org/drawingml/2006/main" xmlns:r="http://schemas.openxmlformats.org/officeDocument/2006/relationships" xmlns:p="http://schemas.openxmlformats.org/presentationml/2006/main">
+  <p:cSld>
+    <p:spTree>
+      <p:nvGrpSpPr>
+        <p:cNvPr id="1" name=""/>
+        <p:cNvGrpSpPr/>
+        <p:nvPr/>
+      </p:nvGrpSpPr>
+      <p:grpSpPr>
+        <a:xfrm>
+          <a:off x="0" y="0"/>
+          <a:ext cx="0" cy="0"/>
+          <a:chOff x="0" y="0"/>
+          <a:chExt cx="0" cy="0"/>
+        </a:xfrm>
+      </p:grpSpPr>
+      <p:sp>
+        <p:nvSpPr>
+          <p:cNvPr id="4" name="object 2">
+            <a:extLst>
+              <a:ext uri="{FF2B5EF4-FFF2-40B4-BE49-F238E27FC236}">
+                <a16:creationId xmlns:a16="http://schemas.microsoft.com/office/drawing/2014/main" id="{7343C4F8-D162-4050-BB9C-342AAB2F4A75}"/>
+              </a:ext>
+            </a:extLst>
+          </p:cNvPr>
+          <p:cNvSpPr txBox="1">
+            <a:spLocks noGrp="1"/>
+          </p:cNvSpPr>
+          <p:nvPr>
+            <p:ph type="title"/>
+          </p:nvPr>
+        </p:nvSpPr>
+        <p:spPr>
+          <a:xfrm>
+            <a:off x="845552" y="721375"/>
+            <a:ext cx="4422626" cy="503627"/>
+          </a:xfrm>
+          <a:prstGeom prst="rect">
+            <a:avLst/>
+          </a:prstGeom>
+        </p:spPr>
+        <p:txBody>
+          <a:bodyPr vert="horz" wrap="square" lIns="0" tIns="14568" rIns="0" bIns="0" rtlCol="0" anchor="ctr">
+            <a:spAutoFit/>
+          </a:bodyPr>
+          <a:lstStyle/>
+          <a:p>
+            <a:pPr marL="11206">
+              <a:lnSpc>
+                <a:spcPct val="100000"/>
+              </a:lnSpc>
+              <a:spcBef>
+                <a:spcPts val="115"/>
+              </a:spcBef>
+            </a:pPr>
+            <a:r>
+              <a:rPr lang="en-US" sz="3177" spc="-309" dirty="0">
+                <a:solidFill>
+                  <a:srgbClr val="002060"/>
+                </a:solidFill>
+                <a:latin typeface="Times New Roman" panose="02020603050405020304" pitchFamily="18" charset="0"/>
+                <a:cs typeface="Times New Roman" panose="02020603050405020304" pitchFamily="18" charset="0"/>
+              </a:rPr>
+              <a:t>DATA   COLLECTION</a:t>
+            </a:r>
+            <a:endParaRPr sz="3177" dirty="0">
+              <a:latin typeface="Times New Roman" panose="02020603050405020304" pitchFamily="18" charset="0"/>
+              <a:cs typeface="Times New Roman" panose="02020603050405020304" pitchFamily="18" charset="0"/>
+            </a:endParaRPr>
+          </a:p>
+        </p:txBody>
+      </p:sp>
+      <p:sp>
+        <p:nvSpPr>
+          <p:cNvPr id="5" name="TextBox 4">
+            <a:extLst>
+              <a:ext uri="{FF2B5EF4-FFF2-40B4-BE49-F238E27FC236}">
+                <a16:creationId xmlns:a16="http://schemas.microsoft.com/office/drawing/2014/main" id="{A7228861-7E8B-44C5-B5B6-AD9988CB5EBB}"/>
+              </a:ext>
+            </a:extLst>
+          </p:cNvPr>
+          <p:cNvSpPr txBox="1"/>
+          <p:nvPr/>
+        </p:nvSpPr>
+        <p:spPr>
+          <a:xfrm>
+            <a:off x="1868555" y="1855304"/>
+            <a:ext cx="5433391" cy="369332"/>
+          </a:xfrm>
+          <a:prstGeom prst="rect">
+            <a:avLst/>
+          </a:prstGeom>
+          <a:noFill/>
+        </p:spPr>
+        <p:txBody>
+          <a:bodyPr wrap="square" rtlCol="0">
+            <a:spAutoFit/>
+          </a:bodyPr>
+          <a:lstStyle/>
+          <a:p>
+            <a:r>
+              <a:rPr lang="en-US" dirty="0">
+                <a:latin typeface="Times New Roman" panose="02020603050405020304" pitchFamily="18" charset="0"/>
+                <a:cs typeface="Times New Roman" panose="02020603050405020304" pitchFamily="18" charset="0"/>
+              </a:rPr>
+              <a:t>Sample Data Set for prototype</a:t>
+            </a:r>
+          </a:p>
+        </p:txBody>
+      </p:sp>
+      <p:pic>
+        <p:nvPicPr>
+          <p:cNvPr id="7" name="Picture 6">
+            <a:extLst>
+              <a:ext uri="{FF2B5EF4-FFF2-40B4-BE49-F238E27FC236}">
+                <a16:creationId xmlns:a16="http://schemas.microsoft.com/office/drawing/2014/main" id="{0BE0EF1C-6FE8-4296-9B3D-3F8A72E2F3CF}"/>
+              </a:ext>
+            </a:extLst>
+          </p:cNvPr>
+          <p:cNvPicPr>
+            <a:picLocks noChangeAspect="1"/>
+          </p:cNvPicPr>
+          <p:nvPr/>
+        </p:nvPicPr>
+        <p:blipFill>
+          <a:blip r:embed="rId2"/>
+          <a:stretch>
+            <a:fillRect/>
+          </a:stretch>
+        </p:blipFill>
+        <p:spPr>
+          <a:xfrm>
+            <a:off x="2080590" y="2700816"/>
+            <a:ext cx="8576227" cy="3599349"/>
+          </a:xfrm>
+          <a:prstGeom prst="rect">
+            <a:avLst/>
+          </a:prstGeom>
+        </p:spPr>
+      </p:pic>
+    </p:spTree>
+    <p:extLst>
+      <p:ext uri="{BB962C8B-B14F-4D97-AF65-F5344CB8AC3E}">
+        <p14:creationId xmlns:p14="http://schemas.microsoft.com/office/powerpoint/2010/main" val="972223831"/>
+      </p:ext>
+    </p:extLst>
+  </p:cSld>
+  <p:clrMapOvr>
+    <a:masterClrMapping/>
+  </p:clrMapOvr>
+</p:sld>
+</file>
+
+<file path=ppt/slides/slide18.xml><?xml version="1.0" encoding="utf-8"?>
+<p:sld xmlns:a="http://schemas.openxmlformats.org/drawingml/2006/main" xmlns:r="http://schemas.openxmlformats.org/officeDocument/2006/relationships" xmlns:p="http://schemas.openxmlformats.org/presentationml/2006/main">
+  <p:cSld>
+    <p:spTree>
+      <p:nvGrpSpPr>
+        <p:cNvPr id="1" name=""/>
+        <p:cNvGrpSpPr/>
+        <p:nvPr/>
+      </p:nvGrpSpPr>
+      <p:grpSpPr>
+        <a:xfrm>
+          <a:off x="0" y="0"/>
+          <a:ext cx="0" cy="0"/>
+          <a:chOff x="0" y="0"/>
+          <a:chExt cx="0" cy="0"/>
+        </a:xfrm>
+      </p:grpSpPr>
+      <p:sp>
+        <p:nvSpPr>
+          <p:cNvPr id="4" name="object 2">
+            <a:extLst>
+              <a:ext uri="{FF2B5EF4-FFF2-40B4-BE49-F238E27FC236}">
+                <a16:creationId xmlns:a16="http://schemas.microsoft.com/office/drawing/2014/main" id="{61DEADD4-B8DA-4378-A23A-AD509F72B6B0}"/>
+              </a:ext>
+            </a:extLst>
+          </p:cNvPr>
+          <p:cNvSpPr txBox="1">
+            <a:spLocks noGrp="1"/>
+          </p:cNvSpPr>
+          <p:nvPr>
+            <p:ph type="title"/>
+          </p:nvPr>
+        </p:nvSpPr>
+        <p:spPr>
+          <a:xfrm>
+            <a:off x="845552" y="721375"/>
+            <a:ext cx="4422626" cy="503627"/>
+          </a:xfrm>
+          <a:prstGeom prst="rect">
+            <a:avLst/>
+          </a:prstGeom>
+        </p:spPr>
+        <p:txBody>
+          <a:bodyPr vert="horz" wrap="square" lIns="0" tIns="14568" rIns="0" bIns="0" rtlCol="0" anchor="ctr">
+            <a:spAutoFit/>
+          </a:bodyPr>
+          <a:lstStyle/>
+          <a:p>
+            <a:pPr marL="11206">
+              <a:lnSpc>
+                <a:spcPct val="100000"/>
+              </a:lnSpc>
+              <a:spcBef>
+                <a:spcPts val="115"/>
+              </a:spcBef>
+            </a:pPr>
+            <a:r>
+              <a:rPr lang="en-US" sz="3177" spc="-309" dirty="0">
+                <a:solidFill>
+                  <a:srgbClr val="002060"/>
+                </a:solidFill>
+                <a:latin typeface="Times New Roman" panose="02020603050405020304" pitchFamily="18" charset="0"/>
+                <a:cs typeface="Times New Roman" panose="02020603050405020304" pitchFamily="18" charset="0"/>
+              </a:rPr>
+              <a:t>SUMMARY  OF  EXCUTION</a:t>
+            </a:r>
+            <a:endParaRPr sz="3177" dirty="0">
+              <a:latin typeface="Times New Roman" panose="02020603050405020304" pitchFamily="18" charset="0"/>
+              <a:cs typeface="Times New Roman" panose="02020603050405020304" pitchFamily="18" charset="0"/>
+            </a:endParaRPr>
+          </a:p>
+        </p:txBody>
+      </p:sp>
+      <p:sp>
+        <p:nvSpPr>
+          <p:cNvPr id="5" name="TextBox 4">
+            <a:extLst>
+              <a:ext uri="{FF2B5EF4-FFF2-40B4-BE49-F238E27FC236}">
+                <a16:creationId xmlns:a16="http://schemas.microsoft.com/office/drawing/2014/main" id="{CD51DE2D-4DEC-4069-BAE4-044560634243}"/>
+              </a:ext>
+            </a:extLst>
+          </p:cNvPr>
+          <p:cNvSpPr txBox="1"/>
+          <p:nvPr/>
+        </p:nvSpPr>
+        <p:spPr>
+          <a:xfrm>
+            <a:off x="2160104" y="1881808"/>
+            <a:ext cx="4267200" cy="369332"/>
+          </a:xfrm>
+          <a:prstGeom prst="rect">
+            <a:avLst/>
+          </a:prstGeom>
+          <a:noFill/>
+        </p:spPr>
+        <p:txBody>
+          <a:bodyPr wrap="square" rtlCol="0">
+            <a:spAutoFit/>
+          </a:bodyPr>
+          <a:lstStyle/>
+          <a:p>
+            <a:r>
+              <a:rPr lang="en-US" dirty="0">
+                <a:latin typeface="Times New Roman" panose="02020603050405020304" pitchFamily="18" charset="0"/>
+                <a:cs typeface="Times New Roman" panose="02020603050405020304" pitchFamily="18" charset="0"/>
+              </a:rPr>
+              <a:t>Complete Code Implementation</a:t>
+            </a:r>
+          </a:p>
+        </p:txBody>
+      </p:sp>
+      <p:sp>
+        <p:nvSpPr>
+          <p:cNvPr id="11" name="TextBox 10">
+            <a:extLst>
+              <a:ext uri="{FF2B5EF4-FFF2-40B4-BE49-F238E27FC236}">
+                <a16:creationId xmlns:a16="http://schemas.microsoft.com/office/drawing/2014/main" id="{CC73599B-E5A0-4D78-B2C8-CA78180C8EBC}"/>
+              </a:ext>
+            </a:extLst>
+          </p:cNvPr>
+          <p:cNvSpPr txBox="1"/>
+          <p:nvPr/>
+        </p:nvSpPr>
+        <p:spPr>
+          <a:xfrm>
+            <a:off x="845552" y="3592262"/>
+            <a:ext cx="6096000" cy="581249"/>
+          </a:xfrm>
+          <a:prstGeom prst="rect">
+            <a:avLst/>
+          </a:prstGeom>
+          <a:noFill/>
+        </p:spPr>
+        <p:txBody>
+          <a:bodyPr wrap="square">
+            <a:spAutoFit/>
+          </a:bodyPr>
+          <a:lstStyle/>
+          <a:p>
+            <a:r>
+              <a:rPr lang="en-US" sz="3177" cap="all" spc="-309" dirty="0">
+                <a:solidFill>
+                  <a:srgbClr val="002060"/>
+                </a:solidFill>
+                <a:latin typeface="Times New Roman" panose="02020603050405020304" pitchFamily="18" charset="0"/>
+                <a:ea typeface="+mj-ea"/>
+                <a:cs typeface="Times New Roman" panose="02020603050405020304" pitchFamily="18" charset="0"/>
+              </a:rPr>
+              <a:t>RESULT</a:t>
+            </a:r>
+            <a:endParaRPr lang="en-US" dirty="0"/>
+          </a:p>
+        </p:txBody>
+      </p:sp>
+    </p:spTree>
+    <p:extLst>
+      <p:ext uri="{BB962C8B-B14F-4D97-AF65-F5344CB8AC3E}">
+        <p14:creationId xmlns:p14="http://schemas.microsoft.com/office/powerpoint/2010/main" val="3841983878"/>
+      </p:ext>
+    </p:extLst>
+  </p:cSld>
+  <p:clrMapOvr>
+    <a:masterClrMapping/>
+  </p:clrMapOvr>
+</p:sld>
+</file>
+
+<file path=ppt/slides/slide19.xml><?xml version="1.0" encoding="utf-8"?>
 <p:sld xmlns:a="http://schemas.openxmlformats.org/drawingml/2006/main" xmlns:r="http://schemas.openxmlformats.org/officeDocument/2006/relationships" xmlns:p="http://schemas.openxmlformats.org/presentationml/2006/main">
   <p:cSld>
     <p:spTree>
@@ -17601,163 +19062,6 @@
   <p:clrMapOvr>
     <a:masterClrMapping/>
   </p:clrMapOvr>
-  <p:timing>
-    <p:tnLst>
-      <p:par>
-        <p:cTn id="1" dur="indefinite" restart="never" nodeType="tmRoot"/>
-      </p:par>
-    </p:tnLst>
-  </p:timing>
-</p:sld>
-</file>
-
-<file path=ppt/slides/slide18.xml><?xml version="1.0" encoding="utf-8"?>
-<p:sld xmlns:a="http://schemas.openxmlformats.org/drawingml/2006/main" xmlns:r="http://schemas.openxmlformats.org/officeDocument/2006/relationships" xmlns:p="http://schemas.openxmlformats.org/presentationml/2006/main">
-  <p:cSld>
-    <p:spTree>
-      <p:nvGrpSpPr>
-        <p:cNvPr id="1" name=""/>
-        <p:cNvGrpSpPr/>
-        <p:nvPr/>
-      </p:nvGrpSpPr>
-      <p:grpSpPr>
-        <a:xfrm>
-          <a:off x="0" y="0"/>
-          <a:ext cx="0" cy="0"/>
-          <a:chOff x="0" y="0"/>
-          <a:chExt cx="0" cy="0"/>
-        </a:xfrm>
-      </p:grpSpPr>
-      <p:sp>
-        <p:nvSpPr>
-          <p:cNvPr id="2" name="Title 1"/>
-          <p:cNvSpPr>
-            <a:spLocks noGrp="1"/>
-          </p:cNvSpPr>
-          <p:nvPr>
-            <p:ph type="title"/>
-          </p:nvPr>
-        </p:nvSpPr>
-        <p:spPr/>
-        <p:txBody>
-          <a:bodyPr/>
-          <a:lstStyle/>
-          <a:p>
-            <a:endParaRPr lang="en-US"/>
-          </a:p>
-        </p:txBody>
-      </p:sp>
-      <p:sp>
-        <p:nvSpPr>
-          <p:cNvPr id="3" name="Content Placeholder 2"/>
-          <p:cNvSpPr>
-            <a:spLocks noGrp="1"/>
-          </p:cNvSpPr>
-          <p:nvPr>
-            <p:ph idx="1"/>
-          </p:nvPr>
-        </p:nvSpPr>
-        <p:spPr/>
-        <p:txBody>
-          <a:bodyPr/>
-          <a:lstStyle/>
-          <a:p>
-            <a:endParaRPr lang="en-US"/>
-          </a:p>
-        </p:txBody>
-      </p:sp>
-    </p:spTree>
-    <p:extLst>
-      <p:ext uri="{BB962C8B-B14F-4D97-AF65-F5344CB8AC3E}">
-        <p14:creationId xmlns:p14="http://schemas.microsoft.com/office/powerpoint/2010/main" val="972223831"/>
-      </p:ext>
-    </p:extLst>
-  </p:cSld>
-  <p:clrMapOvr>
-    <a:masterClrMapping/>
-  </p:clrMapOvr>
-  <p:timing>
-    <p:tnLst>
-      <p:par>
-        <p:cTn id="1" dur="indefinite" restart="never" nodeType="tmRoot"/>
-      </p:par>
-    </p:tnLst>
-  </p:timing>
-</p:sld>
-</file>
-
-<file path=ppt/slides/slide19.xml><?xml version="1.0" encoding="utf-8"?>
-<p:sld xmlns:a="http://schemas.openxmlformats.org/drawingml/2006/main" xmlns:r="http://schemas.openxmlformats.org/officeDocument/2006/relationships" xmlns:p="http://schemas.openxmlformats.org/presentationml/2006/main">
-  <p:cSld>
-    <p:spTree>
-      <p:nvGrpSpPr>
-        <p:cNvPr id="1" name=""/>
-        <p:cNvGrpSpPr/>
-        <p:nvPr/>
-      </p:nvGrpSpPr>
-      <p:grpSpPr>
-        <a:xfrm>
-          <a:off x="0" y="0"/>
-          <a:ext cx="0" cy="0"/>
-          <a:chOff x="0" y="0"/>
-          <a:chExt cx="0" cy="0"/>
-        </a:xfrm>
-      </p:grpSpPr>
-      <p:sp>
-        <p:nvSpPr>
-          <p:cNvPr id="2" name="Title 1"/>
-          <p:cNvSpPr>
-            <a:spLocks noGrp="1"/>
-          </p:cNvSpPr>
-          <p:nvPr>
-            <p:ph type="title"/>
-          </p:nvPr>
-        </p:nvSpPr>
-        <p:spPr/>
-        <p:txBody>
-          <a:bodyPr/>
-          <a:lstStyle/>
-          <a:p>
-            <a:endParaRPr lang="en-US"/>
-          </a:p>
-        </p:txBody>
-      </p:sp>
-      <p:sp>
-        <p:nvSpPr>
-          <p:cNvPr id="3" name="Content Placeholder 2"/>
-          <p:cNvSpPr>
-            <a:spLocks noGrp="1"/>
-          </p:cNvSpPr>
-          <p:nvPr>
-            <p:ph idx="1"/>
-          </p:nvPr>
-        </p:nvSpPr>
-        <p:spPr/>
-        <p:txBody>
-          <a:bodyPr/>
-          <a:lstStyle/>
-          <a:p>
-            <a:endParaRPr lang="en-US"/>
-          </a:p>
-        </p:txBody>
-      </p:sp>
-    </p:spTree>
-    <p:extLst>
-      <p:ext uri="{BB962C8B-B14F-4D97-AF65-F5344CB8AC3E}">
-        <p14:creationId xmlns:p14="http://schemas.microsoft.com/office/powerpoint/2010/main" val="3841983878"/>
-      </p:ext>
-    </p:extLst>
-  </p:cSld>
-  <p:clrMapOvr>
-    <a:masterClrMapping/>
-  </p:clrMapOvr>
-  <p:timing>
-    <p:tnLst>
-      <p:par>
-        <p:cTn id="1" dur="indefinite" restart="never" nodeType="tmRoot"/>
-      </p:par>
-    </p:tnLst>
-  </p:timing>
 </p:sld>
 </file>
 
@@ -17819,7 +19123,7 @@
               <a:defRPr/>
             </a:pPr>
             <a:r>
-              <a:rPr kumimoji="0" sz="2000" b="0" i="0" u="none" strike="noStrike" kern="1200" cap="none" spc="-128" normalizeH="0" baseline="0" noProof="0" dirty="0" smtClean="0">
+              <a:rPr kumimoji="0" sz="2000" b="0" i="0" u="none" strike="noStrike" kern="1200" cap="none" spc="-128" normalizeH="0" baseline="0" noProof="0" dirty="0">
                 <a:ln>
                   <a:noFill/>
                 </a:ln>
@@ -18299,7 +19603,7 @@
               <a:t> </a:t>
             </a:r>
             <a:r>
-              <a:rPr kumimoji="0" sz="2000" b="0" i="0" u="none" strike="noStrike" kern="1200" cap="none" spc="-93" normalizeH="0" baseline="0" noProof="0" dirty="0" smtClean="0">
+              <a:rPr kumimoji="0" sz="2000" b="0" i="0" u="none" strike="noStrike" kern="1200" cap="none" spc="-93" normalizeH="0" baseline="0" noProof="0" dirty="0">
                 <a:ln>
                   <a:noFill/>
                 </a:ln>
@@ -18314,7 +19618,7 @@
               </a:rPr>
               <a:t>Selection</a:t>
             </a:r>
-            <a:endParaRPr kumimoji="0" lang="en-US" sz="2000" b="0" i="0" u="none" strike="noStrike" kern="1200" cap="none" spc="-93" normalizeH="0" baseline="0" noProof="0" dirty="0" smtClean="0">
+            <a:endParaRPr kumimoji="0" lang="en-US" sz="2000" b="0" i="0" u="none" strike="noStrike" kern="1200" cap="none" spc="-93" normalizeH="0" baseline="0" noProof="0" dirty="0">
               <a:ln>
                 <a:noFill/>
               </a:ln>
@@ -18348,7 +19652,7 @@
               </a:tabLst>
               <a:defRPr/>
             </a:pPr>
-            <a:endParaRPr kumimoji="0" lang="en-US" sz="2000" b="0" i="0" u="none" strike="noStrike" kern="1200" cap="none" spc="-93" normalizeH="0" baseline="0" noProof="0" dirty="0" smtClean="0">
+            <a:endParaRPr kumimoji="0" lang="en-US" sz="2000" b="0" i="0" u="none" strike="noStrike" kern="1200" cap="none" spc="-93" normalizeH="0" baseline="0" noProof="0" dirty="0">
               <a:ln>
                 <a:noFill/>
               </a:ln>
@@ -18383,7 +19687,7 @@
               <a:defRPr/>
             </a:pPr>
             <a:r>
-              <a:rPr lang="en-US" sz="2000" spc="-93" dirty="0" smtClean="0">
+              <a:rPr lang="en-US" sz="2000" spc="-93" dirty="0">
                 <a:solidFill>
                   <a:srgbClr val="7030A0"/>
                 </a:solidFill>
@@ -18437,17 +19741,7 @@
                 <a:latin typeface="Times New Roman" panose="02020603050405020304" pitchFamily="18" charset="0"/>
                 <a:cs typeface="Times New Roman" panose="02020603050405020304" pitchFamily="18" charset="0"/>
               </a:rPr>
-              <a:t>Summary of </a:t>
-            </a:r>
-            <a:r>
-              <a:rPr lang="en-US" sz="2000" spc="-93" dirty="0" smtClean="0">
-                <a:solidFill>
-                  <a:srgbClr val="7030A0"/>
-                </a:solidFill>
-                <a:latin typeface="Times New Roman" panose="02020603050405020304" pitchFamily="18" charset="0"/>
-                <a:cs typeface="Times New Roman" panose="02020603050405020304" pitchFamily="18" charset="0"/>
-              </a:rPr>
-              <a:t>Execution</a:t>
+              <a:t>Summary of Execution</a:t>
             </a:r>
           </a:p>
           <a:p>
@@ -18475,7 +19769,7 @@
               </a:tabLst>
             </a:pPr>
             <a:r>
-              <a:rPr lang="en-US" sz="2000" spc="-93" dirty="0" smtClean="0">
+              <a:rPr lang="en-US" sz="2000" spc="-93" dirty="0">
                 <a:solidFill>
                   <a:srgbClr val="7030A0"/>
                 </a:solidFill>
@@ -18491,7 +19785,7 @@
                 <a:tab pos="231974" algn="l"/>
               </a:tabLst>
             </a:pPr>
-            <a:endParaRPr lang="en-US" sz="1941" spc="-93" dirty="0" smtClean="0">
+            <a:endParaRPr lang="en-US" sz="1941" spc="-93" dirty="0">
               <a:solidFill>
                 <a:srgbClr val="00B0F0"/>
               </a:solidFill>
@@ -18559,16 +19853,12 @@
           <a:lstStyle/>
           <a:p>
             <a:r>
-              <a:rPr lang="en-US" sz="2800" b="1" dirty="0" smtClean="0">
+              <a:rPr lang="en-US" sz="2800" b="1" dirty="0">
                 <a:latin typeface="Times New Roman" panose="02020603050405020304" pitchFamily="18" charset="0"/>
                 <a:cs typeface="Times New Roman" panose="02020603050405020304" pitchFamily="18" charset="0"/>
               </a:rPr>
               <a:t>Content:</a:t>
             </a:r>
-            <a:endParaRPr lang="en-US" sz="2800" b="1" dirty="0">
-              <a:latin typeface="Times New Roman" panose="02020603050405020304" pitchFamily="18" charset="0"/>
-              <a:cs typeface="Times New Roman" panose="02020603050405020304" pitchFamily="18" charset="0"/>
-            </a:endParaRPr>
           </a:p>
         </p:txBody>
       </p:sp>
@@ -18582,317 +19872,10 @@
   <p:clrMapOvr>
     <a:masterClrMapping/>
   </p:clrMapOvr>
-  <p:timing>
-    <p:tnLst>
-      <p:par>
-        <p:cTn id="1" dur="indefinite" restart="never" nodeType="tmRoot"/>
-      </p:par>
-    </p:tnLst>
-  </p:timing>
 </p:sld>
 </file>
 
 <file path=ppt/slides/slide20.xml><?xml version="1.0" encoding="utf-8"?>
-<p:sld xmlns:a="http://schemas.openxmlformats.org/drawingml/2006/main" xmlns:r="http://schemas.openxmlformats.org/officeDocument/2006/relationships" xmlns:p="http://schemas.openxmlformats.org/presentationml/2006/main">
-  <p:cSld>
-    <p:spTree>
-      <p:nvGrpSpPr>
-        <p:cNvPr id="1" name=""/>
-        <p:cNvGrpSpPr/>
-        <p:nvPr/>
-      </p:nvGrpSpPr>
-      <p:grpSpPr>
-        <a:xfrm>
-          <a:off x="0" y="0"/>
-          <a:ext cx="0" cy="0"/>
-          <a:chOff x="0" y="0"/>
-          <a:chExt cx="0" cy="0"/>
-        </a:xfrm>
-      </p:grpSpPr>
-      <p:sp>
-        <p:nvSpPr>
-          <p:cNvPr id="2" name="Title 1"/>
-          <p:cNvSpPr>
-            <a:spLocks noGrp="1"/>
-          </p:cNvSpPr>
-          <p:nvPr>
-            <p:ph type="title"/>
-          </p:nvPr>
-        </p:nvSpPr>
-        <p:spPr/>
-        <p:txBody>
-          <a:bodyPr/>
-          <a:lstStyle/>
-          <a:p>
-            <a:endParaRPr lang="en-US"/>
-          </a:p>
-        </p:txBody>
-      </p:sp>
-      <p:sp>
-        <p:nvSpPr>
-          <p:cNvPr id="3" name="Content Placeholder 2"/>
-          <p:cNvSpPr>
-            <a:spLocks noGrp="1"/>
-          </p:cNvSpPr>
-          <p:nvPr>
-            <p:ph idx="1"/>
-          </p:nvPr>
-        </p:nvSpPr>
-        <p:spPr/>
-        <p:txBody>
-          <a:bodyPr/>
-          <a:lstStyle/>
-          <a:p>
-            <a:endParaRPr lang="en-US"/>
-          </a:p>
-        </p:txBody>
-      </p:sp>
-    </p:spTree>
-    <p:extLst>
-      <p:ext uri="{BB962C8B-B14F-4D97-AF65-F5344CB8AC3E}">
-        <p14:creationId xmlns:p14="http://schemas.microsoft.com/office/powerpoint/2010/main" val="4263539674"/>
-      </p:ext>
-    </p:extLst>
-  </p:cSld>
-  <p:clrMapOvr>
-    <a:masterClrMapping/>
-  </p:clrMapOvr>
-  <p:timing>
-    <p:tnLst>
-      <p:par>
-        <p:cTn id="1" dur="indefinite" restart="never" nodeType="tmRoot"/>
-      </p:par>
-    </p:tnLst>
-  </p:timing>
-</p:sld>
-</file>
-
-<file path=ppt/slides/slide21.xml><?xml version="1.0" encoding="utf-8"?>
-<p:sld xmlns:a="http://schemas.openxmlformats.org/drawingml/2006/main" xmlns:r="http://schemas.openxmlformats.org/officeDocument/2006/relationships" xmlns:p="http://schemas.openxmlformats.org/presentationml/2006/main">
-  <p:cSld>
-    <p:spTree>
-      <p:nvGrpSpPr>
-        <p:cNvPr id="1" name=""/>
-        <p:cNvGrpSpPr/>
-        <p:nvPr/>
-      </p:nvGrpSpPr>
-      <p:grpSpPr>
-        <a:xfrm>
-          <a:off x="0" y="0"/>
-          <a:ext cx="0" cy="0"/>
-          <a:chOff x="0" y="0"/>
-          <a:chExt cx="0" cy="0"/>
-        </a:xfrm>
-      </p:grpSpPr>
-      <p:sp>
-        <p:nvSpPr>
-          <p:cNvPr id="2" name="Title 1"/>
-          <p:cNvSpPr>
-            <a:spLocks noGrp="1"/>
-          </p:cNvSpPr>
-          <p:nvPr>
-            <p:ph type="title"/>
-          </p:nvPr>
-        </p:nvSpPr>
-        <p:spPr/>
-        <p:txBody>
-          <a:bodyPr/>
-          <a:lstStyle/>
-          <a:p>
-            <a:endParaRPr lang="en-US"/>
-          </a:p>
-        </p:txBody>
-      </p:sp>
-      <p:sp>
-        <p:nvSpPr>
-          <p:cNvPr id="3" name="Content Placeholder 2"/>
-          <p:cNvSpPr>
-            <a:spLocks noGrp="1"/>
-          </p:cNvSpPr>
-          <p:nvPr>
-            <p:ph idx="1"/>
-          </p:nvPr>
-        </p:nvSpPr>
-        <p:spPr/>
-        <p:txBody>
-          <a:bodyPr/>
-          <a:lstStyle/>
-          <a:p>
-            <a:endParaRPr lang="en-US"/>
-          </a:p>
-        </p:txBody>
-      </p:sp>
-    </p:spTree>
-    <p:extLst>
-      <p:ext uri="{BB962C8B-B14F-4D97-AF65-F5344CB8AC3E}">
-        <p14:creationId xmlns:p14="http://schemas.microsoft.com/office/powerpoint/2010/main" val="3698408944"/>
-      </p:ext>
-    </p:extLst>
-  </p:cSld>
-  <p:clrMapOvr>
-    <a:masterClrMapping/>
-  </p:clrMapOvr>
-  <p:timing>
-    <p:tnLst>
-      <p:par>
-        <p:cTn id="1" dur="indefinite" restart="never" nodeType="tmRoot"/>
-      </p:par>
-    </p:tnLst>
-  </p:timing>
-</p:sld>
-</file>
-
-<file path=ppt/slides/slide22.xml><?xml version="1.0" encoding="utf-8"?>
-<p:sld xmlns:a="http://schemas.openxmlformats.org/drawingml/2006/main" xmlns:r="http://schemas.openxmlformats.org/officeDocument/2006/relationships" xmlns:p="http://schemas.openxmlformats.org/presentationml/2006/main">
-  <p:cSld>
-    <p:spTree>
-      <p:nvGrpSpPr>
-        <p:cNvPr id="1" name=""/>
-        <p:cNvGrpSpPr/>
-        <p:nvPr/>
-      </p:nvGrpSpPr>
-      <p:grpSpPr>
-        <a:xfrm>
-          <a:off x="0" y="0"/>
-          <a:ext cx="0" cy="0"/>
-          <a:chOff x="0" y="0"/>
-          <a:chExt cx="0" cy="0"/>
-        </a:xfrm>
-      </p:grpSpPr>
-      <p:sp>
-        <p:nvSpPr>
-          <p:cNvPr id="2" name="Title 1"/>
-          <p:cNvSpPr>
-            <a:spLocks noGrp="1"/>
-          </p:cNvSpPr>
-          <p:nvPr>
-            <p:ph type="title"/>
-          </p:nvPr>
-        </p:nvSpPr>
-        <p:spPr/>
-        <p:txBody>
-          <a:bodyPr/>
-          <a:lstStyle/>
-          <a:p>
-            <a:endParaRPr lang="en-US"/>
-          </a:p>
-        </p:txBody>
-      </p:sp>
-      <p:sp>
-        <p:nvSpPr>
-          <p:cNvPr id="3" name="Content Placeholder 2"/>
-          <p:cNvSpPr>
-            <a:spLocks noGrp="1"/>
-          </p:cNvSpPr>
-          <p:nvPr>
-            <p:ph idx="1"/>
-          </p:nvPr>
-        </p:nvSpPr>
-        <p:spPr/>
-        <p:txBody>
-          <a:bodyPr/>
-          <a:lstStyle/>
-          <a:p>
-            <a:endParaRPr lang="en-US"/>
-          </a:p>
-        </p:txBody>
-      </p:sp>
-    </p:spTree>
-    <p:extLst>
-      <p:ext uri="{BB962C8B-B14F-4D97-AF65-F5344CB8AC3E}">
-        <p14:creationId xmlns:p14="http://schemas.microsoft.com/office/powerpoint/2010/main" val="514218989"/>
-      </p:ext>
-    </p:extLst>
-  </p:cSld>
-  <p:clrMapOvr>
-    <a:masterClrMapping/>
-  </p:clrMapOvr>
-  <p:timing>
-    <p:tnLst>
-      <p:par>
-        <p:cTn id="1" dur="indefinite" restart="never" nodeType="tmRoot"/>
-      </p:par>
-    </p:tnLst>
-  </p:timing>
-</p:sld>
-</file>
-
-<file path=ppt/slides/slide23.xml><?xml version="1.0" encoding="utf-8"?>
-<p:sld xmlns:a="http://schemas.openxmlformats.org/drawingml/2006/main" xmlns:r="http://schemas.openxmlformats.org/officeDocument/2006/relationships" xmlns:p="http://schemas.openxmlformats.org/presentationml/2006/main">
-  <p:cSld>
-    <p:spTree>
-      <p:nvGrpSpPr>
-        <p:cNvPr id="1" name=""/>
-        <p:cNvGrpSpPr/>
-        <p:nvPr/>
-      </p:nvGrpSpPr>
-      <p:grpSpPr>
-        <a:xfrm>
-          <a:off x="0" y="0"/>
-          <a:ext cx="0" cy="0"/>
-          <a:chOff x="0" y="0"/>
-          <a:chExt cx="0" cy="0"/>
-        </a:xfrm>
-      </p:grpSpPr>
-      <p:sp>
-        <p:nvSpPr>
-          <p:cNvPr id="2" name="Title 1"/>
-          <p:cNvSpPr>
-            <a:spLocks noGrp="1"/>
-          </p:cNvSpPr>
-          <p:nvPr>
-            <p:ph type="title"/>
-          </p:nvPr>
-        </p:nvSpPr>
-        <p:spPr/>
-        <p:txBody>
-          <a:bodyPr/>
-          <a:lstStyle/>
-          <a:p>
-            <a:endParaRPr lang="en-US"/>
-          </a:p>
-        </p:txBody>
-      </p:sp>
-      <p:sp>
-        <p:nvSpPr>
-          <p:cNvPr id="3" name="Content Placeholder 2"/>
-          <p:cNvSpPr>
-            <a:spLocks noGrp="1"/>
-          </p:cNvSpPr>
-          <p:nvPr>
-            <p:ph idx="1"/>
-          </p:nvPr>
-        </p:nvSpPr>
-        <p:spPr/>
-        <p:txBody>
-          <a:bodyPr/>
-          <a:lstStyle/>
-          <a:p>
-            <a:endParaRPr lang="en-US"/>
-          </a:p>
-        </p:txBody>
-      </p:sp>
-    </p:spTree>
-    <p:extLst>
-      <p:ext uri="{BB962C8B-B14F-4D97-AF65-F5344CB8AC3E}">
-        <p14:creationId xmlns:p14="http://schemas.microsoft.com/office/powerpoint/2010/main" val="4105196837"/>
-      </p:ext>
-    </p:extLst>
-  </p:cSld>
-  <p:clrMapOvr>
-    <a:masterClrMapping/>
-  </p:clrMapOvr>
-  <p:timing>
-    <p:tnLst>
-      <p:par>
-        <p:cTn id="1" dur="indefinite" restart="never" nodeType="tmRoot"/>
-      </p:par>
-    </p:tnLst>
-  </p:timing>
-</p:sld>
-</file>
-
-<file path=ppt/slides/slide24.xml><?xml version="1.0" encoding="utf-8"?>
 <p:sld xmlns:a="http://schemas.openxmlformats.org/drawingml/2006/main" xmlns:r="http://schemas.openxmlformats.org/officeDocument/2006/relationships" xmlns:p="http://schemas.openxmlformats.org/presentationml/2006/main">
   <p:cSld>
     <p:spTree>
@@ -18957,17 +19940,10 @@
   <p:clrMapOvr>
     <a:masterClrMapping/>
   </p:clrMapOvr>
-  <p:timing>
-    <p:tnLst>
-      <p:par>
-        <p:cTn id="1" dur="indefinite" restart="never" nodeType="tmRoot"/>
-      </p:par>
-    </p:tnLst>
-  </p:timing>
 </p:sld>
 </file>
 
-<file path=ppt/slides/slide25.xml><?xml version="1.0" encoding="utf-8"?>
+<file path=ppt/slides/slide21.xml><?xml version="1.0" encoding="utf-8"?>
 <p:sld xmlns:a="http://schemas.openxmlformats.org/drawingml/2006/main" xmlns:r="http://schemas.openxmlformats.org/officeDocument/2006/relationships" xmlns:p="http://schemas.openxmlformats.org/presentationml/2006/main">
   <p:cSld>
     <p:spTree>
@@ -19032,13 +20008,6 @@
   <p:clrMapOvr>
     <a:masterClrMapping/>
   </p:clrMapOvr>
-  <p:timing>
-    <p:tnLst>
-      <p:par>
-        <p:cTn id="1" dur="indefinite" restart="never" nodeType="tmRoot"/>
-      </p:par>
-    </p:tnLst>
-  </p:timing>
 </p:sld>
 </file>
 
@@ -19103,7 +20072,7 @@
               <a:t>Face </a:t>
             </a:r>
             <a:r>
-              <a:rPr lang="en-US" sz="2912" spc="-296" dirty="0" smtClean="0">
+              <a:rPr lang="en-US" sz="2912" spc="-296" dirty="0">
                 <a:solidFill>
                   <a:srgbClr val="002060"/>
                 </a:solidFill>
@@ -19113,7 +20082,7 @@
               <a:t> </a:t>
             </a:r>
             <a:r>
-              <a:rPr sz="2912" spc="-150" dirty="0" smtClean="0">
+              <a:rPr sz="2912" spc="-150" dirty="0">
                 <a:solidFill>
                   <a:srgbClr val="002060"/>
                 </a:solidFill>
@@ -19123,7 +20092,7 @@
               <a:t>Recognition</a:t>
             </a:r>
             <a:r>
-              <a:rPr sz="2912" spc="-40" dirty="0" smtClean="0">
+              <a:rPr sz="2912" spc="-40" dirty="0">
                 <a:solidFill>
                   <a:srgbClr val="002060"/>
                 </a:solidFill>
@@ -20182,13 +21151,6 @@
   <p:clrMapOvr>
     <a:masterClrMapping/>
   </p:clrMapOvr>
-  <p:timing>
-    <p:tnLst>
-      <p:par>
-        <p:cTn id="1" dur="indefinite" restart="never" nodeType="tmRoot"/>
-      </p:par>
-    </p:tnLst>
-  </p:timing>
 </p:sld>
 </file>
 
@@ -20253,7 +21215,7 @@
               <a:t>Face </a:t>
             </a:r>
             <a:r>
-              <a:rPr lang="en-US" sz="2912" spc="-296" dirty="0" smtClean="0">
+              <a:rPr lang="en-US" sz="2912" spc="-296" dirty="0">
                 <a:solidFill>
                   <a:srgbClr val="002060"/>
                 </a:solidFill>
@@ -20263,7 +21225,7 @@
               <a:t> </a:t>
             </a:r>
             <a:r>
-              <a:rPr sz="2912" spc="-150" dirty="0" smtClean="0">
+              <a:rPr sz="2912" spc="-150" dirty="0">
                 <a:solidFill>
                   <a:srgbClr val="002060"/>
                 </a:solidFill>
@@ -20273,7 +21235,7 @@
               <a:t>Recognition</a:t>
             </a:r>
             <a:r>
-              <a:rPr sz="2912" spc="-40" dirty="0" smtClean="0">
+              <a:rPr sz="2912" spc="-40" dirty="0">
                 <a:solidFill>
                   <a:srgbClr val="002060"/>
                 </a:solidFill>
@@ -21468,7 +22430,7 @@
               <a:tabLst/>
               <a:defRPr/>
             </a:pPr>
-            <a:endParaRPr kumimoji="0" sz="1588" b="0" i="0" u="none" strike="noStrike" kern="1200" cap="none" spc="0" normalizeH="0" baseline="0" noProof="0" smtClean="0">
+            <a:endParaRPr kumimoji="0" sz="1588" b="0" i="0" u="none" strike="noStrike" kern="1200" cap="none" spc="0" normalizeH="0" baseline="0" noProof="0">
               <a:ln>
                 <a:noFill/>
               </a:ln>
@@ -21495,13 +22457,6 @@
   <p:clrMapOvr>
     <a:masterClrMapping/>
   </p:clrMapOvr>
-  <p:timing>
-    <p:tnLst>
-      <p:par>
-        <p:cTn id="1" dur="indefinite" restart="never" nodeType="tmRoot"/>
-      </p:par>
-    </p:tnLst>
-  </p:timing>
 </p:sld>
 </file>
 
@@ -21566,7 +22521,7 @@
               <a:t>One </a:t>
             </a:r>
             <a:r>
-              <a:rPr lang="en-US" sz="2956" spc="-207" dirty="0" smtClean="0">
+              <a:rPr lang="en-US" sz="2956" spc="-207" dirty="0">
                 <a:solidFill>
                   <a:srgbClr val="002060"/>
                 </a:solidFill>
@@ -21576,7 +22531,7 @@
               <a:t> </a:t>
             </a:r>
             <a:r>
-              <a:rPr sz="2956" spc="-163" dirty="0" smtClean="0">
+              <a:rPr sz="2956" spc="-163" dirty="0">
                 <a:solidFill>
                   <a:srgbClr val="002060"/>
                 </a:solidFill>
@@ -21586,7 +22541,7 @@
               <a:t>Shot</a:t>
             </a:r>
             <a:r>
-              <a:rPr sz="2956" spc="-141" dirty="0" smtClean="0">
+              <a:rPr sz="2956" spc="-141" dirty="0">
                 <a:solidFill>
                   <a:srgbClr val="002060"/>
                 </a:solidFill>
@@ -22788,13 +23743,6 @@
   <p:clrMapOvr>
     <a:masterClrMapping/>
   </p:clrMapOvr>
-  <p:timing>
-    <p:tnLst>
-      <p:par>
-        <p:cTn id="1" dur="indefinite" restart="never" nodeType="tmRoot"/>
-      </p:par>
-    </p:tnLst>
-  </p:timing>
 </p:sld>
 </file>
 
@@ -22859,7 +23807,7 @@
               <a:t>One </a:t>
             </a:r>
             <a:r>
-              <a:rPr lang="en-US" sz="2956" spc="-207" dirty="0" smtClean="0">
+              <a:rPr lang="en-US" sz="2956" spc="-207" dirty="0">
                 <a:solidFill>
                   <a:srgbClr val="002060"/>
                 </a:solidFill>
@@ -22869,7 +23817,7 @@
               <a:t> </a:t>
             </a:r>
             <a:r>
-              <a:rPr sz="2956" spc="-163" dirty="0" smtClean="0">
+              <a:rPr sz="2956" spc="-163" dirty="0">
                 <a:solidFill>
                   <a:srgbClr val="002060"/>
                 </a:solidFill>
@@ -22879,7 +23827,7 @@
               <a:t>Shot</a:t>
             </a:r>
             <a:r>
-              <a:rPr lang="en-US" sz="2956" spc="-163" dirty="0" smtClean="0">
+              <a:rPr lang="en-US" sz="2956" spc="-163" dirty="0">
                 <a:solidFill>
                   <a:srgbClr val="002060"/>
                 </a:solidFill>
@@ -22889,7 +23837,7 @@
               <a:t> </a:t>
             </a:r>
             <a:r>
-              <a:rPr sz="2956" spc="-141" dirty="0" smtClean="0">
+              <a:rPr sz="2956" spc="-141" dirty="0">
                 <a:solidFill>
                   <a:srgbClr val="002060"/>
                 </a:solidFill>
@@ -25396,13 +26344,6 @@
   <p:clrMapOvr>
     <a:masterClrMapping/>
   </p:clrMapOvr>
-  <p:timing>
-    <p:tnLst>
-      <p:par>
-        <p:cTn id="1" dur="indefinite" restart="never" nodeType="tmRoot"/>
-      </p:par>
-    </p:tnLst>
-  </p:timing>
 </p:sld>
 </file>
 
@@ -25797,7 +26738,7 @@
               <a:tabLst/>
               <a:defRPr/>
             </a:pPr>
-            <a:endParaRPr kumimoji="0" sz="1600" b="0" i="0" u="none" strike="noStrike" kern="1200" cap="none" spc="0" normalizeH="0" baseline="0" noProof="0" smtClean="0">
+            <a:endParaRPr kumimoji="0" sz="1600" b="0" i="0" u="none" strike="noStrike" kern="1200" cap="none" spc="0" normalizeH="0" baseline="0" noProof="0">
               <a:ln>
                 <a:noFill/>
               </a:ln>
@@ -26057,7 +26998,7 @@
                 <a:tabLst/>
                 <a:defRPr/>
               </a:pPr>
-              <a:endParaRPr kumimoji="0" sz="1600" b="0" i="0" u="none" strike="noStrike" kern="1200" cap="none" spc="0" normalizeH="0" baseline="0" noProof="0" smtClean="0">
+              <a:endParaRPr kumimoji="0" sz="1600" b="0" i="0" u="none" strike="noStrike" kern="1200" cap="none" spc="0" normalizeH="0" baseline="0" noProof="0">
                 <a:ln>
                   <a:noFill/>
                 </a:ln>
@@ -26114,7 +27055,7 @@
                 <a:tabLst/>
                 <a:defRPr/>
               </a:pPr>
-              <a:endParaRPr kumimoji="0" sz="1600" b="0" i="0" u="none" strike="noStrike" kern="1200" cap="none" spc="0" normalizeH="0" baseline="0" noProof="0" smtClean="0">
+              <a:endParaRPr kumimoji="0" sz="1600" b="0" i="0" u="none" strike="noStrike" kern="1200" cap="none" spc="0" normalizeH="0" baseline="0" noProof="0">
                 <a:ln>
                   <a:noFill/>
                 </a:ln>
@@ -26277,7 +27218,7 @@
               <a:tabLst/>
               <a:defRPr/>
             </a:pPr>
-            <a:endParaRPr kumimoji="0" sz="1600" b="0" i="0" u="none" strike="noStrike" kern="1200" cap="none" spc="0" normalizeH="0" baseline="0" noProof="0" smtClean="0">
+            <a:endParaRPr kumimoji="0" sz="1600" b="0" i="0" u="none" strike="noStrike" kern="1200" cap="none" spc="0" normalizeH="0" baseline="0" noProof="0">
               <a:ln>
                 <a:noFill/>
               </a:ln>
@@ -26355,7 +27296,7 @@
               <a:tabLst/>
               <a:defRPr/>
             </a:pPr>
-            <a:endParaRPr kumimoji="0" sz="1600" b="0" i="0" u="none" strike="noStrike" kern="1200" cap="none" spc="0" normalizeH="0" baseline="0" noProof="0" smtClean="0">
+            <a:endParaRPr kumimoji="0" sz="1600" b="0" i="0" u="none" strike="noStrike" kern="1200" cap="none" spc="0" normalizeH="0" baseline="0" noProof="0">
               <a:ln>
                 <a:noFill/>
               </a:ln>
@@ -26433,7 +27374,7 @@
               <a:tabLst/>
               <a:defRPr/>
             </a:pPr>
-            <a:endParaRPr kumimoji="0" sz="1600" b="0" i="0" u="none" strike="noStrike" kern="1200" cap="none" spc="0" normalizeH="0" baseline="0" noProof="0" smtClean="0">
+            <a:endParaRPr kumimoji="0" sz="1600" b="0" i="0" u="none" strike="noStrike" kern="1200" cap="none" spc="0" normalizeH="0" baseline="0" noProof="0">
               <a:ln>
                 <a:noFill/>
               </a:ln>
@@ -26511,7 +27452,7 @@
               <a:tabLst/>
               <a:defRPr/>
             </a:pPr>
-            <a:endParaRPr kumimoji="0" sz="1600" b="0" i="0" u="none" strike="noStrike" kern="1200" cap="none" spc="0" normalizeH="0" baseline="0" noProof="0" smtClean="0">
+            <a:endParaRPr kumimoji="0" sz="1600" b="0" i="0" u="none" strike="noStrike" kern="1200" cap="none" spc="0" normalizeH="0" baseline="0" noProof="0">
               <a:ln>
                 <a:noFill/>
               </a:ln>
@@ -26718,7 +27659,7 @@
               <a:tabLst/>
               <a:defRPr/>
             </a:pPr>
-            <a:endParaRPr kumimoji="0" sz="1600" b="0" i="0" u="none" strike="noStrike" kern="1200" cap="none" spc="0" normalizeH="0" baseline="0" noProof="0" smtClean="0">
+            <a:endParaRPr kumimoji="0" sz="1600" b="0" i="0" u="none" strike="noStrike" kern="1200" cap="none" spc="0" normalizeH="0" baseline="0" noProof="0">
               <a:ln>
                 <a:noFill/>
               </a:ln>
@@ -26858,7 +27799,7 @@
                 <a:tabLst/>
                 <a:defRPr/>
               </a:pPr>
-              <a:endParaRPr kumimoji="0" sz="1600" b="0" i="0" u="none" strike="noStrike" kern="1200" cap="none" spc="0" normalizeH="0" baseline="0" noProof="0" smtClean="0">
+              <a:endParaRPr kumimoji="0" sz="1600" b="0" i="0" u="none" strike="noStrike" kern="1200" cap="none" spc="0" normalizeH="0" baseline="0" noProof="0">
                 <a:ln>
                   <a:noFill/>
                 </a:ln>
@@ -26915,7 +27856,7 @@
                 <a:tabLst/>
                 <a:defRPr/>
               </a:pPr>
-              <a:endParaRPr kumimoji="0" sz="1600" b="0" i="0" u="none" strike="noStrike" kern="1200" cap="none" spc="0" normalizeH="0" baseline="0" noProof="0" smtClean="0">
+              <a:endParaRPr kumimoji="0" sz="1600" b="0" i="0" u="none" strike="noStrike" kern="1200" cap="none" spc="0" normalizeH="0" baseline="0" noProof="0">
                 <a:ln>
                   <a:noFill/>
                 </a:ln>
@@ -27044,7 +27985,7 @@
                 <a:tabLst/>
                 <a:defRPr/>
               </a:pPr>
-              <a:endParaRPr kumimoji="0" sz="1600" b="0" i="0" u="none" strike="noStrike" kern="1200" cap="none" spc="0" normalizeH="0" baseline="0" noProof="0" smtClean="0">
+              <a:endParaRPr kumimoji="0" sz="1600" b="0" i="0" u="none" strike="noStrike" kern="1200" cap="none" spc="0" normalizeH="0" baseline="0" noProof="0">
                 <a:ln>
                   <a:noFill/>
                 </a:ln>
@@ -27193,7 +28134,7 @@
               <a:tabLst/>
               <a:defRPr/>
             </a:pPr>
-            <a:endParaRPr kumimoji="0" sz="1600" b="0" i="0" u="none" strike="noStrike" kern="1200" cap="none" spc="0" normalizeH="0" baseline="0" noProof="0" smtClean="0">
+            <a:endParaRPr kumimoji="0" sz="1600" b="0" i="0" u="none" strike="noStrike" kern="1200" cap="none" spc="0" normalizeH="0" baseline="0" noProof="0">
               <a:ln>
                 <a:noFill/>
               </a:ln>
@@ -27271,7 +28212,7 @@
               <a:tabLst/>
               <a:defRPr/>
             </a:pPr>
-            <a:endParaRPr kumimoji="0" sz="1600" b="0" i="0" u="none" strike="noStrike" kern="1200" cap="none" spc="0" normalizeH="0" baseline="0" noProof="0" smtClean="0">
+            <a:endParaRPr kumimoji="0" sz="1600" b="0" i="0" u="none" strike="noStrike" kern="1200" cap="none" spc="0" normalizeH="0" baseline="0" noProof="0">
               <a:ln>
                 <a:noFill/>
               </a:ln>
@@ -27427,7 +28368,7 @@
               <a:tabLst/>
               <a:defRPr/>
             </a:pPr>
-            <a:endParaRPr kumimoji="0" sz="1600" b="0" i="0" u="none" strike="noStrike" kern="1200" cap="none" spc="0" normalizeH="0" baseline="0" noProof="0" smtClean="0">
+            <a:endParaRPr kumimoji="0" sz="1600" b="0" i="0" u="none" strike="noStrike" kern="1200" cap="none" spc="0" normalizeH="0" baseline="0" noProof="0">
               <a:ln>
                 <a:noFill/>
               </a:ln>
@@ -27686,7 +28627,7 @@
               <a:tabLst/>
               <a:defRPr/>
             </a:pPr>
-            <a:endParaRPr kumimoji="0" sz="1600" b="0" i="0" u="none" strike="noStrike" kern="1200" cap="none" spc="0" normalizeH="0" baseline="0" noProof="0" smtClean="0">
+            <a:endParaRPr kumimoji="0" sz="1600" b="0" i="0" u="none" strike="noStrike" kern="1200" cap="none" spc="0" normalizeH="0" baseline="0" noProof="0">
               <a:ln>
                 <a:noFill/>
               </a:ln>
@@ -27764,7 +28705,7 @@
               <a:tabLst/>
               <a:defRPr/>
             </a:pPr>
-            <a:endParaRPr kumimoji="0" sz="1600" b="0" i="0" u="none" strike="noStrike" kern="1200" cap="none" spc="0" normalizeH="0" baseline="0" noProof="0" smtClean="0">
+            <a:endParaRPr kumimoji="0" sz="1600" b="0" i="0" u="none" strike="noStrike" kern="1200" cap="none" spc="0" normalizeH="0" baseline="0" noProof="0">
               <a:ln>
                 <a:noFill/>
               </a:ln>
@@ -27842,7 +28783,7 @@
               <a:tabLst/>
               <a:defRPr/>
             </a:pPr>
-            <a:endParaRPr kumimoji="0" sz="1600" b="0" i="0" u="none" strike="noStrike" kern="1200" cap="none" spc="0" normalizeH="0" baseline="0" noProof="0" smtClean="0">
+            <a:endParaRPr kumimoji="0" sz="1600" b="0" i="0" u="none" strike="noStrike" kern="1200" cap="none" spc="0" normalizeH="0" baseline="0" noProof="0">
               <a:ln>
                 <a:noFill/>
               </a:ln>
@@ -27899,7 +28840,7 @@
               <a:tabLst/>
               <a:defRPr/>
             </a:pPr>
-            <a:endParaRPr kumimoji="0" sz="1600" b="0" i="0" u="none" strike="noStrike" kern="1200" cap="none" spc="0" normalizeH="0" baseline="0" noProof="0" smtClean="0">
+            <a:endParaRPr kumimoji="0" sz="1600" b="0" i="0" u="none" strike="noStrike" kern="1200" cap="none" spc="0" normalizeH="0" baseline="0" noProof="0">
               <a:ln>
                 <a:noFill/>
               </a:ln>
@@ -27956,7 +28897,7 @@
               <a:tabLst/>
               <a:defRPr/>
             </a:pPr>
-            <a:endParaRPr kumimoji="0" sz="1600" b="0" i="0" u="none" strike="noStrike" kern="1200" cap="none" spc="0" normalizeH="0" baseline="0" noProof="0" smtClean="0">
+            <a:endParaRPr kumimoji="0" sz="1600" b="0" i="0" u="none" strike="noStrike" kern="1200" cap="none" spc="0" normalizeH="0" baseline="0" noProof="0">
               <a:ln>
                 <a:noFill/>
               </a:ln>
@@ -28013,7 +28954,7 @@
               <a:tabLst/>
               <a:defRPr/>
             </a:pPr>
-            <a:endParaRPr kumimoji="0" sz="1600" b="0" i="0" u="none" strike="noStrike" kern="1200" cap="none" spc="0" normalizeH="0" baseline="0" noProof="0" smtClean="0">
+            <a:endParaRPr kumimoji="0" sz="1600" b="0" i="0" u="none" strike="noStrike" kern="1200" cap="none" spc="0" normalizeH="0" baseline="0" noProof="0">
               <a:ln>
                 <a:noFill/>
               </a:ln>
@@ -28211,7 +29152,7 @@
               <a:tabLst/>
               <a:defRPr/>
             </a:pPr>
-            <a:endParaRPr kumimoji="0" sz="1600" b="0" i="0" u="none" strike="noStrike" kern="1200" cap="none" spc="0" normalizeH="0" baseline="0" noProof="0" smtClean="0">
+            <a:endParaRPr kumimoji="0" sz="1600" b="0" i="0" u="none" strike="noStrike" kern="1200" cap="none" spc="0" normalizeH="0" baseline="0" noProof="0">
               <a:ln>
                 <a:noFill/>
               </a:ln>
@@ -28268,7 +29209,7 @@
               <a:tabLst/>
               <a:defRPr/>
             </a:pPr>
-            <a:endParaRPr kumimoji="0" sz="1600" b="0" i="0" u="none" strike="noStrike" kern="1200" cap="none" spc="0" normalizeH="0" baseline="0" noProof="0" smtClean="0">
+            <a:endParaRPr kumimoji="0" sz="1600" b="0" i="0" u="none" strike="noStrike" kern="1200" cap="none" spc="0" normalizeH="0" baseline="0" noProof="0">
               <a:ln>
                 <a:noFill/>
               </a:ln>
@@ -28738,7 +29679,7 @@
               <a:tabLst/>
               <a:defRPr/>
             </a:pPr>
-            <a:endParaRPr kumimoji="0" sz="1600" b="0" i="0" u="none" strike="noStrike" kern="1200" cap="none" spc="0" normalizeH="0" baseline="0" noProof="0" smtClean="0">
+            <a:endParaRPr kumimoji="0" sz="1600" b="0" i="0" u="none" strike="noStrike" kern="1200" cap="none" spc="0" normalizeH="0" baseline="0" noProof="0">
               <a:ln>
                 <a:noFill/>
               </a:ln>
@@ -28795,7 +29736,7 @@
               <a:tabLst/>
               <a:defRPr/>
             </a:pPr>
-            <a:endParaRPr kumimoji="0" sz="1600" b="0" i="0" u="none" strike="noStrike" kern="1200" cap="none" spc="0" normalizeH="0" baseline="0" noProof="0" smtClean="0">
+            <a:endParaRPr kumimoji="0" sz="1600" b="0" i="0" u="none" strike="noStrike" kern="1200" cap="none" spc="0" normalizeH="0" baseline="0" noProof="0">
               <a:ln>
                 <a:noFill/>
               </a:ln>
@@ -29074,7 +30015,7 @@
               <a:tabLst/>
               <a:defRPr/>
             </a:pPr>
-            <a:endParaRPr kumimoji="0" sz="1600" b="0" i="0" u="none" strike="noStrike" kern="1200" cap="none" spc="0" normalizeH="0" baseline="0" noProof="0" smtClean="0">
+            <a:endParaRPr kumimoji="0" sz="1600" b="0" i="0" u="none" strike="noStrike" kern="1200" cap="none" spc="0" normalizeH="0" baseline="0" noProof="0">
               <a:ln>
                 <a:noFill/>
               </a:ln>
@@ -29131,7 +30072,7 @@
               <a:tabLst/>
               <a:defRPr/>
             </a:pPr>
-            <a:endParaRPr kumimoji="0" sz="1600" b="0" i="0" u="none" strike="noStrike" kern="1200" cap="none" spc="0" normalizeH="0" baseline="0" noProof="0" smtClean="0">
+            <a:endParaRPr kumimoji="0" sz="1600" b="0" i="0" u="none" strike="noStrike" kern="1200" cap="none" spc="0" normalizeH="0" baseline="0" noProof="0">
               <a:ln>
                 <a:noFill/>
               </a:ln>
@@ -29398,7 +30339,7 @@
               <a:tabLst/>
               <a:defRPr/>
             </a:pPr>
-            <a:endParaRPr kumimoji="0" sz="1600" b="0" i="0" u="none" strike="noStrike" kern="1200" cap="none" spc="0" normalizeH="0" baseline="0" noProof="0" smtClean="0">
+            <a:endParaRPr kumimoji="0" sz="1600" b="0" i="0" u="none" strike="noStrike" kern="1200" cap="none" spc="0" normalizeH="0" baseline="0" noProof="0">
               <a:ln>
                 <a:noFill/>
               </a:ln>
@@ -29455,7 +30396,7 @@
               <a:tabLst/>
               <a:defRPr/>
             </a:pPr>
-            <a:endParaRPr kumimoji="0" sz="1600" b="0" i="0" u="none" strike="noStrike" kern="1200" cap="none" spc="0" normalizeH="0" baseline="0" noProof="0" smtClean="0">
+            <a:endParaRPr kumimoji="0" sz="1600" b="0" i="0" u="none" strike="noStrike" kern="1200" cap="none" spc="0" normalizeH="0" baseline="0" noProof="0">
               <a:ln>
                 <a:noFill/>
               </a:ln>
@@ -29652,7 +30593,7 @@
               <a:tabLst/>
               <a:defRPr/>
             </a:pPr>
-            <a:endParaRPr kumimoji="0" sz="1600" b="0" i="0" u="none" strike="noStrike" kern="1200" cap="none" spc="0" normalizeH="0" baseline="0" noProof="0" smtClean="0">
+            <a:endParaRPr kumimoji="0" sz="1600" b="0" i="0" u="none" strike="noStrike" kern="1200" cap="none" spc="0" normalizeH="0" baseline="0" noProof="0">
               <a:ln>
                 <a:noFill/>
               </a:ln>
@@ -29918,7 +30859,7 @@
               <a:tabLst/>
               <a:defRPr/>
             </a:pPr>
-            <a:endParaRPr kumimoji="0" sz="1600" b="0" i="0" u="none" strike="noStrike" kern="1200" cap="none" spc="0" normalizeH="0" baseline="0" noProof="0" smtClean="0">
+            <a:endParaRPr kumimoji="0" sz="1600" b="0" i="0" u="none" strike="noStrike" kern="1200" cap="none" spc="0" normalizeH="0" baseline="0" noProof="0">
               <a:ln>
                 <a:noFill/>
               </a:ln>
@@ -30125,7 +31066,7 @@
               <a:tabLst/>
               <a:defRPr/>
             </a:pPr>
-            <a:endParaRPr kumimoji="0" sz="1600" b="0" i="0" u="none" strike="noStrike" kern="1200" cap="none" spc="0" normalizeH="0" baseline="0" noProof="0" smtClean="0">
+            <a:endParaRPr kumimoji="0" sz="1600" b="0" i="0" u="none" strike="noStrike" kern="1200" cap="none" spc="0" normalizeH="0" baseline="0" noProof="0">
               <a:ln>
                 <a:noFill/>
               </a:ln>
@@ -30385,7 +31326,7 @@
                 <a:tabLst/>
                 <a:defRPr/>
               </a:pPr>
-              <a:endParaRPr kumimoji="0" sz="1600" b="0" i="0" u="none" strike="noStrike" kern="1200" cap="none" spc="0" normalizeH="0" baseline="0" noProof="0" smtClean="0">
+              <a:endParaRPr kumimoji="0" sz="1600" b="0" i="0" u="none" strike="noStrike" kern="1200" cap="none" spc="0" normalizeH="0" baseline="0" noProof="0">
                 <a:ln>
                   <a:noFill/>
                 </a:ln>
@@ -30442,7 +31383,7 @@
                 <a:tabLst/>
                 <a:defRPr/>
               </a:pPr>
-              <a:endParaRPr kumimoji="0" sz="1600" b="0" i="0" u="none" strike="noStrike" kern="1200" cap="none" spc="0" normalizeH="0" baseline="0" noProof="0" smtClean="0">
+              <a:endParaRPr kumimoji="0" sz="1600" b="0" i="0" u="none" strike="noStrike" kern="1200" cap="none" spc="0" normalizeH="0" baseline="0" noProof="0">
                 <a:ln>
                   <a:noFill/>
                 </a:ln>
@@ -30521,7 +31462,7 @@
               <a:tabLst/>
               <a:defRPr/>
             </a:pPr>
-            <a:endParaRPr kumimoji="0" sz="1600" b="0" i="0" u="none" strike="noStrike" kern="1200" cap="none" spc="0" normalizeH="0" baseline="0" noProof="0" smtClean="0">
+            <a:endParaRPr kumimoji="0" sz="1600" b="0" i="0" u="none" strike="noStrike" kern="1200" cap="none" spc="0" normalizeH="0" baseline="0" noProof="0">
               <a:ln>
                 <a:noFill/>
               </a:ln>
@@ -30710,7 +31651,7 @@
               <a:tabLst/>
               <a:defRPr/>
             </a:pPr>
-            <a:endParaRPr kumimoji="0" sz="1600" b="0" i="0" u="none" strike="noStrike" kern="1200" cap="none" spc="0" normalizeH="0" baseline="0" noProof="0" smtClean="0">
+            <a:endParaRPr kumimoji="0" sz="1600" b="0" i="0" u="none" strike="noStrike" kern="1200" cap="none" spc="0" normalizeH="0" baseline="0" noProof="0">
               <a:ln>
                 <a:noFill/>
               </a:ln>
@@ -30850,7 +31791,7 @@
                 <a:tabLst/>
                 <a:defRPr/>
               </a:pPr>
-              <a:endParaRPr kumimoji="0" sz="1600" b="0" i="0" u="none" strike="noStrike" kern="1200" cap="none" spc="0" normalizeH="0" baseline="0" noProof="0" smtClean="0">
+              <a:endParaRPr kumimoji="0" sz="1600" b="0" i="0" u="none" strike="noStrike" kern="1200" cap="none" spc="0" normalizeH="0" baseline="0" noProof="0">
                 <a:ln>
                   <a:noFill/>
                 </a:ln>
@@ -30907,7 +31848,7 @@
                 <a:tabLst/>
                 <a:defRPr/>
               </a:pPr>
-              <a:endParaRPr kumimoji="0" sz="1600" b="0" i="0" u="none" strike="noStrike" kern="1200" cap="none" spc="0" normalizeH="0" baseline="0" noProof="0" smtClean="0">
+              <a:endParaRPr kumimoji="0" sz="1600" b="0" i="0" u="none" strike="noStrike" kern="1200" cap="none" spc="0" normalizeH="0" baseline="0" noProof="0">
                 <a:ln>
                   <a:noFill/>
                 </a:ln>
@@ -31037,7 +31978,7 @@
               <a:tabLst/>
               <a:defRPr/>
             </a:pPr>
-            <a:endParaRPr kumimoji="0" sz="1600" b="0" i="0" u="none" strike="noStrike" kern="1200" cap="none" spc="0" normalizeH="0" baseline="0" noProof="0" smtClean="0">
+            <a:endParaRPr kumimoji="0" sz="1600" b="0" i="0" u="none" strike="noStrike" kern="1200" cap="none" spc="0" normalizeH="0" baseline="0" noProof="0">
               <a:ln>
                 <a:noFill/>
               </a:ln>
@@ -31115,7 +32056,7 @@
               <a:tabLst/>
               <a:defRPr/>
             </a:pPr>
-            <a:endParaRPr kumimoji="0" sz="1600" b="0" i="0" u="none" strike="noStrike" kern="1200" cap="none" spc="0" normalizeH="0" baseline="0" noProof="0" smtClean="0">
+            <a:endParaRPr kumimoji="0" sz="1600" b="0" i="0" u="none" strike="noStrike" kern="1200" cap="none" spc="0" normalizeH="0" baseline="0" noProof="0">
               <a:ln>
                 <a:noFill/>
               </a:ln>
@@ -31193,7 +32134,7 @@
               <a:tabLst/>
               <a:defRPr/>
             </a:pPr>
-            <a:endParaRPr kumimoji="0" sz="1600" b="0" i="0" u="none" strike="noStrike" kern="1200" cap="none" spc="0" normalizeH="0" baseline="0" noProof="0" smtClean="0">
+            <a:endParaRPr kumimoji="0" sz="1600" b="0" i="0" u="none" strike="noStrike" kern="1200" cap="none" spc="0" normalizeH="0" baseline="0" noProof="0">
               <a:ln>
                 <a:noFill/>
               </a:ln>
@@ -31386,7 +32327,7 @@
               <a:tabLst/>
               <a:defRPr/>
             </a:pPr>
-            <a:endParaRPr kumimoji="0" sz="1600" b="0" i="0" u="none" strike="noStrike" kern="1200" cap="none" spc="0" normalizeH="0" baseline="0" noProof="0" smtClean="0">
+            <a:endParaRPr kumimoji="0" sz="1600" b="0" i="0" u="none" strike="noStrike" kern="1200" cap="none" spc="0" normalizeH="0" baseline="0" noProof="0">
               <a:ln>
                 <a:noFill/>
               </a:ln>
@@ -31681,7 +32622,7 @@
               <a:tabLst/>
               <a:defRPr/>
             </a:pPr>
-            <a:endParaRPr kumimoji="0" sz="1600" b="0" i="0" u="none" strike="noStrike" kern="1200" cap="none" spc="0" normalizeH="0" baseline="0" noProof="0" smtClean="0">
+            <a:endParaRPr kumimoji="0" sz="1600" b="0" i="0" u="none" strike="noStrike" kern="1200" cap="none" spc="0" normalizeH="0" baseline="0" noProof="0">
               <a:ln>
                 <a:noFill/>
               </a:ln>
@@ -31942,13 +32883,6 @@
   <p:clrMapOvr>
     <a:masterClrMapping/>
   </p:clrMapOvr>
-  <p:timing>
-    <p:tnLst>
-      <p:par>
-        <p:cTn id="1" dur="indefinite" restart="never" nodeType="tmRoot"/>
-      </p:par>
-    </p:tnLst>
-  </p:timing>
 </p:sld>
 </file>
 
@@ -32061,7 +32995,7 @@
               <a:tabLst/>
               <a:defRPr/>
             </a:pPr>
-            <a:endParaRPr kumimoji="0" sz="1588" b="0" i="0" u="none" strike="noStrike" kern="1200" cap="none" spc="0" normalizeH="0" baseline="0" noProof="0" smtClean="0">
+            <a:endParaRPr kumimoji="0" sz="1588" b="0" i="0" u="none" strike="noStrike" kern="1200" cap="none" spc="0" normalizeH="0" baseline="0" noProof="0">
               <a:ln>
                 <a:noFill/>
               </a:ln>
@@ -33837,13 +34771,6 @@
   <p:clrMapOvr>
     <a:masterClrMapping/>
   </p:clrMapOvr>
-  <p:timing>
-    <p:tnLst>
-      <p:par>
-        <p:cTn id="1" dur="indefinite" restart="never" nodeType="tmRoot"/>
-      </p:par>
-    </p:tnLst>
-  </p:timing>
 </p:sld>
 </file>
 
@@ -33918,7 +34845,7 @@
               <a:t> </a:t>
             </a:r>
             <a:r>
-              <a:rPr lang="en-US" sz="2471" spc="-194" dirty="0" smtClean="0">
+              <a:rPr lang="en-US" sz="2471" spc="-194" dirty="0">
                 <a:solidFill>
                   <a:srgbClr val="002060"/>
                 </a:solidFill>
@@ -33928,7 +34855,7 @@
               <a:t>  </a:t>
             </a:r>
             <a:r>
-              <a:rPr sz="2471" spc="-251" dirty="0" smtClean="0">
+              <a:rPr sz="2471" spc="-251" dirty="0">
                 <a:solidFill>
                   <a:srgbClr val="002060"/>
                 </a:solidFill>
@@ -33986,7 +34913,7 @@
               <a:tabLst/>
               <a:defRPr/>
             </a:pPr>
-            <a:endParaRPr kumimoji="0" sz="1588" b="0" i="0" u="none" strike="noStrike" kern="1200" cap="none" spc="0" normalizeH="0" baseline="0" noProof="0" smtClean="0">
+            <a:endParaRPr kumimoji="0" sz="1588" b="0" i="0" u="none" strike="noStrike" kern="1200" cap="none" spc="0" normalizeH="0" baseline="0" noProof="0">
               <a:ln>
                 <a:noFill/>
               </a:ln>
@@ -34059,7 +34986,7 @@
                 <a:tabLst/>
                 <a:defRPr/>
               </a:pPr>
-              <a:endParaRPr kumimoji="0" sz="1588" b="0" i="0" u="none" strike="noStrike" kern="1200" cap="none" spc="0" normalizeH="0" baseline="0" noProof="0" smtClean="0">
+              <a:endParaRPr kumimoji="0" sz="1588" b="0" i="0" u="none" strike="noStrike" kern="1200" cap="none" spc="0" normalizeH="0" baseline="0" noProof="0">
                 <a:ln>
                   <a:noFill/>
                 </a:ln>
@@ -34118,7 +35045,7 @@
                 <a:tabLst/>
                 <a:defRPr/>
               </a:pPr>
-              <a:endParaRPr kumimoji="0" sz="1588" b="0" i="0" u="none" strike="noStrike" kern="1200" cap="none" spc="0" normalizeH="0" baseline="0" noProof="0" smtClean="0">
+              <a:endParaRPr kumimoji="0" sz="1588" b="0" i="0" u="none" strike="noStrike" kern="1200" cap="none" spc="0" normalizeH="0" baseline="0" noProof="0">
                 <a:ln>
                   <a:noFill/>
                 </a:ln>
@@ -34177,7 +35104,7 @@
                 <a:tabLst/>
                 <a:defRPr/>
               </a:pPr>
-              <a:endParaRPr kumimoji="0" sz="1588" b="0" i="0" u="none" strike="noStrike" kern="1200" cap="none" spc="0" normalizeH="0" baseline="0" noProof="0" smtClean="0">
+              <a:endParaRPr kumimoji="0" sz="1588" b="0" i="0" u="none" strike="noStrike" kern="1200" cap="none" spc="0" normalizeH="0" baseline="0" noProof="0">
                 <a:ln>
                   <a:noFill/>
                 </a:ln>
@@ -34359,7 +35286,7 @@
               <a:defRPr/>
             </a:pPr>
             <a:r>
-              <a:rPr kumimoji="0" sz="1600" b="0" i="0" u="none" strike="noStrike" kern="1200" cap="none" spc="-44" normalizeH="0" baseline="0" noProof="0" dirty="0" smtClean="0">
+              <a:rPr kumimoji="0" sz="1600" b="0" i="0" u="none" strike="noStrike" kern="1200" cap="none" spc="-44" normalizeH="0" baseline="0" noProof="0" dirty="0">
                 <a:ln>
                   <a:noFill/>
                 </a:ln>
@@ -34375,7 +35302,7 @@
               <a:t>Minimize </a:t>
             </a:r>
             <a:r>
-              <a:rPr kumimoji="0" sz="1600" b="1" i="0" u="none" strike="noStrike" kern="1200" cap="none" spc="-84" normalizeH="0" baseline="0" noProof="0" dirty="0" smtClean="0">
+              <a:rPr kumimoji="0" sz="1600" b="1" i="0" u="none" strike="noStrike" kern="1200" cap="none" spc="-84" normalizeH="0" baseline="0" noProof="0" dirty="0">
                 <a:ln>
                   <a:noFill/>
                 </a:ln>
@@ -34391,7 +35318,7 @@
               <a:t>triplet </a:t>
             </a:r>
             <a:r>
-              <a:rPr kumimoji="0" sz="1600" b="1" i="0" u="none" strike="noStrike" kern="1200" cap="none" spc="-53" normalizeH="0" baseline="0" noProof="0" dirty="0" smtClean="0">
+              <a:rPr kumimoji="0" sz="1600" b="1" i="0" u="none" strike="noStrike" kern="1200" cap="none" spc="-53" normalizeH="0" baseline="0" noProof="0" dirty="0">
                 <a:ln>
                   <a:noFill/>
                 </a:ln>
@@ -34407,7 +35334,7 @@
               <a:t>loss </a:t>
             </a:r>
             <a:r>
-              <a:rPr kumimoji="0" sz="1600" b="1" i="0" u="none" strike="noStrike" kern="1200" cap="none" spc="-84" normalizeH="0" baseline="0" noProof="0" dirty="0" smtClean="0">
+              <a:rPr kumimoji="0" sz="1600" b="1" i="0" u="none" strike="noStrike" kern="1200" cap="none" spc="-84" normalizeH="0" baseline="0" noProof="0" dirty="0">
                 <a:ln>
                   <a:noFill/>
                 </a:ln>
@@ -34423,7 +35350,7 @@
               <a:t>function </a:t>
             </a:r>
             <a:r>
-              <a:rPr kumimoji="0" sz="1600" b="0" i="0" u="none" strike="noStrike" kern="1200" cap="none" spc="-66" normalizeH="0" baseline="0" noProof="0" dirty="0" smtClean="0">
+              <a:rPr kumimoji="0" sz="1600" b="0" i="0" u="none" strike="noStrike" kern="1200" cap="none" spc="-66" normalizeH="0" baseline="0" noProof="0" dirty="0">
                 <a:ln>
                   <a:noFill/>
                 </a:ln>
@@ -34439,7 +35366,7 @@
               <a:t>:‐loss</a:t>
             </a:r>
             <a:r>
-              <a:rPr kumimoji="0" sz="1600" b="0" i="0" u="none" strike="noStrike" kern="1200" cap="none" spc="-313" normalizeH="0" baseline="0" noProof="0" dirty="0" smtClean="0">
+              <a:rPr kumimoji="0" sz="1600" b="0" i="0" u="none" strike="noStrike" kern="1200" cap="none" spc="-313" normalizeH="0" baseline="0" noProof="0" dirty="0">
                 <a:ln>
                   <a:noFill/>
                 </a:ln>
@@ -34455,7 +35382,7 @@
               <a:t> </a:t>
             </a:r>
             <a:r>
-              <a:rPr kumimoji="0" sz="1600" b="0" i="0" u="none" strike="noStrike" kern="1200" cap="none" spc="-66" normalizeH="0" baseline="0" noProof="0" dirty="0" smtClean="0">
+              <a:rPr kumimoji="0" sz="1600" b="0" i="0" u="none" strike="noStrike" kern="1200" cap="none" spc="-66" normalizeH="0" baseline="0" noProof="0" dirty="0">
                 <a:ln>
                   <a:noFill/>
                 </a:ln>
@@ -34471,7 +35398,7 @@
               <a:t>function  </a:t>
             </a:r>
             <a:r>
-              <a:rPr kumimoji="0" sz="1600" b="0" i="0" u="none" strike="noStrike" kern="1200" cap="none" spc="-49" normalizeH="0" baseline="0" noProof="0" dirty="0" smtClean="0">
+              <a:rPr kumimoji="0" sz="1600" b="0" i="0" u="none" strike="noStrike" kern="1200" cap="none" spc="-49" normalizeH="0" baseline="0" noProof="0" dirty="0">
                 <a:ln>
                   <a:noFill/>
                 </a:ln>
@@ -34487,7 +35414,7 @@
               <a:t>using </a:t>
             </a:r>
             <a:r>
-              <a:rPr kumimoji="0" sz="1600" b="1" i="0" u="none" strike="noStrike" kern="1200" cap="none" spc="-101" normalizeH="0" baseline="0" noProof="0" dirty="0" smtClean="0">
+              <a:rPr kumimoji="0" sz="1600" b="1" i="0" u="none" strike="noStrike" kern="1200" cap="none" spc="-101" normalizeH="0" baseline="0" noProof="0" dirty="0">
                 <a:ln>
                   <a:noFill/>
                 </a:ln>
@@ -34503,7 +35430,7 @@
               <a:t>three</a:t>
             </a:r>
             <a:r>
-              <a:rPr kumimoji="0" sz="1600" b="1" i="0" u="none" strike="noStrike" kern="1200" cap="none" spc="-168" normalizeH="0" baseline="0" noProof="0" dirty="0" smtClean="0">
+              <a:rPr kumimoji="0" sz="1600" b="1" i="0" u="none" strike="noStrike" kern="1200" cap="none" spc="-168" normalizeH="0" baseline="0" noProof="0" dirty="0">
                 <a:ln>
                   <a:noFill/>
                 </a:ln>
@@ -34519,7 +35446,7 @@
               <a:t> </a:t>
             </a:r>
             <a:r>
-              <a:rPr kumimoji="0" sz="1600" b="0" i="0" u="none" strike="noStrike" kern="1200" cap="none" spc="-62" normalizeH="0" baseline="0" noProof="0" dirty="0" smtClean="0">
+              <a:rPr kumimoji="0" sz="1600" b="0" i="0" u="none" strike="noStrike" kern="1200" cap="none" spc="-62" normalizeH="0" baseline="0" noProof="0" dirty="0">
                 <a:ln>
                   <a:noFill/>
                 </a:ln>
@@ -34534,7 +35461,7 @@
               </a:rPr>
               <a:t>images</a:t>
             </a:r>
-            <a:endParaRPr kumimoji="0" sz="1600" b="0" i="0" u="none" strike="noStrike" kern="1200" cap="none" spc="0" normalizeH="0" baseline="0" noProof="0" dirty="0" smtClean="0">
+            <a:endParaRPr kumimoji="0" sz="1600" b="0" i="0" u="none" strike="noStrike" kern="1200" cap="none" spc="0" normalizeH="0" baseline="0" noProof="0" dirty="0">
               <a:ln>
                 <a:noFill/>
               </a:ln>
@@ -34569,7 +35496,7 @@
               <a:defRPr/>
             </a:pPr>
             <a:r>
-              <a:rPr kumimoji="0" sz="1600" b="0" i="0" u="none" strike="noStrike" kern="1200" cap="none" spc="-26" normalizeH="0" baseline="0" noProof="0" dirty="0" smtClean="0">
+              <a:rPr kumimoji="0" sz="1600" b="0" i="0" u="none" strike="noStrike" kern="1200" cap="none" spc="-26" normalizeH="0" baseline="0" noProof="0" dirty="0">
                 <a:ln>
                   <a:noFill/>
                 </a:ln>
@@ -34585,7 +35512,7 @@
               <a:t>An</a:t>
             </a:r>
             <a:r>
-              <a:rPr kumimoji="0" sz="1600" b="0" i="0" u="none" strike="noStrike" kern="1200" cap="none" spc="-110" normalizeH="0" baseline="0" noProof="0" dirty="0" smtClean="0">
+              <a:rPr kumimoji="0" sz="1600" b="0" i="0" u="none" strike="noStrike" kern="1200" cap="none" spc="-110" normalizeH="0" baseline="0" noProof="0" dirty="0">
                 <a:ln>
                   <a:noFill/>
                 </a:ln>
@@ -34601,7 +35528,7 @@
               <a:t> </a:t>
             </a:r>
             <a:r>
-              <a:rPr kumimoji="0" sz="1600" b="0" i="0" u="none" strike="noStrike" kern="1200" cap="none" spc="-53" normalizeH="0" baseline="0" noProof="0" dirty="0" smtClean="0">
+              <a:rPr kumimoji="0" sz="1600" b="0" i="0" u="none" strike="noStrike" kern="1200" cap="none" spc="-53" normalizeH="0" baseline="0" noProof="0" dirty="0">
                 <a:ln>
                   <a:noFill/>
                 </a:ln>
@@ -34617,7 +35544,7 @@
               <a:t>anchor</a:t>
             </a:r>
             <a:r>
-              <a:rPr kumimoji="0" sz="1600" b="0" i="0" u="none" strike="noStrike" kern="1200" cap="none" spc="-101" normalizeH="0" baseline="0" noProof="0" dirty="0" smtClean="0">
+              <a:rPr kumimoji="0" sz="1600" b="0" i="0" u="none" strike="noStrike" kern="1200" cap="none" spc="-101" normalizeH="0" baseline="0" noProof="0" dirty="0">
                 <a:ln>
                   <a:noFill/>
                 </a:ln>
@@ -34633,7 +35560,7 @@
               <a:t> </a:t>
             </a:r>
             <a:r>
-              <a:rPr kumimoji="0" sz="1600" b="0" i="0" u="none" strike="noStrike" kern="1200" cap="none" spc="-71" normalizeH="0" baseline="0" noProof="0" dirty="0" smtClean="0">
+              <a:rPr kumimoji="0" sz="1600" b="0" i="0" u="none" strike="noStrike" kern="1200" cap="none" spc="-71" normalizeH="0" baseline="0" noProof="0" dirty="0">
                 <a:ln>
                   <a:noFill/>
                 </a:ln>
@@ -34649,7 +35576,7 @@
               <a:t>image</a:t>
             </a:r>
             <a:r>
-              <a:rPr kumimoji="0" sz="1600" b="0" i="0" u="none" strike="noStrike" kern="1200" cap="none" spc="-110" normalizeH="0" baseline="0" noProof="0" dirty="0" smtClean="0">
+              <a:rPr kumimoji="0" sz="1600" b="0" i="0" u="none" strike="noStrike" kern="1200" cap="none" spc="-110" normalizeH="0" baseline="0" noProof="0" dirty="0">
                 <a:ln>
                   <a:noFill/>
                 </a:ln>
@@ -34665,7 +35592,7 @@
               <a:t> </a:t>
             </a:r>
             <a:r>
-              <a:rPr kumimoji="0" sz="1600" b="0" i="0" u="none" strike="noStrike" kern="1200" cap="none" spc="-93" normalizeH="0" baseline="0" noProof="0" dirty="0" smtClean="0">
+              <a:rPr kumimoji="0" sz="1600" b="0" i="0" u="none" strike="noStrike" kern="1200" cap="none" spc="-93" normalizeH="0" baseline="0" noProof="0" dirty="0">
                 <a:ln>
                   <a:noFill/>
                 </a:ln>
@@ -34681,7 +35608,7 @@
               <a:t>A,</a:t>
             </a:r>
             <a:r>
-              <a:rPr kumimoji="0" sz="1600" b="0" i="0" u="none" strike="noStrike" kern="1200" cap="none" spc="-110" normalizeH="0" baseline="0" noProof="0" dirty="0" smtClean="0">
+              <a:rPr kumimoji="0" sz="1600" b="0" i="0" u="none" strike="noStrike" kern="1200" cap="none" spc="-110" normalizeH="0" baseline="0" noProof="0" dirty="0">
                 <a:ln>
                   <a:noFill/>
                 </a:ln>
@@ -34697,7 +35624,7 @@
               <a:t> </a:t>
             </a:r>
             <a:r>
-              <a:rPr kumimoji="0" sz="1600" b="0" i="0" u="none" strike="noStrike" kern="1200" cap="none" spc="-71" normalizeH="0" baseline="0" noProof="0" dirty="0" smtClean="0">
+              <a:rPr kumimoji="0" sz="1600" b="0" i="0" u="none" strike="noStrike" kern="1200" cap="none" spc="-71" normalizeH="0" baseline="0" noProof="0" dirty="0">
                 <a:ln>
                   <a:noFill/>
                 </a:ln>
@@ -34713,7 +35640,7 @@
               <a:t>a</a:t>
             </a:r>
             <a:r>
-              <a:rPr kumimoji="0" sz="1600" b="0" i="0" u="none" strike="noStrike" kern="1200" cap="none" spc="-106" normalizeH="0" baseline="0" noProof="0" dirty="0" smtClean="0">
+              <a:rPr kumimoji="0" sz="1600" b="0" i="0" u="none" strike="noStrike" kern="1200" cap="none" spc="-106" normalizeH="0" baseline="0" noProof="0" dirty="0">
                 <a:ln>
                   <a:noFill/>
                 </a:ln>
@@ -34729,7 +35656,7 @@
               <a:t> </a:t>
             </a:r>
             <a:r>
-              <a:rPr kumimoji="0" sz="1600" b="0" i="0" u="none" strike="noStrike" kern="1200" cap="none" spc="-66" normalizeH="0" baseline="0" noProof="0" dirty="0" smtClean="0">
+              <a:rPr kumimoji="0" sz="1600" b="0" i="0" u="none" strike="noStrike" kern="1200" cap="none" spc="-66" normalizeH="0" baseline="0" noProof="0" dirty="0">
                 <a:ln>
                   <a:noFill/>
                 </a:ln>
@@ -34745,7 +35672,7 @@
               <a:t>positive</a:t>
             </a:r>
             <a:r>
-              <a:rPr kumimoji="0" sz="1600" b="0" i="0" u="none" strike="noStrike" kern="1200" cap="none" spc="-97" normalizeH="0" baseline="0" noProof="0" dirty="0" smtClean="0">
+              <a:rPr kumimoji="0" sz="1600" b="0" i="0" u="none" strike="noStrike" kern="1200" cap="none" spc="-97" normalizeH="0" baseline="0" noProof="0" dirty="0">
                 <a:ln>
                   <a:noFill/>
                 </a:ln>
@@ -34761,7 +35688,7 @@
               <a:t> </a:t>
             </a:r>
             <a:r>
-              <a:rPr kumimoji="0" sz="1600" b="0" i="0" u="none" strike="noStrike" kern="1200" cap="none" spc="-71" normalizeH="0" baseline="0" noProof="0" dirty="0" smtClean="0">
+              <a:rPr kumimoji="0" sz="1600" b="0" i="0" u="none" strike="noStrike" kern="1200" cap="none" spc="-71" normalizeH="0" baseline="0" noProof="0" dirty="0">
                 <a:ln>
                   <a:noFill/>
                 </a:ln>
@@ -34777,7 +35704,7 @@
               <a:t>image</a:t>
             </a:r>
             <a:r>
-              <a:rPr kumimoji="0" sz="1600" b="0" i="0" u="none" strike="noStrike" kern="1200" cap="none" spc="-110" normalizeH="0" baseline="0" noProof="0" dirty="0" smtClean="0">
+              <a:rPr kumimoji="0" sz="1600" b="0" i="0" u="none" strike="noStrike" kern="1200" cap="none" spc="-110" normalizeH="0" baseline="0" noProof="0" dirty="0">
                 <a:ln>
                   <a:noFill/>
                 </a:ln>
@@ -34793,7 +35720,7 @@
               <a:t> </a:t>
             </a:r>
             <a:r>
-              <a:rPr kumimoji="0" sz="1600" b="0" i="0" u="none" strike="noStrike" kern="1200" cap="none" spc="-62" normalizeH="0" baseline="0" noProof="0" dirty="0" smtClean="0">
+              <a:rPr kumimoji="0" sz="1600" b="0" i="0" u="none" strike="noStrike" kern="1200" cap="none" spc="-62" normalizeH="0" baseline="0" noProof="0" dirty="0">
                 <a:ln>
                   <a:noFill/>
                 </a:ln>
@@ -34809,7 +35736,7 @@
               <a:t>P</a:t>
             </a:r>
             <a:r>
-              <a:rPr kumimoji="0" sz="1600" b="0" i="0" u="none" strike="noStrike" kern="1200" cap="none" spc="-110" normalizeH="0" baseline="0" noProof="0" dirty="0" smtClean="0">
+              <a:rPr kumimoji="0" sz="1600" b="0" i="0" u="none" strike="noStrike" kern="1200" cap="none" spc="-110" normalizeH="0" baseline="0" noProof="0" dirty="0">
                 <a:ln>
                   <a:noFill/>
                 </a:ln>
@@ -34825,7 +35752,7 @@
               <a:t> </a:t>
             </a:r>
             <a:r>
-              <a:rPr kumimoji="0" sz="1600" b="0" i="0" u="none" strike="noStrike" kern="1200" cap="none" spc="-66" normalizeH="0" baseline="0" noProof="0" dirty="0" smtClean="0">
+              <a:rPr kumimoji="0" sz="1600" b="0" i="0" u="none" strike="noStrike" kern="1200" cap="none" spc="-66" normalizeH="0" baseline="0" noProof="0" dirty="0">
                 <a:ln>
                   <a:noFill/>
                 </a:ln>
@@ -34841,7 +35768,7 @@
               <a:t>(same  </a:t>
             </a:r>
             <a:r>
-              <a:rPr kumimoji="0" sz="1600" b="0" i="0" u="none" strike="noStrike" kern="1200" cap="none" spc="-49" normalizeH="0" baseline="0" noProof="0" dirty="0" smtClean="0">
+              <a:rPr kumimoji="0" sz="1600" b="0" i="0" u="none" strike="noStrike" kern="1200" cap="none" spc="-49" normalizeH="0" baseline="0" noProof="0" dirty="0">
                 <a:ln>
                   <a:noFill/>
                 </a:ln>
@@ -34857,7 +35784,7 @@
               <a:t>person </a:t>
             </a:r>
             <a:r>
-              <a:rPr kumimoji="0" sz="1600" b="0" i="0" u="none" strike="noStrike" kern="1200" cap="none" spc="-44" normalizeH="0" baseline="0" noProof="0" dirty="0" smtClean="0">
+              <a:rPr kumimoji="0" sz="1600" b="0" i="0" u="none" strike="noStrike" kern="1200" cap="none" spc="-44" normalizeH="0" baseline="0" noProof="0" dirty="0">
                 <a:ln>
                   <a:noFill/>
                 </a:ln>
@@ -34873,7 +35800,7 @@
               <a:t>as </a:t>
             </a:r>
             <a:r>
-              <a:rPr kumimoji="0" sz="1600" b="0" i="0" u="none" strike="noStrike" kern="1200" cap="none" spc="-66" normalizeH="0" baseline="0" noProof="0" dirty="0" smtClean="0">
+              <a:rPr kumimoji="0" sz="1600" b="0" i="0" u="none" strike="noStrike" kern="1200" cap="none" spc="-66" normalizeH="0" baseline="0" noProof="0" dirty="0">
                 <a:ln>
                   <a:noFill/>
                 </a:ln>
@@ -34889,7 +35816,7 @@
               <a:t>the </a:t>
             </a:r>
             <a:r>
-              <a:rPr kumimoji="0" sz="1600" b="0" i="0" u="none" strike="noStrike" kern="1200" cap="none" spc="-75" normalizeH="0" baseline="0" noProof="0" dirty="0" smtClean="0">
+              <a:rPr kumimoji="0" sz="1600" b="0" i="0" u="none" strike="noStrike" kern="1200" cap="none" spc="-75" normalizeH="0" baseline="0" noProof="0" dirty="0">
                 <a:ln>
                   <a:noFill/>
                 </a:ln>
@@ -34905,7 +35832,7 @@
               <a:t>anchor), </a:t>
             </a:r>
             <a:r>
-              <a:rPr kumimoji="0" sz="1600" b="0" i="0" u="none" strike="noStrike" kern="1200" cap="none" spc="-53" normalizeH="0" baseline="0" noProof="0" dirty="0" smtClean="0">
+              <a:rPr kumimoji="0" sz="1600" b="0" i="0" u="none" strike="noStrike" kern="1200" cap="none" spc="-53" normalizeH="0" baseline="0" noProof="0" dirty="0">
                 <a:ln>
                   <a:noFill/>
                 </a:ln>
@@ -34921,7 +35848,7 @@
               <a:t>and </a:t>
             </a:r>
             <a:r>
-              <a:rPr kumimoji="0" sz="1600" b="0" i="0" u="none" strike="noStrike" kern="1200" cap="none" spc="-71" normalizeH="0" baseline="0" noProof="0" dirty="0" smtClean="0">
+              <a:rPr kumimoji="0" sz="1600" b="0" i="0" u="none" strike="noStrike" kern="1200" cap="none" spc="-71" normalizeH="0" baseline="0" noProof="0" dirty="0">
                 <a:ln>
                   <a:noFill/>
                 </a:ln>
@@ -34937,7 +35864,7 @@
               <a:t>a </a:t>
             </a:r>
             <a:r>
-              <a:rPr kumimoji="0" sz="1600" b="0" i="0" u="none" strike="noStrike" kern="1200" cap="none" spc="-75" normalizeH="0" baseline="0" noProof="0" dirty="0" smtClean="0">
+              <a:rPr kumimoji="0" sz="1600" b="0" i="0" u="none" strike="noStrike" kern="1200" cap="none" spc="-75" normalizeH="0" baseline="0" noProof="0" dirty="0">
                 <a:ln>
                   <a:noFill/>
                 </a:ln>
@@ -34953,7 +35880,7 @@
               <a:t>negative </a:t>
             </a:r>
             <a:r>
-              <a:rPr kumimoji="0" sz="1600" b="0" i="0" u="none" strike="noStrike" kern="1200" cap="none" spc="-71" normalizeH="0" baseline="0" noProof="0" dirty="0" smtClean="0">
+              <a:rPr kumimoji="0" sz="1600" b="0" i="0" u="none" strike="noStrike" kern="1200" cap="none" spc="-71" normalizeH="0" baseline="0" noProof="0" dirty="0">
                 <a:ln>
                   <a:noFill/>
                 </a:ln>
@@ -34969,7 +35896,7 @@
               <a:t>image  </a:t>
             </a:r>
             <a:r>
-              <a:rPr kumimoji="0" sz="1600" b="0" i="0" u="none" strike="noStrike" kern="1200" cap="none" spc="9" normalizeH="0" baseline="0" noProof="0" dirty="0" smtClean="0">
+              <a:rPr kumimoji="0" sz="1600" b="0" i="0" u="none" strike="noStrike" kern="1200" cap="none" spc="9" normalizeH="0" baseline="0" noProof="0" dirty="0">
                 <a:ln>
                   <a:noFill/>
                 </a:ln>
@@ -34985,7 +35912,7 @@
               <a:t>N </a:t>
             </a:r>
             <a:r>
-              <a:rPr kumimoji="0" sz="1600" b="0" i="0" u="none" strike="noStrike" kern="1200" cap="none" spc="-84" normalizeH="0" baseline="0" noProof="0" dirty="0" smtClean="0">
+              <a:rPr kumimoji="0" sz="1600" b="0" i="0" u="none" strike="noStrike" kern="1200" cap="none" spc="-84" normalizeH="0" baseline="0" noProof="0" dirty="0">
                 <a:ln>
                   <a:noFill/>
                 </a:ln>
@@ -35001,7 +35928,7 @@
               <a:t>(different </a:t>
             </a:r>
             <a:r>
-              <a:rPr kumimoji="0" sz="1600" b="0" i="0" u="none" strike="noStrike" kern="1200" cap="none" spc="-49" normalizeH="0" baseline="0" noProof="0" dirty="0" smtClean="0">
+              <a:rPr kumimoji="0" sz="1600" b="0" i="0" u="none" strike="noStrike" kern="1200" cap="none" spc="-49" normalizeH="0" baseline="0" noProof="0" dirty="0">
                 <a:ln>
                   <a:noFill/>
                 </a:ln>
@@ -35017,7 +35944,7 @@
               <a:t>person</a:t>
             </a:r>
             <a:r>
-              <a:rPr kumimoji="0" sz="1600" b="0" i="0" u="none" strike="noStrike" kern="1200" cap="none" spc="-335" normalizeH="0" baseline="0" noProof="0" dirty="0" smtClean="0">
+              <a:rPr kumimoji="0" sz="1600" b="0" i="0" u="none" strike="noStrike" kern="1200" cap="none" spc="-335" normalizeH="0" baseline="0" noProof="0" dirty="0">
                 <a:ln>
                   <a:noFill/>
                 </a:ln>
@@ -35033,7 +35960,7 @@
               <a:t> </a:t>
             </a:r>
             <a:r>
-              <a:rPr kumimoji="0" sz="1600" b="0" i="0" u="none" strike="noStrike" kern="1200" cap="none" spc="-62" normalizeH="0" baseline="0" noProof="0" dirty="0" smtClean="0">
+              <a:rPr kumimoji="0" sz="1600" b="0" i="0" u="none" strike="noStrike" kern="1200" cap="none" spc="-62" normalizeH="0" baseline="0" noProof="0" dirty="0">
                 <a:ln>
                   <a:noFill/>
                 </a:ln>
@@ -35049,7 +35976,7 @@
               <a:t>than </a:t>
             </a:r>
             <a:r>
-              <a:rPr kumimoji="0" sz="1600" b="0" i="0" u="none" strike="noStrike" kern="1200" cap="none" spc="-66" normalizeH="0" baseline="0" noProof="0" dirty="0" smtClean="0">
+              <a:rPr kumimoji="0" sz="1600" b="0" i="0" u="none" strike="noStrike" kern="1200" cap="none" spc="-66" normalizeH="0" baseline="0" noProof="0" dirty="0">
                 <a:ln>
                   <a:noFill/>
                 </a:ln>
@@ -35065,7 +35992,7 @@
               <a:t>the </a:t>
             </a:r>
             <a:r>
-              <a:rPr kumimoji="0" sz="1600" b="0" i="0" u="none" strike="noStrike" kern="1200" cap="none" spc="-75" normalizeH="0" baseline="0" noProof="0" dirty="0" smtClean="0">
+              <a:rPr kumimoji="0" sz="1600" b="0" i="0" u="none" strike="noStrike" kern="1200" cap="none" spc="-75" normalizeH="0" baseline="0" noProof="0" dirty="0">
                 <a:ln>
                   <a:noFill/>
                 </a:ln>
@@ -35080,7 +36007,7 @@
               </a:rPr>
               <a:t>anchor).</a:t>
             </a:r>
-            <a:endParaRPr kumimoji="0" sz="1600" b="0" i="0" u="none" strike="noStrike" kern="1200" cap="none" spc="0" normalizeH="0" baseline="0" noProof="0" dirty="0" smtClean="0">
+            <a:endParaRPr kumimoji="0" sz="1600" b="0" i="0" u="none" strike="noStrike" kern="1200" cap="none" spc="0" normalizeH="0" baseline="0" noProof="0" dirty="0">
               <a:ln>
                 <a:noFill/>
               </a:ln>
@@ -35115,7 +36042,7 @@
               <a:defRPr/>
             </a:pPr>
             <a:r>
-              <a:rPr kumimoji="0" sz="1600" b="0" i="0" u="none" strike="noStrike" kern="1200" cap="none" spc="-66" normalizeH="0" baseline="0" noProof="0" dirty="0" smtClean="0">
+              <a:rPr kumimoji="0" sz="1600" b="0" i="0" u="none" strike="noStrike" kern="1200" cap="none" spc="-66" normalizeH="0" baseline="0" noProof="0" dirty="0">
                 <a:ln>
                   <a:noFill/>
                 </a:ln>
@@ -35131,7 +36058,7 @@
               <a:t>Distance </a:t>
             </a:r>
             <a:r>
-              <a:rPr kumimoji="0" sz="1600" b="0" i="0" u="none" strike="noStrike" kern="1200" cap="none" spc="-93" normalizeH="0" baseline="0" noProof="0" dirty="0" smtClean="0">
+              <a:rPr kumimoji="0" sz="1600" b="0" i="0" u="none" strike="noStrike" kern="1200" cap="none" spc="-93" normalizeH="0" baseline="0" noProof="0" dirty="0">
                 <a:ln>
                   <a:noFill/>
                 </a:ln>
@@ -35147,7 +36074,7 @@
               <a:t>d(f(A), f(P)) </a:t>
             </a:r>
             <a:r>
-              <a:rPr kumimoji="0" sz="1600" b="0" i="0" u="none" strike="noStrike" kern="1200" cap="none" spc="-53" normalizeH="0" baseline="0" noProof="0" dirty="0" smtClean="0">
+              <a:rPr kumimoji="0" sz="1600" b="0" i="0" u="none" strike="noStrike" kern="1200" cap="none" spc="-53" normalizeH="0" baseline="0" noProof="0" dirty="0">
                 <a:ln>
                   <a:noFill/>
                 </a:ln>
@@ -35163,7 +36090,7 @@
               <a:t>must </a:t>
             </a:r>
             <a:r>
-              <a:rPr kumimoji="0" sz="1600" b="0" i="0" u="none" strike="noStrike" kern="1200" cap="none" spc="-62" normalizeH="0" baseline="0" noProof="0" dirty="0" smtClean="0">
+              <a:rPr kumimoji="0" sz="1600" b="0" i="0" u="none" strike="noStrike" kern="1200" cap="none" spc="-62" normalizeH="0" baseline="0" noProof="0" dirty="0">
                 <a:ln>
                   <a:noFill/>
                 </a:ln>
@@ -35179,7 +36106,7 @@
               <a:t>be </a:t>
             </a:r>
             <a:r>
-              <a:rPr kumimoji="0" sz="1600" b="0" i="0" u="none" strike="noStrike" kern="1200" cap="none" spc="-57" normalizeH="0" baseline="0" noProof="0" dirty="0" smtClean="0">
+              <a:rPr kumimoji="0" sz="1600" b="0" i="0" u="none" strike="noStrike" kern="1200" cap="none" spc="-57" normalizeH="0" baseline="0" noProof="0" dirty="0">
                 <a:ln>
                   <a:noFill/>
                 </a:ln>
@@ -35195,7 +36122,7 @@
               <a:t>less than</a:t>
             </a:r>
             <a:r>
-              <a:rPr kumimoji="0" sz="1600" b="0" i="0" u="none" strike="noStrike" kern="1200" cap="none" spc="-304" normalizeH="0" baseline="0" noProof="0" dirty="0" smtClean="0">
+              <a:rPr kumimoji="0" sz="1600" b="0" i="0" u="none" strike="noStrike" kern="1200" cap="none" spc="-304" normalizeH="0" baseline="0" noProof="0" dirty="0">
                 <a:ln>
                   <a:noFill/>
                 </a:ln>
@@ -35211,7 +36138,7 @@
               <a:t> </a:t>
             </a:r>
             <a:r>
-              <a:rPr kumimoji="0" sz="1600" b="0" i="0" u="none" strike="noStrike" kern="1200" cap="none" spc="-40" normalizeH="0" baseline="0" noProof="0" dirty="0" smtClean="0">
+              <a:rPr kumimoji="0" sz="1600" b="0" i="0" u="none" strike="noStrike" kern="1200" cap="none" spc="-40" normalizeH="0" baseline="0" noProof="0" dirty="0">
                 <a:ln>
                   <a:noFill/>
                 </a:ln>
@@ -35227,7 +36154,7 @@
               <a:t>or  </a:t>
             </a:r>
             <a:r>
-              <a:rPr kumimoji="0" sz="1600" b="0" i="0" u="none" strike="noStrike" kern="1200" cap="none" spc="-66" normalizeH="0" baseline="0" noProof="0" dirty="0" smtClean="0">
+              <a:rPr kumimoji="0" sz="1600" b="0" i="0" u="none" strike="noStrike" kern="1200" cap="none" spc="-66" normalizeH="0" baseline="0" noProof="0" dirty="0">
                 <a:ln>
                   <a:noFill/>
                 </a:ln>
@@ -35243,7 +36170,7 @@
               <a:t>equal </a:t>
             </a:r>
             <a:r>
-              <a:rPr kumimoji="0" sz="1600" b="0" i="0" u="none" strike="noStrike" kern="1200" cap="none" spc="-62" normalizeH="0" baseline="0" noProof="0" dirty="0" smtClean="0">
+              <a:rPr kumimoji="0" sz="1600" b="0" i="0" u="none" strike="noStrike" kern="1200" cap="none" spc="-62" normalizeH="0" baseline="0" noProof="0" dirty="0">
                 <a:ln>
                   <a:noFill/>
                 </a:ln>
@@ -35259,7 +36186,7 @@
               <a:t>to </a:t>
             </a:r>
             <a:r>
-              <a:rPr kumimoji="0" sz="1600" b="0" i="0" u="none" strike="noStrike" kern="1200" cap="none" spc="-66" normalizeH="0" baseline="0" noProof="0" dirty="0" smtClean="0">
+              <a:rPr kumimoji="0" sz="1600" b="0" i="0" u="none" strike="noStrike" kern="1200" cap="none" spc="-66" normalizeH="0" baseline="0" noProof="0" dirty="0">
                 <a:ln>
                   <a:noFill/>
                 </a:ln>
@@ -35275,7 +36202,7 @@
               <a:t>the </a:t>
             </a:r>
             <a:r>
-              <a:rPr kumimoji="0" sz="1600" b="0" i="0" u="none" strike="noStrike" kern="1200" cap="none" spc="-75" normalizeH="0" baseline="0" noProof="0" dirty="0" smtClean="0">
+              <a:rPr kumimoji="0" sz="1600" b="0" i="0" u="none" strike="noStrike" kern="1200" cap="none" spc="-75" normalizeH="0" baseline="0" noProof="0" dirty="0">
                 <a:ln>
                   <a:noFill/>
                 </a:ln>
@@ -35291,7 +36218,7 @@
               <a:t>distance </a:t>
             </a:r>
             <a:r>
-              <a:rPr kumimoji="0" sz="1600" b="0" i="0" u="none" strike="noStrike" kern="1200" cap="none" spc="-93" normalizeH="0" baseline="0" noProof="0" dirty="0" smtClean="0">
+              <a:rPr kumimoji="0" sz="1600" b="0" i="0" u="none" strike="noStrike" kern="1200" cap="none" spc="-93" normalizeH="0" baseline="0" noProof="0" dirty="0">
                 <a:ln>
                   <a:noFill/>
                 </a:ln>
@@ -35307,7 +36234,7 @@
               <a:t>d(f(A),</a:t>
             </a:r>
             <a:r>
-              <a:rPr kumimoji="0" sz="1600" b="0" i="0" u="none" strike="noStrike" kern="1200" cap="none" spc="-234" normalizeH="0" baseline="0" noProof="0" dirty="0" smtClean="0">
+              <a:rPr kumimoji="0" sz="1600" b="0" i="0" u="none" strike="noStrike" kern="1200" cap="none" spc="-234" normalizeH="0" baseline="0" noProof="0" dirty="0">
                 <a:ln>
                   <a:noFill/>
                 </a:ln>
@@ -35323,7 +36250,7 @@
               <a:t> </a:t>
             </a:r>
             <a:r>
-              <a:rPr kumimoji="0" sz="1600" b="0" i="0" u="none" strike="noStrike" kern="1200" cap="none" spc="-79" normalizeH="0" baseline="0" noProof="0" dirty="0" smtClean="0">
+              <a:rPr kumimoji="0" sz="1600" b="0" i="0" u="none" strike="noStrike" kern="1200" cap="none" spc="-79" normalizeH="0" baseline="0" noProof="0" dirty="0">
                 <a:ln>
                   <a:noFill/>
                 </a:ln>
@@ -35364,13 +36291,6 @@
   <p:clrMapOvr>
     <a:masterClrMapping/>
   </p:clrMapOvr>
-  <p:timing>
-    <p:tnLst>
-      <p:par>
-        <p:cTn id="1" dur="indefinite" restart="never" nodeType="tmRoot"/>
-      </p:par>
-    </p:tnLst>
-  </p:timing>
 </p:sld>
 </file>
 
